--- a/Least Privilege - Slides.pptx
+++ b/Least Privilege - Slides.pptx
@@ -339,7 +339,7 @@
       <p15:sldGuideLst xmlns:p15="http://schemas.microsoft.com/office/powerpoint/2012/main"/>
     </p:ext>
     <p:ext uri="http://customooxmlschemas.google.com/">
-      <go:slidesCustomData xmlns:go="http://customooxmlschemas.google.com/" xmlns:ahyp="http://schemas.microsoft.com/office/drawing/2018/hyperlinkcolor" xmlns:p15="http://schemas.microsoft.com/office/powerpoint/2012/main" xmlns:p14="http://schemas.microsoft.com/office/powerpoint/2010/main" xmlns:com="http://schemas.openxmlformats.org/drawingml/2006/compatibility" xmlns:pvml="urn:schemas-microsoft-com:office:powerpoint" xmlns:v="urn:schemas-microsoft-com:vml" xmlns:o="urn:schemas-microsoft-com:office:office" xmlns:dgm="http://schemas.openxmlformats.org/drawingml/2006/diagram" xmlns:c="http://schemas.openxmlformats.org/drawingml/2006/chart" xmlns:mv="urn:schemas-microsoft-com:mac:vml" xmlns:mc="http://schemas.openxmlformats.org/markup-compatibility/2006" xmlns="" r:id="rId34" roundtripDataSignature="AMtx7mhjmahNo4pkD65LjYJQehOm+amZ+w=="/>
+      <go:slidesCustomData xmlns="" xmlns:mc="http://schemas.openxmlformats.org/markup-compatibility/2006" xmlns:mv="urn:schemas-microsoft-com:mac:vml" xmlns:c="http://schemas.openxmlformats.org/drawingml/2006/chart" xmlns:dgm="http://schemas.openxmlformats.org/drawingml/2006/diagram" xmlns:o="urn:schemas-microsoft-com:office:office" xmlns:v="urn:schemas-microsoft-com:vml" xmlns:pvml="urn:schemas-microsoft-com:office:powerpoint" xmlns:com="http://schemas.openxmlformats.org/drawingml/2006/compatibility" xmlns:p14="http://schemas.microsoft.com/office/powerpoint/2010/main" xmlns:p15="http://schemas.microsoft.com/office/powerpoint/2012/main" xmlns:ahyp="http://schemas.microsoft.com/office/drawing/2018/hyperlinkcolor" xmlns:go="http://customooxmlschemas.google.com/" r:id="rId34" roundtripDataSignature="AMtx7mhjmahNo4pkD65LjYJQehOm+amZ+w=="/>
     </p:ext>
   </p:extLst>
 </p:presentation>
@@ -358,7 +358,7 @@
   <pc:docChgLst>
     <pc:chgData name="Wyatt Tauber" userId="7e399a81-cb02-44ac-b83b-5ed4b0acc8fd" providerId="ADAL" clId="{F349F01C-ED6C-4F7A-9A38-0E26638F668A}"/>
     <pc:docChg chg="undo custSel addSld delSld modSld sldOrd modMainMaster addSection modSection">
-      <pc:chgData name="Wyatt Tauber" userId="7e399a81-cb02-44ac-b83b-5ed4b0acc8fd" providerId="ADAL" clId="{F349F01C-ED6C-4F7A-9A38-0E26638F668A}" dt="2023-11-26T08:45:53.170" v="20810" actId="20577"/>
+      <pc:chgData name="Wyatt Tauber" userId="7e399a81-cb02-44ac-b83b-5ed4b0acc8fd" providerId="ADAL" clId="{F349F01C-ED6C-4F7A-9A38-0E26638F668A}" dt="2023-11-26T08:49:21.845" v="20811" actId="478"/>
       <pc:docMkLst>
         <pc:docMk/>
       </pc:docMkLst>
@@ -779,8 +779,8 @@
           </ac:picMkLst>
         </pc:picChg>
       </pc:sldChg>
-      <pc:sldChg chg="addSp modSp new mod">
-        <pc:chgData name="Wyatt Tauber" userId="7e399a81-cb02-44ac-b83b-5ed4b0acc8fd" providerId="ADAL" clId="{F349F01C-ED6C-4F7A-9A38-0E26638F668A}" dt="2023-11-26T05:14:37.260" v="12709" actId="113"/>
+      <pc:sldChg chg="addSp delSp modSp new mod">
+        <pc:chgData name="Wyatt Tauber" userId="7e399a81-cb02-44ac-b83b-5ed4b0acc8fd" providerId="ADAL" clId="{F349F01C-ED6C-4F7A-9A38-0E26638F668A}" dt="2023-11-26T08:49:21.845" v="20811" actId="478"/>
         <pc:sldMkLst>
           <pc:docMk/>
           <pc:sldMk cId="1256649899" sldId="263"/>
@@ -801,8 +801,8 @@
             <ac:spMk id="3" creationId="{A42580EC-37D0-6C39-F347-242CEF70B48A}"/>
           </ac:spMkLst>
         </pc:spChg>
-        <pc:spChg chg="add mod">
-          <ac:chgData name="Wyatt Tauber" userId="7e399a81-cb02-44ac-b83b-5ed4b0acc8fd" providerId="ADAL" clId="{F349F01C-ED6C-4F7A-9A38-0E26638F668A}" dt="2023-11-23T20:39:21.615" v="1021"/>
+        <pc:spChg chg="add del mod">
+          <ac:chgData name="Wyatt Tauber" userId="7e399a81-cb02-44ac-b83b-5ed4b0acc8fd" providerId="ADAL" clId="{F349F01C-ED6C-4F7A-9A38-0E26638F668A}" dt="2023-11-26T08:49:21.845" v="20811" actId="478"/>
           <ac:spMkLst>
             <pc:docMk/>
             <pc:sldMk cId="1256649899" sldId="263"/>
@@ -15004,48 +15004,6 @@
       </p:pic>
       <p:sp>
         <p:nvSpPr>
-          <p:cNvPr id="6" name="TextBox 5">
-            <a:extLst>
-              <a:ext uri="{FF2B5EF4-FFF2-40B4-BE49-F238E27FC236}">
-                <a16:creationId xmlns:a16="http://schemas.microsoft.com/office/drawing/2014/main" id="{06C52496-7AD9-32FA-1252-CBFC2BF1ECDB}"/>
-              </a:ext>
-            </a:extLst>
-          </p:cNvPr>
-          <p:cNvSpPr txBox="1"/>
-          <p:nvPr/>
-        </p:nvSpPr>
-        <p:spPr>
-          <a:xfrm>
-            <a:off x="10032782" y="5818191"/>
-            <a:ext cx="1179701" cy="230832"/>
-          </a:xfrm>
-          <a:prstGeom prst="rect">
-            <a:avLst/>
-          </a:prstGeom>
-          <a:noFill/>
-        </p:spPr>
-        <p:txBody>
-          <a:bodyPr wrap="square">
-            <a:spAutoFit/>
-          </a:bodyPr>
-          <a:lstStyle/>
-          <a:p>
-            <a:r>
-              <a:rPr lang="en-US" sz="900" i="1" dirty="0">
-                <a:solidFill>
-                  <a:schemeClr val="accent6"/>
-                </a:solidFill>
-                <a:latin typeface="Calibri" panose="020F0502020204030204" pitchFamily="34" charset="0"/>
-                <a:ea typeface="Calibri" panose="020F0502020204030204" pitchFamily="34" charset="0"/>
-                <a:cs typeface="Calibri" panose="020F0502020204030204" pitchFamily="34" charset="0"/>
-              </a:rPr>
-              <a:t>https://delinea.com/</a:t>
-            </a:r>
-          </a:p>
-        </p:txBody>
-      </p:sp>
-      <p:sp>
-        <p:nvSpPr>
           <p:cNvPr id="7" name="Google Shape;53;p3">
             <a:extLst>
               <a:ext uri="{FF2B5EF4-FFF2-40B4-BE49-F238E27FC236}">

--- a/Least Privilege - Slides.pptx
+++ b/Least Privilege - Slides.pptx
@@ -339,7 +339,7 @@
       <p15:sldGuideLst xmlns:p15="http://schemas.microsoft.com/office/powerpoint/2012/main"/>
     </p:ext>
     <p:ext uri="http://customooxmlschemas.google.com/">
-      <go:slidesCustomData xmlns="" xmlns:mc="http://schemas.openxmlformats.org/markup-compatibility/2006" xmlns:mv="urn:schemas-microsoft-com:mac:vml" xmlns:c="http://schemas.openxmlformats.org/drawingml/2006/chart" xmlns:dgm="http://schemas.openxmlformats.org/drawingml/2006/diagram" xmlns:o="urn:schemas-microsoft-com:office:office" xmlns:v="urn:schemas-microsoft-com:vml" xmlns:pvml="urn:schemas-microsoft-com:office:powerpoint" xmlns:com="http://schemas.openxmlformats.org/drawingml/2006/compatibility" xmlns:p14="http://schemas.microsoft.com/office/powerpoint/2010/main" xmlns:p15="http://schemas.microsoft.com/office/powerpoint/2012/main" xmlns:ahyp="http://schemas.microsoft.com/office/drawing/2018/hyperlinkcolor" xmlns:go="http://customooxmlschemas.google.com/" r:id="rId34" roundtripDataSignature="AMtx7mhjmahNo4pkD65LjYJQehOm+amZ+w=="/>
+      <go:slidesCustomData xmlns:go="http://customooxmlschemas.google.com/" xmlns:ahyp="http://schemas.microsoft.com/office/drawing/2018/hyperlinkcolor" xmlns:p15="http://schemas.microsoft.com/office/powerpoint/2012/main" xmlns:p14="http://schemas.microsoft.com/office/powerpoint/2010/main" xmlns:com="http://schemas.openxmlformats.org/drawingml/2006/compatibility" xmlns:pvml="urn:schemas-microsoft-com:office:powerpoint" xmlns:v="urn:schemas-microsoft-com:vml" xmlns:o="urn:schemas-microsoft-com:office:office" xmlns:dgm="http://schemas.openxmlformats.org/drawingml/2006/diagram" xmlns:c="http://schemas.openxmlformats.org/drawingml/2006/chart" xmlns:mv="urn:schemas-microsoft-com:mac:vml" xmlns:mc="http://schemas.openxmlformats.org/markup-compatibility/2006" xmlns="" r:id="rId34" roundtripDataSignature="AMtx7mhjmahNo4pkD65LjYJQehOm+amZ+w=="/>
     </p:ext>
   </p:extLst>
 </p:presentation>
@@ -358,7 +358,7 @@
   <pc:docChgLst>
     <pc:chgData name="Wyatt Tauber" userId="7e399a81-cb02-44ac-b83b-5ed4b0acc8fd" providerId="ADAL" clId="{F349F01C-ED6C-4F7A-9A38-0E26638F668A}"/>
     <pc:docChg chg="undo custSel addSld delSld modSld sldOrd modMainMaster addSection modSection">
-      <pc:chgData name="Wyatt Tauber" userId="7e399a81-cb02-44ac-b83b-5ed4b0acc8fd" providerId="ADAL" clId="{F349F01C-ED6C-4F7A-9A38-0E26638F668A}" dt="2023-11-26T08:49:21.845" v="20811" actId="478"/>
+      <pc:chgData name="Wyatt Tauber" userId="7e399a81-cb02-44ac-b83b-5ed4b0acc8fd" providerId="ADAL" clId="{F349F01C-ED6C-4F7A-9A38-0E26638F668A}" dt="2023-11-26T08:51:44.157" v="20812" actId="20577"/>
       <pc:docMkLst>
         <pc:docMk/>
       </pc:docMkLst>
@@ -1037,7 +1037,7 @@
         </pc:sldMkLst>
       </pc:sldChg>
       <pc:sldChg chg="addSp modSp add mod ord">
-        <pc:chgData name="Wyatt Tauber" userId="7e399a81-cb02-44ac-b83b-5ed4b0acc8fd" providerId="ADAL" clId="{F349F01C-ED6C-4F7A-9A38-0E26638F668A}" dt="2023-11-26T08:16:15.382" v="20213"/>
+        <pc:chgData name="Wyatt Tauber" userId="7e399a81-cb02-44ac-b83b-5ed4b0acc8fd" providerId="ADAL" clId="{F349F01C-ED6C-4F7A-9A38-0E26638F668A}" dt="2023-11-26T08:51:44.157" v="20812" actId="20577"/>
         <pc:sldMkLst>
           <pc:docMk/>
           <pc:sldMk cId="1792205592" sldId="269"/>
@@ -1051,7 +1051,7 @@
           </ac:spMkLst>
         </pc:spChg>
         <pc:spChg chg="mod">
-          <ac:chgData name="Wyatt Tauber" userId="7e399a81-cb02-44ac-b83b-5ed4b0acc8fd" providerId="ADAL" clId="{F349F01C-ED6C-4F7A-9A38-0E26638F668A}" dt="2023-11-26T05:45:49.480" v="13643" actId="20577"/>
+          <ac:chgData name="Wyatt Tauber" userId="7e399a81-cb02-44ac-b83b-5ed4b0acc8fd" providerId="ADAL" clId="{F349F01C-ED6C-4F7A-9A38-0E26638F668A}" dt="2023-11-26T08:51:44.157" v="20812" actId="20577"/>
           <ac:spMkLst>
             <pc:docMk/>
             <pc:sldMk cId="1792205592" sldId="269"/>
@@ -10547,7 +10547,7 @@
             </a:pPr>
             <a:r>
               <a:rPr lang="en-US" dirty="0"/>
-              <a:t>Concepts</a:t>
+              <a:t>Concept</a:t>
             </a:r>
           </a:p>
           <a:p>

--- a/Least Privilege - Slides.pptx
+++ b/Least Privilege - Slides.pptx
@@ -37,8 +37,8 @@
     <p:sldId id="265" r:id="rId28"/>
     <p:sldId id="279" r:id="rId29"/>
     <p:sldId id="277" r:id="rId30"/>
-    <p:sldId id="258" r:id="rId31"/>
-    <p:sldId id="278" r:id="rId32"/>
+    <p:sldId id="278" r:id="rId31"/>
+    <p:sldId id="258" r:id="rId32"/>
   </p:sldIdLst>
   <p:sldSz cx="12192000" cy="6858000"/>
   <p:notesSz cx="6858000" cy="9144000"/>
@@ -325,12 +325,8 @@
           <p14:sldIdLst>
             <p14:sldId id="279"/>
             <p14:sldId id="277"/>
+            <p14:sldId id="278"/>
             <p14:sldId id="258"/>
-          </p14:sldIdLst>
-        </p14:section>
-        <p14:section name="Lab" id="{55570249-E997-4BB7-A8CE-2CFADE8405E1}">
-          <p14:sldIdLst>
-            <p14:sldId id="278"/>
           </p14:sldIdLst>
         </p14:section>
       </p14:sectionLst>
@@ -339,7 +335,7 @@
       <p15:sldGuideLst xmlns:p15="http://schemas.microsoft.com/office/powerpoint/2012/main"/>
     </p:ext>
     <p:ext uri="http://customooxmlschemas.google.com/">
-      <go:slidesCustomData xmlns:go="http://customooxmlschemas.google.com/" xmlns:ahyp="http://schemas.microsoft.com/office/drawing/2018/hyperlinkcolor" xmlns:p15="http://schemas.microsoft.com/office/powerpoint/2012/main" xmlns:p14="http://schemas.microsoft.com/office/powerpoint/2010/main" xmlns:com="http://schemas.openxmlformats.org/drawingml/2006/compatibility" xmlns:pvml="urn:schemas-microsoft-com:office:powerpoint" xmlns:v="urn:schemas-microsoft-com:vml" xmlns:o="urn:schemas-microsoft-com:office:office" xmlns:dgm="http://schemas.openxmlformats.org/drawingml/2006/diagram" xmlns:c="http://schemas.openxmlformats.org/drawingml/2006/chart" xmlns:mv="urn:schemas-microsoft-com:mac:vml" xmlns:mc="http://schemas.openxmlformats.org/markup-compatibility/2006" xmlns="" r:id="rId34" roundtripDataSignature="AMtx7mhjmahNo4pkD65LjYJQehOm+amZ+w=="/>
+      <go:slidesCustomData xmlns="" xmlns:mc="http://schemas.openxmlformats.org/markup-compatibility/2006" xmlns:mv="urn:schemas-microsoft-com:mac:vml" xmlns:c="http://schemas.openxmlformats.org/drawingml/2006/chart" xmlns:dgm="http://schemas.openxmlformats.org/drawingml/2006/diagram" xmlns:o="urn:schemas-microsoft-com:office:office" xmlns:v="urn:schemas-microsoft-com:vml" xmlns:pvml="urn:schemas-microsoft-com:office:powerpoint" xmlns:com="http://schemas.openxmlformats.org/drawingml/2006/compatibility" xmlns:p14="http://schemas.microsoft.com/office/powerpoint/2010/main" xmlns:p15="http://schemas.microsoft.com/office/powerpoint/2012/main" xmlns:ahyp="http://schemas.microsoft.com/office/drawing/2018/hyperlinkcolor" xmlns:go="http://customooxmlschemas.google.com/" r:id="rId34" roundtripDataSignature="AMtx7mhjmahNo4pkD65LjYJQehOm+amZ+w=="/>
     </p:ext>
   </p:extLst>
 </p:presentation>
@@ -348,7 +344,7 @@
 <file path=ppt/revisionInfo.xml><?xml version="1.0" encoding="utf-8"?>
 <p1510:revInfo xmlns:a="http://schemas.openxmlformats.org/drawingml/2006/main" xmlns:r="http://schemas.openxmlformats.org/officeDocument/2006/relationships" xmlns:p1510="http://schemas.microsoft.com/office/powerpoint/2015/10/main">
   <p1510:revLst>
-    <p1510:client id="{F349F01C-ED6C-4F7A-9A38-0E26638F668A}" v="373" dt="2023-11-26T08:46:35.838"/>
+    <p1510:client id="{F349F01C-ED6C-4F7A-9A38-0E26638F668A}" v="378" dt="2023-11-26T20:36:01.687"/>
   </p1510:revLst>
 </p1510:revInfo>
 </file>
@@ -357,13 +353,13 @@
 <pc:chgInfo xmlns:a="http://schemas.openxmlformats.org/drawingml/2006/main" xmlns:r="http://schemas.openxmlformats.org/officeDocument/2006/relationships" xmlns:ac="http://schemas.microsoft.com/office/drawing/2013/main/command" xmlns:pc="http://schemas.microsoft.com/office/powerpoint/2013/main/command">
   <pc:docChgLst>
     <pc:chgData name="Wyatt Tauber" userId="7e399a81-cb02-44ac-b83b-5ed4b0acc8fd" providerId="ADAL" clId="{F349F01C-ED6C-4F7A-9A38-0E26638F668A}"/>
-    <pc:docChg chg="undo custSel addSld delSld modSld sldOrd modMainMaster addSection modSection">
-      <pc:chgData name="Wyatt Tauber" userId="7e399a81-cb02-44ac-b83b-5ed4b0acc8fd" providerId="ADAL" clId="{F349F01C-ED6C-4F7A-9A38-0E26638F668A}" dt="2023-11-26T08:51:44.157" v="20812" actId="20577"/>
+    <pc:docChg chg="undo custSel addSld delSld modSld sldOrd modMainMaster addSection delSection modSection">
+      <pc:chgData name="Wyatt Tauber" userId="7e399a81-cb02-44ac-b83b-5ed4b0acc8fd" providerId="ADAL" clId="{F349F01C-ED6C-4F7A-9A38-0E26638F668A}" dt="2023-11-26T21:41:29.942" v="27780" actId="5793"/>
       <pc:docMkLst>
         <pc:docMk/>
       </pc:docMkLst>
-      <pc:sldChg chg="addSp delSp modSp mod setBg">
-        <pc:chgData name="Wyatt Tauber" userId="7e399a81-cb02-44ac-b83b-5ed4b0acc8fd" providerId="ADAL" clId="{F349F01C-ED6C-4F7A-9A38-0E26638F668A}" dt="2023-11-24T05:52:25.981" v="6934" actId="29295"/>
+      <pc:sldChg chg="addSp delSp modSp mod setBg modNotesTx">
+        <pc:chgData name="Wyatt Tauber" userId="7e399a81-cb02-44ac-b83b-5ed4b0acc8fd" providerId="ADAL" clId="{F349F01C-ED6C-4F7A-9A38-0E26638F668A}" dt="2023-11-26T19:39:13.145" v="21123" actId="20577"/>
         <pc:sldMkLst>
           <pc:docMk/>
           <pc:sldMk cId="0" sldId="256"/>
@@ -417,8 +413,8 @@
           </ac:picMkLst>
         </pc:picChg>
       </pc:sldChg>
-      <pc:sldChg chg="addSp delSp modSp mod">
-        <pc:chgData name="Wyatt Tauber" userId="7e399a81-cb02-44ac-b83b-5ed4b0acc8fd" providerId="ADAL" clId="{F349F01C-ED6C-4F7A-9A38-0E26638F668A}" dt="2023-11-26T08:20:30.634" v="20392" actId="27636"/>
+      <pc:sldChg chg="addSp delSp modSp mod modShow modNotesTx">
+        <pc:chgData name="Wyatt Tauber" userId="7e399a81-cb02-44ac-b83b-5ed4b0acc8fd" providerId="ADAL" clId="{F349F01C-ED6C-4F7A-9A38-0E26638F668A}" dt="2023-11-26T19:40:19.460" v="21164" actId="729"/>
         <pc:sldMkLst>
           <pc:docMk/>
           <pc:sldMk cId="0" sldId="257"/>
@@ -464,7 +460,7 @@
           </ac:spMkLst>
         </pc:spChg>
         <pc:spChg chg="mod">
-          <ac:chgData name="Wyatt Tauber" userId="7e399a81-cb02-44ac-b83b-5ed4b0acc8fd" providerId="ADAL" clId="{F349F01C-ED6C-4F7A-9A38-0E26638F668A}" dt="2023-11-26T08:20:30.634" v="20392" actId="27636"/>
+          <ac:chgData name="Wyatt Tauber" userId="7e399a81-cb02-44ac-b83b-5ed4b0acc8fd" providerId="ADAL" clId="{F349F01C-ED6C-4F7A-9A38-0E26638F668A}" dt="2023-11-26T19:40:02.928" v="21159" actId="20577"/>
           <ac:spMkLst>
             <pc:docMk/>
             <pc:sldMk cId="0" sldId="257"/>
@@ -520,8 +516,8 @@
           </ac:picMkLst>
         </pc:picChg>
       </pc:sldChg>
-      <pc:sldChg chg="delSp modSp mod">
-        <pc:chgData name="Wyatt Tauber" userId="7e399a81-cb02-44ac-b83b-5ed4b0acc8fd" providerId="ADAL" clId="{F349F01C-ED6C-4F7A-9A38-0E26638F668A}" dt="2023-11-26T08:45:53.170" v="20810" actId="20577"/>
+      <pc:sldChg chg="delSp modSp mod modShow">
+        <pc:chgData name="Wyatt Tauber" userId="7e399a81-cb02-44ac-b83b-5ed4b0acc8fd" providerId="ADAL" clId="{F349F01C-ED6C-4F7A-9A38-0E26638F668A}" dt="2023-11-26T19:40:27.392" v="21165" actId="729"/>
         <pc:sldMkLst>
           <pc:docMk/>
           <pc:sldMk cId="0" sldId="258"/>
@@ -559,8 +555,8 @@
           </ac:spMkLst>
         </pc:spChg>
       </pc:sldChg>
-      <pc:sldChg chg="addSp delSp modSp new mod setBg">
-        <pc:chgData name="Wyatt Tauber" userId="7e399a81-cb02-44ac-b83b-5ed4b0acc8fd" providerId="ADAL" clId="{F349F01C-ED6C-4F7A-9A38-0E26638F668A}" dt="2023-11-26T08:22:08.106" v="20442" actId="20577"/>
+      <pc:sldChg chg="addSp delSp modSp new mod setBg modNotesTx">
+        <pc:chgData name="Wyatt Tauber" userId="7e399a81-cb02-44ac-b83b-5ed4b0acc8fd" providerId="ADAL" clId="{F349F01C-ED6C-4F7A-9A38-0E26638F668A}" dt="2023-11-26T21:32:34.267" v="27133" actId="20577"/>
         <pc:sldMkLst>
           <pc:docMk/>
           <pc:sldMk cId="294135515" sldId="259"/>
@@ -614,8 +610,8 @@
           </ac:picMkLst>
         </pc:picChg>
       </pc:sldChg>
-      <pc:sldChg chg="addSp modSp add mod ord">
-        <pc:chgData name="Wyatt Tauber" userId="7e399a81-cb02-44ac-b83b-5ed4b0acc8fd" providerId="ADAL" clId="{F349F01C-ED6C-4F7A-9A38-0E26638F668A}" dt="2023-11-26T02:22:49.643" v="10072" actId="1076"/>
+      <pc:sldChg chg="addSp modSp add mod ord modNotesTx">
+        <pc:chgData name="Wyatt Tauber" userId="7e399a81-cb02-44ac-b83b-5ed4b0acc8fd" providerId="ADAL" clId="{F349F01C-ED6C-4F7A-9A38-0E26638F668A}" dt="2023-11-26T21:30:55.605" v="26993" actId="20577"/>
         <pc:sldMkLst>
           <pc:docMk/>
           <pc:sldMk cId="1686472703" sldId="260"/>
@@ -653,8 +649,8 @@
           </ac:picMkLst>
         </pc:picChg>
       </pc:sldChg>
-      <pc:sldChg chg="addSp delSp modSp new mod">
-        <pc:chgData name="Wyatt Tauber" userId="7e399a81-cb02-44ac-b83b-5ed4b0acc8fd" providerId="ADAL" clId="{F349F01C-ED6C-4F7A-9A38-0E26638F668A}" dt="2023-11-26T05:59:26.004" v="13928" actId="20577"/>
+      <pc:sldChg chg="addSp delSp modSp new mod modNotesTx">
+        <pc:chgData name="Wyatt Tauber" userId="7e399a81-cb02-44ac-b83b-5ed4b0acc8fd" providerId="ADAL" clId="{F349F01C-ED6C-4F7A-9A38-0E26638F668A}" dt="2023-11-26T20:01:47.981" v="23794" actId="5793"/>
         <pc:sldMkLst>
           <pc:docMk/>
           <pc:sldMk cId="2295747415" sldId="261"/>
@@ -684,7 +680,7 @@
           </ac:spMkLst>
         </pc:spChg>
         <pc:spChg chg="add del mod">
-          <ac:chgData name="Wyatt Tauber" userId="7e399a81-cb02-44ac-b83b-5ed4b0acc8fd" providerId="ADAL" clId="{F349F01C-ED6C-4F7A-9A38-0E26638F668A}" dt="2023-11-26T02:17:40.759" v="10006" actId="208"/>
+          <ac:chgData name="Wyatt Tauber" userId="7e399a81-cb02-44ac-b83b-5ed4b0acc8fd" providerId="ADAL" clId="{F349F01C-ED6C-4F7A-9A38-0E26638F668A}" dt="2023-11-26T19:53:55.521" v="23615" actId="113"/>
           <ac:spMkLst>
             <pc:docMk/>
             <pc:sldMk cId="2295747415" sldId="261"/>
@@ -724,8 +720,8 @@
           </ac:picMkLst>
         </pc:picChg>
       </pc:sldChg>
-      <pc:sldChg chg="addSp delSp modSp new mod">
-        <pc:chgData name="Wyatt Tauber" userId="7e399a81-cb02-44ac-b83b-5ed4b0acc8fd" providerId="ADAL" clId="{F349F01C-ED6C-4F7A-9A38-0E26638F668A}" dt="2023-11-24T05:54:50.040" v="6950"/>
+      <pc:sldChg chg="addSp delSp modSp new mod modNotesTx">
+        <pc:chgData name="Wyatt Tauber" userId="7e399a81-cb02-44ac-b83b-5ed4b0acc8fd" providerId="ADAL" clId="{F349F01C-ED6C-4F7A-9A38-0E26638F668A}" dt="2023-11-26T21:34:29.249" v="27314" actId="5793"/>
         <pc:sldMkLst>
           <pc:docMk/>
           <pc:sldMk cId="2819214128" sldId="262"/>
@@ -779,8 +775,8 @@
           </ac:picMkLst>
         </pc:picChg>
       </pc:sldChg>
-      <pc:sldChg chg="addSp delSp modSp new mod">
-        <pc:chgData name="Wyatt Tauber" userId="7e399a81-cb02-44ac-b83b-5ed4b0acc8fd" providerId="ADAL" clId="{F349F01C-ED6C-4F7A-9A38-0E26638F668A}" dt="2023-11-26T08:49:21.845" v="20811" actId="478"/>
+      <pc:sldChg chg="addSp delSp modSp new mod modNotesTx">
+        <pc:chgData name="Wyatt Tauber" userId="7e399a81-cb02-44ac-b83b-5ed4b0acc8fd" providerId="ADAL" clId="{F349F01C-ED6C-4F7A-9A38-0E26638F668A}" dt="2023-11-26T21:36:47.697" v="27509" actId="5793"/>
         <pc:sldMkLst>
           <pc:docMk/>
           <pc:sldMk cId="1256649899" sldId="263"/>
@@ -794,7 +790,7 @@
           </ac:spMkLst>
         </pc:spChg>
         <pc:spChg chg="mod">
-          <ac:chgData name="Wyatt Tauber" userId="7e399a81-cb02-44ac-b83b-5ed4b0acc8fd" providerId="ADAL" clId="{F349F01C-ED6C-4F7A-9A38-0E26638F668A}" dt="2023-11-26T02:19:21.241" v="10015" actId="207"/>
+          <ac:chgData name="Wyatt Tauber" userId="7e399a81-cb02-44ac-b83b-5ed4b0acc8fd" providerId="ADAL" clId="{F349F01C-ED6C-4F7A-9A38-0E26638F668A}" dt="2023-11-26T21:36:42.700" v="27488" actId="20577"/>
           <ac:spMkLst>
             <pc:docMk/>
             <pc:sldMk cId="1256649899" sldId="263"/>
@@ -834,8 +830,8 @@
           </ac:picMkLst>
         </pc:picChg>
       </pc:sldChg>
-      <pc:sldChg chg="addSp delSp modSp new mod">
-        <pc:chgData name="Wyatt Tauber" userId="7e399a81-cb02-44ac-b83b-5ed4b0acc8fd" providerId="ADAL" clId="{F349F01C-ED6C-4F7A-9A38-0E26638F668A}" dt="2023-11-26T02:43:01.047" v="10793" actId="2711"/>
+      <pc:sldChg chg="addSp delSp modSp new mod modNotesTx">
+        <pc:chgData name="Wyatt Tauber" userId="7e399a81-cb02-44ac-b83b-5ed4b0acc8fd" providerId="ADAL" clId="{F349F01C-ED6C-4F7A-9A38-0E26638F668A}" dt="2023-11-26T21:39:27.958" v="27621" actId="20577"/>
         <pc:sldMkLst>
           <pc:docMk/>
           <pc:sldMk cId="2936377375" sldId="264"/>
@@ -873,8 +869,8 @@
           </ac:graphicFrameMkLst>
         </pc:graphicFrameChg>
       </pc:sldChg>
-      <pc:sldChg chg="addSp delSp modSp add mod">
-        <pc:chgData name="Wyatt Tauber" userId="7e399a81-cb02-44ac-b83b-5ed4b0acc8fd" providerId="ADAL" clId="{F349F01C-ED6C-4F7A-9A38-0E26638F668A}" dt="2023-11-26T02:43:11.676" v="10795" actId="20577"/>
+      <pc:sldChg chg="addSp delSp modSp add mod modNotesTx">
+        <pc:chgData name="Wyatt Tauber" userId="7e399a81-cb02-44ac-b83b-5ed4b0acc8fd" providerId="ADAL" clId="{F349F01C-ED6C-4F7A-9A38-0E26638F668A}" dt="2023-11-26T21:39:54.264" v="27633" actId="20577"/>
         <pc:sldMkLst>
           <pc:docMk/>
           <pc:sldMk cId="1549342068" sldId="265"/>
@@ -912,8 +908,8 @@
           </ac:graphicFrameMkLst>
         </pc:graphicFrameChg>
       </pc:sldChg>
-      <pc:sldChg chg="addSp delSp modSp new mod">
-        <pc:chgData name="Wyatt Tauber" userId="7e399a81-cb02-44ac-b83b-5ed4b0acc8fd" providerId="ADAL" clId="{F349F01C-ED6C-4F7A-9A38-0E26638F668A}" dt="2023-11-26T05:27:25.829" v="13266" actId="20577"/>
+      <pc:sldChg chg="addSp delSp modSp new mod modNotesTx">
+        <pc:chgData name="Wyatt Tauber" userId="7e399a81-cb02-44ac-b83b-5ed4b0acc8fd" providerId="ADAL" clId="{F349F01C-ED6C-4F7A-9A38-0E26638F668A}" dt="2023-11-26T20:18:55.176" v="24182" actId="20577"/>
         <pc:sldMkLst>
           <pc:docMk/>
           <pc:sldMk cId="2098195197" sldId="266"/>
@@ -943,7 +939,7 @@
           </ac:spMkLst>
         </pc:spChg>
         <pc:graphicFrameChg chg="add mod modGraphic">
-          <ac:chgData name="Wyatt Tauber" userId="7e399a81-cb02-44ac-b83b-5ed4b0acc8fd" providerId="ADAL" clId="{F349F01C-ED6C-4F7A-9A38-0E26638F668A}" dt="2023-11-26T05:27:25.829" v="13266" actId="20577"/>
+          <ac:chgData name="Wyatt Tauber" userId="7e399a81-cb02-44ac-b83b-5ed4b0acc8fd" providerId="ADAL" clId="{F349F01C-ED6C-4F7A-9A38-0E26638F668A}" dt="2023-11-26T20:08:37.146" v="23813" actId="12"/>
           <ac:graphicFrameMkLst>
             <pc:docMk/>
             <pc:sldMk cId="2098195197" sldId="266"/>
@@ -951,8 +947,8 @@
           </ac:graphicFrameMkLst>
         </pc:graphicFrameChg>
       </pc:sldChg>
-      <pc:sldChg chg="addSp delSp modSp new mod">
-        <pc:chgData name="Wyatt Tauber" userId="7e399a81-cb02-44ac-b83b-5ed4b0acc8fd" providerId="ADAL" clId="{F349F01C-ED6C-4F7A-9A38-0E26638F668A}" dt="2023-11-26T05:42:39.200" v="13565" actId="20577"/>
+      <pc:sldChg chg="addSp delSp modSp new mod modNotesTx">
+        <pc:chgData name="Wyatt Tauber" userId="7e399a81-cb02-44ac-b83b-5ed4b0acc8fd" providerId="ADAL" clId="{F349F01C-ED6C-4F7A-9A38-0E26638F668A}" dt="2023-11-26T20:19:25.956" v="24243" actId="20577"/>
         <pc:sldMkLst>
           <pc:docMk/>
           <pc:sldMk cId="27284295" sldId="267"/>
@@ -982,7 +978,7 @@
           </ac:spMkLst>
         </pc:spChg>
         <pc:graphicFrameChg chg="add mod modGraphic">
-          <ac:chgData name="Wyatt Tauber" userId="7e399a81-cb02-44ac-b83b-5ed4b0acc8fd" providerId="ADAL" clId="{F349F01C-ED6C-4F7A-9A38-0E26638F668A}" dt="2023-11-26T05:42:26.911" v="13559" actId="1076"/>
+          <ac:chgData name="Wyatt Tauber" userId="7e399a81-cb02-44ac-b83b-5ed4b0acc8fd" providerId="ADAL" clId="{F349F01C-ED6C-4F7A-9A38-0E26638F668A}" dt="2023-11-26T20:08:45.264" v="23814" actId="12"/>
           <ac:graphicFrameMkLst>
             <pc:docMk/>
             <pc:sldMk cId="27284295" sldId="267"/>
@@ -990,8 +986,8 @@
           </ac:graphicFrameMkLst>
         </pc:graphicFrameChg>
       </pc:sldChg>
-      <pc:sldChg chg="addSp delSp modSp new mod ord">
-        <pc:chgData name="Wyatt Tauber" userId="7e399a81-cb02-44ac-b83b-5ed4b0acc8fd" providerId="ADAL" clId="{F349F01C-ED6C-4F7A-9A38-0E26638F668A}" dt="2023-11-26T08:06:50.888" v="19682" actId="20577"/>
+      <pc:sldChg chg="addSp delSp modSp new mod ord modNotesTx">
+        <pc:chgData name="Wyatt Tauber" userId="7e399a81-cb02-44ac-b83b-5ed4b0acc8fd" providerId="ADAL" clId="{F349F01C-ED6C-4F7A-9A38-0E26638F668A}" dt="2023-11-26T19:53:02.625" v="23560" actId="20577"/>
         <pc:sldMkLst>
           <pc:docMk/>
           <pc:sldMk cId="1014689280" sldId="268"/>
@@ -1005,7 +1001,7 @@
           </ac:spMkLst>
         </pc:spChg>
         <pc:spChg chg="mod">
-          <ac:chgData name="Wyatt Tauber" userId="7e399a81-cb02-44ac-b83b-5ed4b0acc8fd" providerId="ADAL" clId="{F349F01C-ED6C-4F7A-9A38-0E26638F668A}" dt="2023-11-26T08:06:50.888" v="19682" actId="20577"/>
+          <ac:chgData name="Wyatt Tauber" userId="7e399a81-cb02-44ac-b83b-5ed4b0acc8fd" providerId="ADAL" clId="{F349F01C-ED6C-4F7A-9A38-0E26638F668A}" dt="2023-11-26T19:52:42.599" v="23457" actId="113"/>
           <ac:spMkLst>
             <pc:docMk/>
             <pc:sldMk cId="1014689280" sldId="268"/>
@@ -1036,8 +1032,8 @@
           <pc:sldMk cId="992980344" sldId="269"/>
         </pc:sldMkLst>
       </pc:sldChg>
-      <pc:sldChg chg="addSp modSp add mod ord">
-        <pc:chgData name="Wyatt Tauber" userId="7e399a81-cb02-44ac-b83b-5ed4b0acc8fd" providerId="ADAL" clId="{F349F01C-ED6C-4F7A-9A38-0E26638F668A}" dt="2023-11-26T08:51:44.157" v="20812" actId="20577"/>
+      <pc:sldChg chg="addSp modSp add mod ord modNotesTx">
+        <pc:chgData name="Wyatt Tauber" userId="7e399a81-cb02-44ac-b83b-5ed4b0acc8fd" providerId="ADAL" clId="{F349F01C-ED6C-4F7A-9A38-0E26638F668A}" dt="2023-11-26T21:30:16.891" v="26911" actId="20577"/>
         <pc:sldMkLst>
           <pc:docMk/>
           <pc:sldMk cId="1792205592" sldId="269"/>
@@ -1075,8 +1071,8 @@
           </ac:picMkLst>
         </pc:picChg>
       </pc:sldChg>
-      <pc:sldChg chg="addSp delSp modSp add mod ord">
-        <pc:chgData name="Wyatt Tauber" userId="7e399a81-cb02-44ac-b83b-5ed4b0acc8fd" providerId="ADAL" clId="{F349F01C-ED6C-4F7A-9A38-0E26638F668A}" dt="2023-11-26T06:04:53.731" v="14411"/>
+      <pc:sldChg chg="addSp delSp modSp add mod ord modNotesTx">
+        <pc:chgData name="Wyatt Tauber" userId="7e399a81-cb02-44ac-b83b-5ed4b0acc8fd" providerId="ADAL" clId="{F349F01C-ED6C-4F7A-9A38-0E26638F668A}" dt="2023-11-26T20:24:43.524" v="24423" actId="20577"/>
         <pc:sldMkLst>
           <pc:docMk/>
           <pc:sldMk cId="1455763165" sldId="270"/>
@@ -1114,8 +1110,8 @@
           </ac:picMkLst>
         </pc:picChg>
       </pc:sldChg>
-      <pc:sldChg chg="addSp delSp modSp add mod ord">
-        <pc:chgData name="Wyatt Tauber" userId="7e399a81-cb02-44ac-b83b-5ed4b0acc8fd" providerId="ADAL" clId="{F349F01C-ED6C-4F7A-9A38-0E26638F668A}" dt="2023-11-26T02:24:24.427" v="10096" actId="20577"/>
+      <pc:sldChg chg="addSp delSp modSp add mod ord modNotesTx">
+        <pc:chgData name="Wyatt Tauber" userId="7e399a81-cb02-44ac-b83b-5ed4b0acc8fd" providerId="ADAL" clId="{F349F01C-ED6C-4F7A-9A38-0E26638F668A}" dt="2023-11-26T19:47:35.665" v="22549" actId="20577"/>
         <pc:sldMkLst>
           <pc:docMk/>
           <pc:sldMk cId="1992043741" sldId="271"/>
@@ -1177,8 +1173,8 @@
           </ac:picMkLst>
         </pc:picChg>
       </pc:sldChg>
-      <pc:sldChg chg="addSp modSp add mod">
-        <pc:chgData name="Wyatt Tauber" userId="7e399a81-cb02-44ac-b83b-5ed4b0acc8fd" providerId="ADAL" clId="{F349F01C-ED6C-4F7A-9A38-0E26638F668A}" dt="2023-11-26T05:44:00.394" v="13605" actId="20577"/>
+      <pc:sldChg chg="addSp modSp add mod modNotesTx">
+        <pc:chgData name="Wyatt Tauber" userId="7e399a81-cb02-44ac-b83b-5ed4b0acc8fd" providerId="ADAL" clId="{F349F01C-ED6C-4F7A-9A38-0E26638F668A}" dt="2023-11-26T19:43:01.631" v="21605" actId="20577"/>
         <pc:sldMkLst>
           <pc:docMk/>
           <pc:sldMk cId="1244139089" sldId="272"/>
@@ -1209,7 +1205,7 @@
         </pc:picChg>
       </pc:sldChg>
       <pc:sldChg chg="addSp delSp modSp new mod ord modNotesTx">
-        <pc:chgData name="Wyatt Tauber" userId="7e399a81-cb02-44ac-b83b-5ed4b0acc8fd" providerId="ADAL" clId="{F349F01C-ED6C-4F7A-9A38-0E26638F668A}" dt="2023-11-26T06:04:53.731" v="14411"/>
+        <pc:chgData name="Wyatt Tauber" userId="7e399a81-cb02-44ac-b83b-5ed4b0acc8fd" providerId="ADAL" clId="{F349F01C-ED6C-4F7A-9A38-0E26638F668A}" dt="2023-11-26T20:33:17.902" v="25632" actId="313"/>
         <pc:sldMkLst>
           <pc:docMk/>
           <pc:sldMk cId="1470694576" sldId="273"/>
@@ -1223,7 +1219,7 @@
           </ac:spMkLst>
         </pc:spChg>
         <pc:spChg chg="mod">
-          <ac:chgData name="Wyatt Tauber" userId="7e399a81-cb02-44ac-b83b-5ed4b0acc8fd" providerId="ADAL" clId="{F349F01C-ED6C-4F7A-9A38-0E26638F668A}" dt="2023-11-26T03:02:56.499" v="11536" actId="113"/>
+          <ac:chgData name="Wyatt Tauber" userId="7e399a81-cb02-44ac-b83b-5ed4b0acc8fd" providerId="ADAL" clId="{F349F01C-ED6C-4F7A-9A38-0E26638F668A}" dt="2023-11-26T20:32:19.423" v="25393" actId="20577"/>
           <ac:spMkLst>
             <pc:docMk/>
             <pc:sldMk cId="1470694576" sldId="273"/>
@@ -1264,7 +1260,7 @@
         </pc:graphicFrameChg>
       </pc:sldChg>
       <pc:sldChg chg="addSp delSp modSp new mod ord modNotesTx">
-        <pc:chgData name="Wyatt Tauber" userId="7e399a81-cb02-44ac-b83b-5ed4b0acc8fd" providerId="ADAL" clId="{F349F01C-ED6C-4F7A-9A38-0E26638F668A}" dt="2023-11-26T06:04:53.731" v="14411"/>
+        <pc:chgData name="Wyatt Tauber" userId="7e399a81-cb02-44ac-b83b-5ed4b0acc8fd" providerId="ADAL" clId="{F349F01C-ED6C-4F7A-9A38-0E26638F668A}" dt="2023-11-26T20:36:48.228" v="25830" actId="20577"/>
         <pc:sldMkLst>
           <pc:docMk/>
           <pc:sldMk cId="1679010429" sldId="274"/>
@@ -1350,8 +1346,8 @@
           </ac:graphicFrameMkLst>
         </pc:graphicFrameChg>
       </pc:sldChg>
-      <pc:sldChg chg="addSp modSp new mod ord">
-        <pc:chgData name="Wyatt Tauber" userId="7e399a81-cb02-44ac-b83b-5ed4b0acc8fd" providerId="ADAL" clId="{F349F01C-ED6C-4F7A-9A38-0E26638F668A}" dt="2023-11-26T08:18:06.392" v="20343" actId="20577"/>
+      <pc:sldChg chg="addSp modSp new mod ord modNotesTx">
+        <pc:chgData name="Wyatt Tauber" userId="7e399a81-cb02-44ac-b83b-5ed4b0acc8fd" providerId="ADAL" clId="{F349F01C-ED6C-4F7A-9A38-0E26638F668A}" dt="2023-11-26T21:12:22.953" v="26630" actId="20577"/>
         <pc:sldMkLst>
           <pc:docMk/>
           <pc:sldMk cId="3788201453" sldId="275"/>
@@ -1365,7 +1361,7 @@
           </ac:spMkLst>
         </pc:spChg>
         <pc:spChg chg="mod">
-          <ac:chgData name="Wyatt Tauber" userId="7e399a81-cb02-44ac-b83b-5ed4b0acc8fd" providerId="ADAL" clId="{F349F01C-ED6C-4F7A-9A38-0E26638F668A}" dt="2023-11-26T08:18:06.392" v="20343" actId="20577"/>
+          <ac:chgData name="Wyatt Tauber" userId="7e399a81-cb02-44ac-b83b-5ed4b0acc8fd" providerId="ADAL" clId="{F349F01C-ED6C-4F7A-9A38-0E26638F668A}" dt="2023-11-26T21:08:27.411" v="26321" actId="20577"/>
           <ac:spMkLst>
             <pc:docMk/>
             <pc:sldMk cId="3788201453" sldId="275"/>
@@ -1381,7 +1377,7 @@
           </ac:spMkLst>
         </pc:spChg>
         <pc:graphicFrameChg chg="add mod modGraphic">
-          <ac:chgData name="Wyatt Tauber" userId="7e399a81-cb02-44ac-b83b-5ed4b0acc8fd" providerId="ADAL" clId="{F349F01C-ED6C-4F7A-9A38-0E26638F668A}" dt="2023-11-26T08:16:29.167" v="20219" actId="1076"/>
+          <ac:chgData name="Wyatt Tauber" userId="7e399a81-cb02-44ac-b83b-5ed4b0acc8fd" providerId="ADAL" clId="{F349F01C-ED6C-4F7A-9A38-0E26638F668A}" dt="2023-11-26T21:11:57.191" v="26492" actId="20577"/>
           <ac:graphicFrameMkLst>
             <pc:docMk/>
             <pc:sldMk cId="3788201453" sldId="275"/>
@@ -1412,14 +1408,14 @@
           </ac:spMkLst>
         </pc:spChg>
       </pc:sldChg>
-      <pc:sldChg chg="addSp modSp new mod ord">
-        <pc:chgData name="Wyatt Tauber" userId="7e399a81-cb02-44ac-b83b-5ed4b0acc8fd" providerId="ADAL" clId="{F349F01C-ED6C-4F7A-9A38-0E26638F668A}" dt="2023-11-26T08:23:54.824" v="20551" actId="113"/>
+      <pc:sldChg chg="addSp modSp new mod ord modNotesTx">
+        <pc:chgData name="Wyatt Tauber" userId="7e399a81-cb02-44ac-b83b-5ed4b0acc8fd" providerId="ADAL" clId="{F349F01C-ED6C-4F7A-9A38-0E26638F668A}" dt="2023-11-26T21:41:16.713" v="27733" actId="5793"/>
         <pc:sldMkLst>
           <pc:docMk/>
           <pc:sldMk cId="2847432299" sldId="277"/>
         </pc:sldMkLst>
         <pc:spChg chg="mod">
-          <ac:chgData name="Wyatt Tauber" userId="7e399a81-cb02-44ac-b83b-5ed4b0acc8fd" providerId="ADAL" clId="{F349F01C-ED6C-4F7A-9A38-0E26638F668A}" dt="2023-11-26T06:15:48.516" v="14688" actId="20577"/>
+          <ac:chgData name="Wyatt Tauber" userId="7e399a81-cb02-44ac-b83b-5ed4b0acc8fd" providerId="ADAL" clId="{F349F01C-ED6C-4F7A-9A38-0E26638F668A}" dt="2023-11-26T19:45:39.219" v="22251" actId="113"/>
           <ac:spMkLst>
             <pc:docMk/>
             <pc:sldMk cId="2847432299" sldId="277"/>
@@ -1443,8 +1439,8 @@
           </ac:spMkLst>
         </pc:spChg>
       </pc:sldChg>
-      <pc:sldChg chg="addSp delSp modSp new mod ord setBg">
-        <pc:chgData name="Wyatt Tauber" userId="7e399a81-cb02-44ac-b83b-5ed4b0acc8fd" providerId="ADAL" clId="{F349F01C-ED6C-4F7A-9A38-0E26638F668A}" dt="2023-11-26T06:16:12.769" v="14691"/>
+      <pc:sldChg chg="addSp delSp modSp new mod ord setBg modNotesTx">
+        <pc:chgData name="Wyatt Tauber" userId="7e399a81-cb02-44ac-b83b-5ed4b0acc8fd" providerId="ADAL" clId="{F349F01C-ED6C-4F7A-9A38-0E26638F668A}" dt="2023-11-26T21:41:29.942" v="27780" actId="5793"/>
         <pc:sldMkLst>
           <pc:docMk/>
           <pc:sldMk cId="1381185413" sldId="278"/>
@@ -1506,8 +1502,8 @@
           </ac:picMkLst>
         </pc:picChg>
       </pc:sldChg>
-      <pc:sldChg chg="modSp add mod setBg">
-        <pc:chgData name="Wyatt Tauber" userId="7e399a81-cb02-44ac-b83b-5ed4b0acc8fd" providerId="ADAL" clId="{F349F01C-ED6C-4F7A-9A38-0E26638F668A}" dt="2023-11-26T06:16:24.546" v="14713" actId="20577"/>
+      <pc:sldChg chg="modSp add mod setBg modNotesTx">
+        <pc:chgData name="Wyatt Tauber" userId="7e399a81-cb02-44ac-b83b-5ed4b0acc8fd" providerId="ADAL" clId="{F349F01C-ED6C-4F7A-9A38-0E26638F668A}" dt="2023-11-26T21:40:26.393" v="27705" actId="20577"/>
         <pc:sldMkLst>
           <pc:docMk/>
           <pc:sldMk cId="1019330666" sldId="279"/>
@@ -1521,7 +1517,7 @@
           </ac:spMkLst>
         </pc:spChg>
         <pc:spChg chg="mod">
-          <ac:chgData name="Wyatt Tauber" userId="7e399a81-cb02-44ac-b83b-5ed4b0acc8fd" providerId="ADAL" clId="{F349F01C-ED6C-4F7A-9A38-0E26638F668A}" dt="2023-11-26T06:16:24.546" v="14713" actId="20577"/>
+          <ac:chgData name="Wyatt Tauber" userId="7e399a81-cb02-44ac-b83b-5ed4b0acc8fd" providerId="ADAL" clId="{F349F01C-ED6C-4F7A-9A38-0E26638F668A}" dt="2023-11-26T19:41:09.095" v="21216" actId="20577"/>
           <ac:spMkLst>
             <pc:docMk/>
             <pc:sldMk cId="1019330666" sldId="279"/>
@@ -1529,8 +1525,8 @@
           </ac:spMkLst>
         </pc:spChg>
       </pc:sldChg>
-      <pc:sldChg chg="addSp modSp new mod ord">
-        <pc:chgData name="Wyatt Tauber" userId="7e399a81-cb02-44ac-b83b-5ed4b0acc8fd" providerId="ADAL" clId="{F349F01C-ED6C-4F7A-9A38-0E26638F668A}" dt="2023-11-26T08:19:19.299" v="20379" actId="20577"/>
+      <pc:sldChg chg="addSp modSp new mod ord modNotesTx">
+        <pc:chgData name="Wyatt Tauber" userId="7e399a81-cb02-44ac-b83b-5ed4b0acc8fd" providerId="ADAL" clId="{F349F01C-ED6C-4F7A-9A38-0E26638F668A}" dt="2023-11-26T19:39:39.792" v="21158" actId="20577"/>
         <pc:sldMkLst>
           <pc:docMk/>
           <pc:sldMk cId="3084391231" sldId="280"/>
@@ -1560,8 +1556,8 @@
           </ac:spMkLst>
         </pc:spChg>
       </pc:sldChg>
-      <pc:sldChg chg="addSp modSp new mod ord">
-        <pc:chgData name="Wyatt Tauber" userId="7e399a81-cb02-44ac-b83b-5ed4b0acc8fd" providerId="ADAL" clId="{F349F01C-ED6C-4F7A-9A38-0E26638F668A}" dt="2023-11-26T06:04:53.731" v="14411"/>
+      <pc:sldChg chg="addSp modSp new mod ord modNotesTx">
+        <pc:chgData name="Wyatt Tauber" userId="7e399a81-cb02-44ac-b83b-5ed4b0acc8fd" providerId="ADAL" clId="{F349F01C-ED6C-4F7A-9A38-0E26638F668A}" dt="2023-11-26T20:27:56.956" v="24844" actId="20577"/>
         <pc:sldMkLst>
           <pc:docMk/>
           <pc:sldMk cId="2721029324" sldId="281"/>
@@ -1591,8 +1587,8 @@
           </ac:spMkLst>
         </pc:spChg>
       </pc:sldChg>
-      <pc:sldChg chg="addSp delSp modSp new mod ord">
-        <pc:chgData name="Wyatt Tauber" userId="7e399a81-cb02-44ac-b83b-5ed4b0acc8fd" providerId="ADAL" clId="{F349F01C-ED6C-4F7A-9A38-0E26638F668A}" dt="2023-11-26T06:04:53.731" v="14411"/>
+      <pc:sldChg chg="addSp delSp modSp new mod ord modNotesTx">
+        <pc:chgData name="Wyatt Tauber" userId="7e399a81-cb02-44ac-b83b-5ed4b0acc8fd" providerId="ADAL" clId="{F349F01C-ED6C-4F7A-9A38-0E26638F668A}" dt="2023-11-26T20:41:43.902" v="26032"/>
         <pc:sldMkLst>
           <pc:docMk/>
           <pc:sldMk cId="3114252085" sldId="282"/>
@@ -1654,7 +1650,7 @@
           </ac:graphicFrameMkLst>
         </pc:graphicFrameChg>
         <pc:graphicFrameChg chg="add mod modGraphic">
-          <ac:chgData name="Wyatt Tauber" userId="7e399a81-cb02-44ac-b83b-5ed4b0acc8fd" providerId="ADAL" clId="{F349F01C-ED6C-4F7A-9A38-0E26638F668A}" dt="2023-11-26T03:29:12.043" v="12415" actId="20577"/>
+          <ac:chgData name="Wyatt Tauber" userId="7e399a81-cb02-44ac-b83b-5ed4b0acc8fd" providerId="ADAL" clId="{F349F01C-ED6C-4F7A-9A38-0E26638F668A}" dt="2023-11-26T20:37:36.274" v="25849" actId="20577"/>
           <ac:graphicFrameMkLst>
             <pc:docMk/>
             <pc:sldMk cId="3114252085" sldId="282"/>
@@ -1662,8 +1658,8 @@
           </ac:graphicFrameMkLst>
         </pc:graphicFrameChg>
       </pc:sldChg>
-      <pc:sldChg chg="addSp modSp new mod ord">
-        <pc:chgData name="Wyatt Tauber" userId="7e399a81-cb02-44ac-b83b-5ed4b0acc8fd" providerId="ADAL" clId="{F349F01C-ED6C-4F7A-9A38-0E26638F668A}" dt="2023-11-26T08:16:15.382" v="20213"/>
+      <pc:sldChg chg="addSp modSp new mod ord modNotesTx">
+        <pc:chgData name="Wyatt Tauber" userId="7e399a81-cb02-44ac-b83b-5ed4b0acc8fd" providerId="ADAL" clId="{F349F01C-ED6C-4F7A-9A38-0E26638F668A}" dt="2023-11-26T21:19:28.162" v="26648" actId="20577"/>
         <pc:sldMkLst>
           <pc:docMk/>
           <pc:sldMk cId="1305729270" sldId="283"/>
@@ -1709,8 +1705,8 @@
           </ac:picMkLst>
         </pc:picChg>
       </pc:sldChg>
-      <pc:sldChg chg="addSp delSp modSp new mod ord">
-        <pc:chgData name="Wyatt Tauber" userId="7e399a81-cb02-44ac-b83b-5ed4b0acc8fd" providerId="ADAL" clId="{F349F01C-ED6C-4F7A-9A38-0E26638F668A}" dt="2023-11-26T08:16:15.382" v="20213"/>
+      <pc:sldChg chg="addSp delSp modSp new mod ord modNotesTx">
+        <pc:chgData name="Wyatt Tauber" userId="7e399a81-cb02-44ac-b83b-5ed4b0acc8fd" providerId="ADAL" clId="{F349F01C-ED6C-4F7A-9A38-0E26638F668A}" dt="2023-11-26T21:22:41.945" v="26666" actId="20577"/>
         <pc:sldMkLst>
           <pc:docMk/>
           <pc:sldMk cId="2050747966" sldId="284"/>
@@ -1748,7 +1744,7 @@
           </ac:spMkLst>
         </pc:spChg>
         <pc:spChg chg="add mod">
-          <ac:chgData name="Wyatt Tauber" userId="7e399a81-cb02-44ac-b83b-5ed4b0acc8fd" providerId="ADAL" clId="{F349F01C-ED6C-4F7A-9A38-0E26638F668A}" dt="2023-11-26T07:03:18.974" v="16221" actId="20577"/>
+          <ac:chgData name="Wyatt Tauber" userId="7e399a81-cb02-44ac-b83b-5ed4b0acc8fd" providerId="ADAL" clId="{F349F01C-ED6C-4F7A-9A38-0E26638F668A}" dt="2023-11-26T21:22:36.861" v="26662" actId="1076"/>
           <ac:spMkLst>
             <pc:docMk/>
             <pc:sldMk cId="2050747966" sldId="284"/>
@@ -1764,8 +1760,8 @@
           </ac:picMkLst>
         </pc:picChg>
       </pc:sldChg>
-      <pc:sldChg chg="addSp delSp modSp new mod ord">
-        <pc:chgData name="Wyatt Tauber" userId="7e399a81-cb02-44ac-b83b-5ed4b0acc8fd" providerId="ADAL" clId="{F349F01C-ED6C-4F7A-9A38-0E26638F668A}" dt="2023-11-26T08:16:15.382" v="20213"/>
+      <pc:sldChg chg="addSp delSp modSp new mod ord modNotesTx">
+        <pc:chgData name="Wyatt Tauber" userId="7e399a81-cb02-44ac-b83b-5ed4b0acc8fd" providerId="ADAL" clId="{F349F01C-ED6C-4F7A-9A38-0E26638F668A}" dt="2023-11-26T21:27:18.306" v="26677"/>
         <pc:sldMkLst>
           <pc:docMk/>
           <pc:sldMk cId="1455705831" sldId="285"/>
@@ -1835,8 +1831,8 @@
           </ac:picMkLst>
         </pc:picChg>
       </pc:sldChg>
-      <pc:sldChg chg="addSp delSp modSp new mod ord">
-        <pc:chgData name="Wyatt Tauber" userId="7e399a81-cb02-44ac-b83b-5ed4b0acc8fd" providerId="ADAL" clId="{F349F01C-ED6C-4F7A-9A38-0E26638F668A}" dt="2023-11-26T08:16:15.382" v="20213"/>
+      <pc:sldChg chg="addSp delSp modSp new mod ord modNotesTx">
+        <pc:chgData name="Wyatt Tauber" userId="7e399a81-cb02-44ac-b83b-5ed4b0acc8fd" providerId="ADAL" clId="{F349F01C-ED6C-4F7A-9A38-0E26638F668A}" dt="2023-11-26T21:28:02.270" v="26689"/>
         <pc:sldMkLst>
           <pc:docMk/>
           <pc:sldMk cId="1648055836" sldId="286"/>
@@ -1890,8 +1886,8 @@
           </ac:picMkLst>
         </pc:picChg>
       </pc:sldChg>
-      <pc:sldChg chg="addSp delSp modSp new mod ord">
-        <pc:chgData name="Wyatt Tauber" userId="7e399a81-cb02-44ac-b83b-5ed4b0acc8fd" providerId="ADAL" clId="{F349F01C-ED6C-4F7A-9A38-0E26638F668A}" dt="2023-11-26T08:16:15.382" v="20213"/>
+      <pc:sldChg chg="addSp delSp modSp new mod ord modNotesTx">
+        <pc:chgData name="Wyatt Tauber" userId="7e399a81-cb02-44ac-b83b-5ed4b0acc8fd" providerId="ADAL" clId="{F349F01C-ED6C-4F7A-9A38-0E26638F668A}" dt="2023-11-26T21:29:03.893" v="26701"/>
         <pc:sldMkLst>
           <pc:docMk/>
           <pc:sldMk cId="1888641224" sldId="287"/>
@@ -3365,6 +3361,40 @@
               </a:spcAft>
               <a:buNone/>
             </a:pPr>
+            <a:r>
+              <a:rPr lang="en-US" dirty="0"/>
+              <a:t>In this module, we are going to discuss system privileges.</a:t>
+            </a:r>
+          </a:p>
+          <a:p>
+            <a:pPr marL="0" lvl="0" indent="0" algn="l" rtl="0">
+              <a:spcBef>
+                <a:spcPts val="0"/>
+              </a:spcBef>
+              <a:spcAft>
+                <a:spcPts val="0"/>
+              </a:spcAft>
+              <a:buNone/>
+            </a:pPr>
+            <a:r>
+              <a:rPr lang="en-US" dirty="0"/>
+              <a:t>Specifically - how to secure and exploit them</a:t>
+            </a:r>
+          </a:p>
+          <a:p>
+            <a:pPr marL="0" lvl="0" indent="0" algn="l" rtl="0">
+              <a:spcBef>
+                <a:spcPts val="0"/>
+              </a:spcBef>
+              <a:spcAft>
+                <a:spcPts val="0"/>
+              </a:spcAft>
+              <a:buNone/>
+            </a:pPr>
+            <a:r>
+              <a:rPr lang="en-US" dirty="0"/>
+              <a:t>How the principle of least privilege plays into security first design</a:t>
+            </a:r>
             <a:endParaRPr dirty="0"/>
           </a:p>
         </p:txBody>
@@ -3469,6 +3499,3776 @@
               </a:spcAft>
               <a:buNone/>
             </a:pPr>
+            <a:r>
+              <a:rPr lang="en-US" dirty="0"/>
+              <a:t>Security models are one way that we can enforce the principle of least privilege, as well as gain some additional benefits.</a:t>
+            </a:r>
+            <a:endParaRPr dirty="0"/>
+          </a:p>
+        </p:txBody>
+      </p:sp>
+      <p:sp>
+        <p:nvSpPr>
+          <p:cNvPr id="33" name="Google Shape;33;p1:notes"/>
+          <p:cNvSpPr>
+            <a:spLocks noGrp="1" noRot="1" noChangeAspect="1"/>
+          </p:cNvSpPr>
+          <p:nvPr>
+            <p:ph type="sldImg" idx="2"/>
+          </p:nvPr>
+        </p:nvSpPr>
+        <p:spPr>
+          <a:xfrm>
+            <a:off x="685800" y="1143000"/>
+            <a:ext cx="5486400" cy="3086100"/>
+          </a:xfrm>
+          <a:custGeom>
+            <a:avLst/>
+            <a:gdLst/>
+            <a:ahLst/>
+            <a:cxnLst/>
+            <a:rect l="l" t="t" r="r" b="b"/>
+            <a:pathLst>
+              <a:path w="120000" h="120000" extrusionOk="0">
+                <a:moveTo>
+                  <a:pt x="0" y="0"/>
+                </a:moveTo>
+                <a:lnTo>
+                  <a:pt x="120000" y="0"/>
+                </a:lnTo>
+                <a:lnTo>
+                  <a:pt x="120000" y="120000"/>
+                </a:lnTo>
+                <a:lnTo>
+                  <a:pt x="0" y="120000"/>
+                </a:lnTo>
+                <a:close/>
+              </a:path>
+            </a:pathLst>
+          </a:custGeom>
+        </p:spPr>
+      </p:sp>
+    </p:spTree>
+    <p:extLst>
+      <p:ext uri="{BB962C8B-B14F-4D97-AF65-F5344CB8AC3E}">
+        <p14:creationId xmlns:p14="http://schemas.microsoft.com/office/powerpoint/2010/main" val="1803221755"/>
+      </p:ext>
+    </p:extLst>
+  </p:cSld>
+  <p:clrMapOvr>
+    <a:masterClrMapping/>
+  </p:clrMapOvr>
+</p:notes>
+</file>
+
+<file path=ppt/notesSlides/notesSlide11.xml><?xml version="1.0" encoding="utf-8"?>
+<p:notes xmlns:a="http://schemas.openxmlformats.org/drawingml/2006/main" xmlns:r="http://schemas.openxmlformats.org/officeDocument/2006/relationships" xmlns:p="http://schemas.openxmlformats.org/presentationml/2006/main">
+  <p:cSld>
+    <p:spTree>
+      <p:nvGrpSpPr>
+        <p:cNvPr id="1" name=""/>
+        <p:cNvGrpSpPr/>
+        <p:nvPr/>
+      </p:nvGrpSpPr>
+      <p:grpSpPr>
+        <a:xfrm>
+          <a:off x="0" y="0"/>
+          <a:ext cx="0" cy="0"/>
+          <a:chOff x="0" y="0"/>
+          <a:chExt cx="0" cy="0"/>
+        </a:xfrm>
+      </p:grpSpPr>
+      <p:sp>
+        <p:nvSpPr>
+          <p:cNvPr id="2" name="Slide Image Placeholder 1"/>
+          <p:cNvSpPr>
+            <a:spLocks noGrp="1" noRot="1" noChangeAspect="1"/>
+          </p:cNvSpPr>
+          <p:nvPr>
+            <p:ph type="sldImg"/>
+          </p:nvPr>
+        </p:nvSpPr>
+        <p:spPr/>
+      </p:sp>
+      <p:sp>
+        <p:nvSpPr>
+          <p:cNvPr id="3" name="Notes Placeholder 2"/>
+          <p:cNvSpPr>
+            <a:spLocks noGrp="1"/>
+          </p:cNvSpPr>
+          <p:nvPr>
+            <p:ph type="body" idx="1"/>
+          </p:nvPr>
+        </p:nvSpPr>
+        <p:spPr/>
+        <p:txBody>
+          <a:bodyPr/>
+          <a:lstStyle/>
+          <a:p>
+            <a:r>
+              <a:rPr lang="en-US" dirty="0"/>
+              <a:t>Security models define…</a:t>
+            </a:r>
+          </a:p>
+          <a:p>
+            <a:r>
+              <a:rPr lang="en-US" dirty="0"/>
+              <a:t>These…</a:t>
+            </a:r>
+          </a:p>
+          <a:p>
+            <a:endParaRPr lang="en-US" dirty="0"/>
+          </a:p>
+          <a:p>
+            <a:pPr marL="457200" marR="0" lvl="0" indent="-228600" algn="l" defTabSz="914400" rtl="0" eaLnBrk="1" fontAlgn="auto" latinLnBrk="0" hangingPunct="1">
+              <a:lnSpc>
+                <a:spcPct val="100000"/>
+              </a:lnSpc>
+              <a:spcBef>
+                <a:spcPts val="0"/>
+              </a:spcBef>
+              <a:spcAft>
+                <a:spcPts val="0"/>
+              </a:spcAft>
+              <a:buClr>
+                <a:srgbClr val="000000"/>
+              </a:buClr>
+              <a:buSzPts val="1400"/>
+              <a:buFont typeface="Arial"/>
+              <a:buNone/>
+              <a:tabLst/>
+              <a:defRPr/>
+            </a:pPr>
+            <a:r>
+              <a:rPr lang="en-US" b="0" dirty="0"/>
+              <a:t>Most OSs implement elements of these security models, but…</a:t>
+            </a:r>
+          </a:p>
+          <a:p>
+            <a:pPr marL="457200" marR="0" lvl="0" indent="-228600" algn="l" defTabSz="914400" rtl="0" eaLnBrk="1" fontAlgn="auto" latinLnBrk="0" hangingPunct="1">
+              <a:lnSpc>
+                <a:spcPct val="100000"/>
+              </a:lnSpc>
+              <a:spcBef>
+                <a:spcPts val="0"/>
+              </a:spcBef>
+              <a:spcAft>
+                <a:spcPts val="0"/>
+              </a:spcAft>
+              <a:buClr>
+                <a:srgbClr val="000000"/>
+              </a:buClr>
+              <a:buSzPts val="1400"/>
+              <a:buFont typeface="Arial"/>
+              <a:buNone/>
+              <a:tabLst/>
+              <a:defRPr/>
+            </a:pPr>
+            <a:endParaRPr lang="en-US" dirty="0"/>
+          </a:p>
+          <a:p>
+            <a:pPr marL="457200" marR="0" lvl="0" indent="-228600" algn="l" defTabSz="914400" rtl="0" eaLnBrk="1" fontAlgn="auto" latinLnBrk="0" hangingPunct="1">
+              <a:lnSpc>
+                <a:spcPct val="100000"/>
+              </a:lnSpc>
+              <a:spcBef>
+                <a:spcPts val="0"/>
+              </a:spcBef>
+              <a:spcAft>
+                <a:spcPts val="0"/>
+              </a:spcAft>
+              <a:buClr>
+                <a:srgbClr val="000000"/>
+              </a:buClr>
+              <a:buSzPts val="1400"/>
+              <a:buFont typeface="Arial"/>
+              <a:buNone/>
+              <a:tabLst/>
+              <a:defRPr/>
+            </a:pPr>
+            <a:r>
+              <a:rPr lang="en-US" dirty="0"/>
+              <a:t>When discussing security models, we will use subject-object notation.</a:t>
+            </a:r>
+          </a:p>
+          <a:p>
+            <a:pPr marL="457200" marR="0" lvl="0" indent="-228600" algn="l" defTabSz="914400" rtl="0" eaLnBrk="1" fontAlgn="auto" latinLnBrk="0" hangingPunct="1">
+              <a:lnSpc>
+                <a:spcPct val="100000"/>
+              </a:lnSpc>
+              <a:spcBef>
+                <a:spcPts val="0"/>
+              </a:spcBef>
+              <a:spcAft>
+                <a:spcPts val="0"/>
+              </a:spcAft>
+              <a:buClr>
+                <a:srgbClr val="000000"/>
+              </a:buClr>
+              <a:buSzPts val="1400"/>
+              <a:buFont typeface="Arial"/>
+              <a:buNone/>
+              <a:tabLst/>
+              <a:defRPr/>
+            </a:pPr>
+            <a:r>
+              <a:rPr lang="en-US" dirty="0"/>
+              <a:t>If you haven’t seen it before, it’s not too bad. S and O are subjects and objects, and properties of each are defined with a letter like P.</a:t>
+            </a:r>
+          </a:p>
+          <a:p>
+            <a:pPr marL="457200" marR="0" lvl="0" indent="-228600" algn="l" defTabSz="914400" rtl="0" eaLnBrk="1" fontAlgn="auto" latinLnBrk="0" hangingPunct="1">
+              <a:lnSpc>
+                <a:spcPct val="100000"/>
+              </a:lnSpc>
+              <a:spcBef>
+                <a:spcPts val="0"/>
+              </a:spcBef>
+              <a:spcAft>
+                <a:spcPts val="0"/>
+              </a:spcAft>
+              <a:buClr>
+                <a:srgbClr val="000000"/>
+              </a:buClr>
+              <a:buSzPts val="1400"/>
+              <a:buFont typeface="Arial"/>
+              <a:buNone/>
+              <a:tabLst/>
+              <a:defRPr/>
+            </a:pPr>
+            <a:r>
+              <a:rPr lang="en-US" dirty="0"/>
+              <a:t>Now, we can create associations between subjects, objects, and their properties.</a:t>
+            </a:r>
+          </a:p>
+        </p:txBody>
+      </p:sp>
+      <p:sp>
+        <p:nvSpPr>
+          <p:cNvPr id="4" name="Slide Number Placeholder 3"/>
+          <p:cNvSpPr>
+            <a:spLocks noGrp="1"/>
+          </p:cNvSpPr>
+          <p:nvPr>
+            <p:ph type="sldNum" idx="12"/>
+          </p:nvPr>
+        </p:nvSpPr>
+        <p:spPr/>
+        <p:txBody>
+          <a:bodyPr/>
+          <a:lstStyle/>
+          <a:p>
+            <a:pPr marL="0" marR="0" lvl="0" indent="0" algn="r" rtl="0">
+              <a:spcBef>
+                <a:spcPts val="0"/>
+              </a:spcBef>
+              <a:spcAft>
+                <a:spcPts val="0"/>
+              </a:spcAft>
+              <a:buNone/>
+            </a:pPr>
+            <a:fld id="{00000000-1234-1234-1234-123412341234}" type="slidenum">
+              <a:rPr lang="en-US" sz="1200" b="0" i="0" u="none" strike="noStrike" cap="none" smtClean="0">
+                <a:solidFill>
+                  <a:schemeClr val="dk1"/>
+                </a:solidFill>
+                <a:latin typeface="Calibri"/>
+                <a:ea typeface="Calibri"/>
+                <a:cs typeface="Calibri"/>
+                <a:sym typeface="Calibri"/>
+              </a:rPr>
+              <a:t>11</a:t>
+            </a:fld>
+            <a:endParaRPr lang="en-US" sz="1200" b="0" i="0" u="none" strike="noStrike" cap="none" dirty="0">
+              <a:solidFill>
+                <a:schemeClr val="dk1"/>
+              </a:solidFill>
+              <a:latin typeface="Calibri"/>
+              <a:ea typeface="Calibri"/>
+              <a:cs typeface="Calibri"/>
+              <a:sym typeface="Calibri"/>
+            </a:endParaRPr>
+          </a:p>
+        </p:txBody>
+      </p:sp>
+    </p:spTree>
+    <p:extLst>
+      <p:ext uri="{BB962C8B-B14F-4D97-AF65-F5344CB8AC3E}">
+        <p14:creationId xmlns:p14="http://schemas.microsoft.com/office/powerpoint/2010/main" val="3330402772"/>
+      </p:ext>
+    </p:extLst>
+  </p:cSld>
+  <p:clrMapOvr>
+    <a:masterClrMapping/>
+  </p:clrMapOvr>
+</p:notes>
+</file>
+
+<file path=ppt/notesSlides/notesSlide12.xml><?xml version="1.0" encoding="utf-8"?>
+<p:notes xmlns:a="http://schemas.openxmlformats.org/drawingml/2006/main" xmlns:r="http://schemas.openxmlformats.org/officeDocument/2006/relationships" xmlns:p="http://schemas.openxmlformats.org/presentationml/2006/main">
+  <p:cSld>
+    <p:spTree>
+      <p:nvGrpSpPr>
+        <p:cNvPr id="1" name=""/>
+        <p:cNvGrpSpPr/>
+        <p:nvPr/>
+      </p:nvGrpSpPr>
+      <p:grpSpPr>
+        <a:xfrm>
+          <a:off x="0" y="0"/>
+          <a:ext cx="0" cy="0"/>
+          <a:chOff x="0" y="0"/>
+          <a:chExt cx="0" cy="0"/>
+        </a:xfrm>
+      </p:grpSpPr>
+      <p:sp>
+        <p:nvSpPr>
+          <p:cNvPr id="2" name="Slide Image Placeholder 1"/>
+          <p:cNvSpPr>
+            <a:spLocks noGrp="1" noRot="1" noChangeAspect="1"/>
+          </p:cNvSpPr>
+          <p:nvPr>
+            <p:ph type="sldImg"/>
+          </p:nvPr>
+        </p:nvSpPr>
+        <p:spPr/>
+      </p:sp>
+      <p:sp>
+        <p:nvSpPr>
+          <p:cNvPr id="3" name="Notes Placeholder 2"/>
+          <p:cNvSpPr>
+            <a:spLocks noGrp="1"/>
+          </p:cNvSpPr>
+          <p:nvPr>
+            <p:ph type="body" idx="1"/>
+          </p:nvPr>
+        </p:nvSpPr>
+        <p:spPr/>
+        <p:txBody>
+          <a:bodyPr/>
+          <a:lstStyle/>
+          <a:p>
+            <a:r>
+              <a:rPr lang="en-US" dirty="0"/>
+              <a:t>“Bell Lah-Pad-u-</a:t>
+            </a:r>
+            <a:r>
+              <a:rPr lang="en-US" dirty="0" err="1"/>
+              <a:t>lah</a:t>
+            </a:r>
+            <a:r>
+              <a:rPr lang="en-US" dirty="0"/>
+              <a:t>” (or “Bell Law-Pah-doo-</a:t>
+            </a:r>
+            <a:r>
+              <a:rPr lang="en-US" dirty="0" err="1"/>
+              <a:t>lah</a:t>
+            </a:r>
+            <a:r>
+              <a:rPr lang="en-US" dirty="0"/>
+              <a:t>”, both seem to be acceptable pronunciations in industry) was one of the first formally defined security models.</a:t>
+            </a:r>
+          </a:p>
+          <a:p>
+            <a:r>
+              <a:rPr lang="en-US" dirty="0"/>
+              <a:t>It was created to describe essential requirements for the Department of Defense’s multilevel security policy, or MLS.</a:t>
+            </a:r>
+          </a:p>
+          <a:p>
+            <a:endParaRPr lang="en-US" dirty="0"/>
+          </a:p>
+          <a:p>
+            <a:r>
+              <a:rPr lang="en-US" dirty="0"/>
+              <a:t>The BLP model assigns… and defines…</a:t>
+            </a:r>
+          </a:p>
+          <a:p>
+            <a:endParaRPr lang="en-US" dirty="0"/>
+          </a:p>
+          <a:p>
+            <a:r>
+              <a:rPr lang="en-US" dirty="0"/>
+              <a:t>It is concerned with… and intends to…</a:t>
+            </a:r>
+          </a:p>
+          <a:p>
+            <a:endParaRPr lang="en-US" dirty="0"/>
+          </a:p>
+          <a:p>
+            <a:r>
+              <a:rPr lang="en-US" dirty="0"/>
+              <a:t>The properties defined in this model are:</a:t>
+            </a:r>
+          </a:p>
+          <a:p>
+            <a:pPr>
+              <a:buFont typeface="Arial" panose="020B0604020202020204" pitchFamily="34" charset="0"/>
+              <a:buChar char="•"/>
+            </a:pPr>
+            <a:r>
+              <a:rPr lang="en-US" dirty="0"/>
+              <a:t>Simple Security property. A subject with this property cannot read/access an object of a higher classification (i.e., no read up).</a:t>
+            </a:r>
+          </a:p>
+          <a:p>
+            <a:pPr>
+              <a:buFont typeface="Arial" panose="020B0604020202020204" pitchFamily="34" charset="0"/>
+              <a:buChar char="•"/>
+            </a:pPr>
+            <a:r>
+              <a:rPr lang="en-US" dirty="0"/>
+              <a:t>Star property. A subject with this property can only save an object at the same or higher classification (i.e., no write down).</a:t>
+            </a:r>
+          </a:p>
+          <a:p>
+            <a:pPr>
+              <a:buFont typeface="Arial" panose="020B0604020202020204" pitchFamily="34" charset="0"/>
+              <a:buChar char="•"/>
+            </a:pPr>
+            <a:r>
+              <a:rPr lang="en-US" dirty="0"/>
+              <a:t>Strong Star property. A subject with this property can only write to objects at the same security classification level as the subject (i.e., lateral write, no write down and no write up).</a:t>
+            </a:r>
+          </a:p>
+          <a:p>
+            <a:pPr marL="228600" indent="0">
+              <a:buFont typeface="Arial" panose="020B0604020202020204" pitchFamily="34" charset="0"/>
+              <a:buNone/>
+            </a:pPr>
+            <a:endParaRPr lang="en-US" dirty="0"/>
+          </a:p>
+          <a:p>
+            <a:pPr marL="228600" indent="0">
+              <a:buFont typeface="Arial" panose="020B0604020202020204" pitchFamily="34" charset="0"/>
+              <a:buNone/>
+            </a:pPr>
+            <a:r>
+              <a:rPr lang="en-US" dirty="0"/>
+              <a:t>These can be simply summarized by the phrase “No read up, no write down.”</a:t>
+            </a:r>
+          </a:p>
+        </p:txBody>
+      </p:sp>
+      <p:sp>
+        <p:nvSpPr>
+          <p:cNvPr id="4" name="Slide Number Placeholder 3"/>
+          <p:cNvSpPr>
+            <a:spLocks noGrp="1"/>
+          </p:cNvSpPr>
+          <p:nvPr>
+            <p:ph type="sldNum" idx="12"/>
+          </p:nvPr>
+        </p:nvSpPr>
+        <p:spPr/>
+        <p:txBody>
+          <a:bodyPr/>
+          <a:lstStyle/>
+          <a:p>
+            <a:pPr marL="0" marR="0" lvl="0" indent="0" algn="r" rtl="0">
+              <a:spcBef>
+                <a:spcPts val="0"/>
+              </a:spcBef>
+              <a:spcAft>
+                <a:spcPts val="0"/>
+              </a:spcAft>
+              <a:buNone/>
+            </a:pPr>
+            <a:fld id="{00000000-1234-1234-1234-123412341234}" type="slidenum">
+              <a:rPr lang="en-US" sz="1200" b="0" i="0" u="none" strike="noStrike" cap="none" smtClean="0">
+                <a:solidFill>
+                  <a:schemeClr val="dk1"/>
+                </a:solidFill>
+                <a:latin typeface="Calibri"/>
+                <a:ea typeface="Calibri"/>
+                <a:cs typeface="Calibri"/>
+                <a:sym typeface="Calibri"/>
+              </a:rPr>
+              <a:t>12</a:t>
+            </a:fld>
+            <a:endParaRPr lang="en-US" sz="1200" b="0" i="0" u="none" strike="noStrike" cap="none" dirty="0">
+              <a:solidFill>
+                <a:schemeClr val="dk1"/>
+              </a:solidFill>
+              <a:latin typeface="Calibri"/>
+              <a:ea typeface="Calibri"/>
+              <a:cs typeface="Calibri"/>
+              <a:sym typeface="Calibri"/>
+            </a:endParaRPr>
+          </a:p>
+        </p:txBody>
+      </p:sp>
+    </p:spTree>
+    <p:extLst>
+      <p:ext uri="{BB962C8B-B14F-4D97-AF65-F5344CB8AC3E}">
+        <p14:creationId xmlns:p14="http://schemas.microsoft.com/office/powerpoint/2010/main" val="3076929109"/>
+      </p:ext>
+    </p:extLst>
+  </p:cSld>
+  <p:clrMapOvr>
+    <a:masterClrMapping/>
+  </p:clrMapOvr>
+</p:notes>
+</file>
+
+<file path=ppt/notesSlides/notesSlide13.xml><?xml version="1.0" encoding="utf-8"?>
+<p:notes xmlns:a="http://schemas.openxmlformats.org/drawingml/2006/main" xmlns:r="http://schemas.openxmlformats.org/officeDocument/2006/relationships" xmlns:p="http://schemas.openxmlformats.org/presentationml/2006/main">
+  <p:cSld>
+    <p:spTree>
+      <p:nvGrpSpPr>
+        <p:cNvPr id="1" name=""/>
+        <p:cNvGrpSpPr/>
+        <p:nvPr/>
+      </p:nvGrpSpPr>
+      <p:grpSpPr>
+        <a:xfrm>
+          <a:off x="0" y="0"/>
+          <a:ext cx="0" cy="0"/>
+          <a:chOff x="0" y="0"/>
+          <a:chExt cx="0" cy="0"/>
+        </a:xfrm>
+      </p:grpSpPr>
+      <p:sp>
+        <p:nvSpPr>
+          <p:cNvPr id="2" name="Slide Image Placeholder 1"/>
+          <p:cNvSpPr>
+            <a:spLocks noGrp="1" noRot="1" noChangeAspect="1"/>
+          </p:cNvSpPr>
+          <p:nvPr>
+            <p:ph type="sldImg"/>
+          </p:nvPr>
+        </p:nvSpPr>
+        <p:spPr/>
+      </p:sp>
+      <p:sp>
+        <p:nvSpPr>
+          <p:cNvPr id="3" name="Notes Placeholder 2"/>
+          <p:cNvSpPr>
+            <a:spLocks noGrp="1"/>
+          </p:cNvSpPr>
+          <p:nvPr>
+            <p:ph type="body" idx="1"/>
+          </p:nvPr>
+        </p:nvSpPr>
+        <p:spPr/>
+        <p:txBody>
+          <a:bodyPr/>
+          <a:lstStyle/>
+          <a:p>
+            <a:r>
+              <a:rPr lang="en-US" dirty="0"/>
+              <a:t>Biba </a:t>
+            </a:r>
+            <a:r>
+              <a:rPr lang="en-US" b="0" i="0" dirty="0">
+                <a:solidFill>
+                  <a:srgbClr val="202122"/>
+                </a:solidFill>
+                <a:effectLst/>
+                <a:latin typeface="Arial" panose="020B0604020202020204" pitchFamily="34" charset="0"/>
+              </a:rPr>
+              <a:t>is a formal </a:t>
+            </a:r>
+            <a:r>
+              <a:rPr lang="en-US" b="0" i="0" u="none" strike="noStrike" dirty="0">
+                <a:solidFill>
+                  <a:srgbClr val="3366CC"/>
+                </a:solidFill>
+                <a:effectLst/>
+                <a:latin typeface="Arial" panose="020B0604020202020204" pitchFamily="34" charset="0"/>
+              </a:rPr>
+              <a:t>state transition system </a:t>
+            </a:r>
+            <a:r>
+              <a:rPr lang="en-US" b="0" i="0" u="none" strike="noStrike" dirty="0">
+                <a:solidFill>
+                  <a:srgbClr val="202122"/>
+                </a:solidFill>
+                <a:effectLst/>
+                <a:latin typeface="Arial" panose="020B0604020202020204" pitchFamily="34" charset="0"/>
+              </a:rPr>
+              <a:t>for </a:t>
+            </a:r>
+            <a:r>
+              <a:rPr lang="en-US" b="0" i="0" u="none" strike="noStrike" dirty="0">
+                <a:solidFill>
+                  <a:srgbClr val="3366CC"/>
+                </a:solidFill>
+                <a:effectLst/>
+                <a:latin typeface="Arial" panose="020B0604020202020204" pitchFamily="34" charset="0"/>
+              </a:rPr>
+              <a:t>cybersecurity </a:t>
+            </a:r>
+            <a:r>
+              <a:rPr lang="en-US" b="0" i="0" dirty="0">
+                <a:solidFill>
+                  <a:srgbClr val="202122"/>
+                </a:solidFill>
+                <a:effectLst/>
+                <a:latin typeface="Arial" panose="020B0604020202020204" pitchFamily="34" charset="0"/>
+              </a:rPr>
+              <a:t>policies, designed to be the inverse of BLP.</a:t>
+            </a:r>
+            <a:endParaRPr lang="en-US" dirty="0"/>
+          </a:p>
+          <a:p>
+            <a:endParaRPr lang="en-US" dirty="0"/>
+          </a:p>
+          <a:p>
+            <a:r>
+              <a:rPr lang="en-US" dirty="0"/>
+              <a:t>The Biba model assigns… and defines…</a:t>
+            </a:r>
+          </a:p>
+          <a:p>
+            <a:endParaRPr lang="en-US" dirty="0"/>
+          </a:p>
+          <a:p>
+            <a:r>
+              <a:rPr lang="en-US" dirty="0"/>
+              <a:t>It is concerned with… and intends to…</a:t>
+            </a:r>
+          </a:p>
+          <a:p>
+            <a:endParaRPr lang="en-US" dirty="0"/>
+          </a:p>
+          <a:p>
+            <a:r>
+              <a:rPr lang="en-US" dirty="0"/>
+              <a:t>The properties defined in this model are:</a:t>
+            </a:r>
+          </a:p>
+          <a:p>
+            <a:pPr>
+              <a:buFont typeface="Arial" panose="020B0604020202020204" pitchFamily="34" charset="0"/>
+              <a:buChar char="•"/>
+            </a:pPr>
+            <a:r>
+              <a:rPr lang="en-US" dirty="0"/>
+              <a:t>Simple Integrity property. A subject with this property cannot read or observe an object of lower integrity (i.e., no read down).</a:t>
+            </a:r>
+          </a:p>
+          <a:p>
+            <a:pPr>
+              <a:buFont typeface="Arial" panose="020B0604020202020204" pitchFamily="34" charset="0"/>
+              <a:buChar char="•"/>
+            </a:pPr>
+            <a:r>
+              <a:rPr lang="en-US" dirty="0"/>
+              <a:t>Star property. A subject with this property cannot modify an object of higher integrity (i.e., no write up).</a:t>
+            </a:r>
+          </a:p>
+          <a:p>
+            <a:pPr>
+              <a:buFont typeface="Arial" panose="020B0604020202020204" pitchFamily="34" charset="0"/>
+              <a:buChar char="•"/>
+            </a:pPr>
+            <a:r>
+              <a:rPr lang="en-US" dirty="0"/>
+              <a:t>Invocation property. A subject with a lower integrity level cannot request access to a higher integrity level object, only to objects at an equal or lower integrity level.</a:t>
+            </a:r>
+          </a:p>
+          <a:p>
+            <a:pPr>
+              <a:buFont typeface="Arial" panose="020B0604020202020204" pitchFamily="34" charset="0"/>
+              <a:buChar char="•"/>
+            </a:pPr>
+            <a:endParaRPr lang="en-US" dirty="0"/>
+          </a:p>
+          <a:p>
+            <a:pPr marL="228600" marR="0" lvl="0" indent="0" algn="l" defTabSz="914400" rtl="0" eaLnBrk="1" fontAlgn="auto" latinLnBrk="0" hangingPunct="1">
+              <a:lnSpc>
+                <a:spcPct val="100000"/>
+              </a:lnSpc>
+              <a:spcBef>
+                <a:spcPts val="0"/>
+              </a:spcBef>
+              <a:spcAft>
+                <a:spcPts val="0"/>
+              </a:spcAft>
+              <a:buClr>
+                <a:srgbClr val="000000"/>
+              </a:buClr>
+              <a:buSzPts val="1400"/>
+              <a:buFont typeface="Arial" panose="020B0604020202020204" pitchFamily="34" charset="0"/>
+              <a:buNone/>
+              <a:tabLst/>
+              <a:defRPr/>
+            </a:pPr>
+            <a:r>
+              <a:rPr lang="en-US" dirty="0"/>
+              <a:t>These can be simply summarized by the phrase “No read down, no write up.”</a:t>
+            </a:r>
+          </a:p>
+        </p:txBody>
+      </p:sp>
+      <p:sp>
+        <p:nvSpPr>
+          <p:cNvPr id="4" name="Slide Number Placeholder 3"/>
+          <p:cNvSpPr>
+            <a:spLocks noGrp="1"/>
+          </p:cNvSpPr>
+          <p:nvPr>
+            <p:ph type="sldNum" idx="12"/>
+          </p:nvPr>
+        </p:nvSpPr>
+        <p:spPr/>
+        <p:txBody>
+          <a:bodyPr/>
+          <a:lstStyle/>
+          <a:p>
+            <a:pPr marL="0" marR="0" lvl="0" indent="0" algn="r" rtl="0">
+              <a:spcBef>
+                <a:spcPts val="0"/>
+              </a:spcBef>
+              <a:spcAft>
+                <a:spcPts val="0"/>
+              </a:spcAft>
+              <a:buNone/>
+            </a:pPr>
+            <a:fld id="{00000000-1234-1234-1234-123412341234}" type="slidenum">
+              <a:rPr lang="en-US" sz="1200" b="0" i="0" u="none" strike="noStrike" cap="none" smtClean="0">
+                <a:solidFill>
+                  <a:schemeClr val="dk1"/>
+                </a:solidFill>
+                <a:latin typeface="Calibri"/>
+                <a:ea typeface="Calibri"/>
+                <a:cs typeface="Calibri"/>
+                <a:sym typeface="Calibri"/>
+              </a:rPr>
+              <a:t>13</a:t>
+            </a:fld>
+            <a:endParaRPr lang="en-US" sz="1200" b="0" i="0" u="none" strike="noStrike" cap="none" dirty="0">
+              <a:solidFill>
+                <a:schemeClr val="dk1"/>
+              </a:solidFill>
+              <a:latin typeface="Calibri"/>
+              <a:ea typeface="Calibri"/>
+              <a:cs typeface="Calibri"/>
+              <a:sym typeface="Calibri"/>
+            </a:endParaRPr>
+          </a:p>
+        </p:txBody>
+      </p:sp>
+    </p:spTree>
+    <p:extLst>
+      <p:ext uri="{BB962C8B-B14F-4D97-AF65-F5344CB8AC3E}">
+        <p14:creationId xmlns:p14="http://schemas.microsoft.com/office/powerpoint/2010/main" val="1210424055"/>
+      </p:ext>
+    </p:extLst>
+  </p:cSld>
+  <p:clrMapOvr>
+    <a:masterClrMapping/>
+  </p:clrMapOvr>
+</p:notes>
+</file>
+
+<file path=ppt/notesSlides/notesSlide14.xml><?xml version="1.0" encoding="utf-8"?>
+<p:notes xmlns:a="http://schemas.openxmlformats.org/drawingml/2006/main" xmlns:r="http://schemas.openxmlformats.org/officeDocument/2006/relationships" xmlns:p="http://schemas.openxmlformats.org/presentationml/2006/main">
+  <p:cSld>
+    <p:spTree>
+      <p:nvGrpSpPr>
+        <p:cNvPr id="1" name=""/>
+        <p:cNvGrpSpPr/>
+        <p:nvPr/>
+      </p:nvGrpSpPr>
+      <p:grpSpPr>
+        <a:xfrm>
+          <a:off x="0" y="0"/>
+          <a:ext cx="0" cy="0"/>
+          <a:chOff x="0" y="0"/>
+          <a:chExt cx="0" cy="0"/>
+        </a:xfrm>
+      </p:grpSpPr>
+      <p:sp>
+        <p:nvSpPr>
+          <p:cNvPr id="2" name="Slide Image Placeholder 1"/>
+          <p:cNvSpPr>
+            <a:spLocks noGrp="1" noRot="1" noChangeAspect="1"/>
+          </p:cNvSpPr>
+          <p:nvPr>
+            <p:ph type="sldImg"/>
+          </p:nvPr>
+        </p:nvSpPr>
+        <p:spPr/>
+      </p:sp>
+      <p:sp>
+        <p:nvSpPr>
+          <p:cNvPr id="3" name="Notes Placeholder 2"/>
+          <p:cNvSpPr>
+            <a:spLocks noGrp="1"/>
+          </p:cNvSpPr>
+          <p:nvPr>
+            <p:ph type="body" idx="1"/>
+          </p:nvPr>
+        </p:nvSpPr>
+        <p:spPr/>
+        <p:txBody>
+          <a:bodyPr/>
+          <a:lstStyle/>
+          <a:p>
+            <a:pPr marL="457200" marR="0" lvl="0" indent="-228600" algn="l" defTabSz="914400" rtl="0" eaLnBrk="1" fontAlgn="auto" latinLnBrk="0" hangingPunct="1">
+              <a:lnSpc>
+                <a:spcPct val="100000"/>
+              </a:lnSpc>
+              <a:spcBef>
+                <a:spcPts val="0"/>
+              </a:spcBef>
+              <a:spcAft>
+                <a:spcPts val="0"/>
+              </a:spcAft>
+              <a:buClr>
+                <a:srgbClr val="000000"/>
+              </a:buClr>
+              <a:buSzPts val="1400"/>
+              <a:buFont typeface="Arial"/>
+              <a:buNone/>
+              <a:tabLst/>
+              <a:defRPr/>
+            </a:pPr>
+            <a:r>
+              <a:rPr lang="en-US" b="0" dirty="0">
+                <a:latin typeface="Calibri" panose="020F0502020204030204" pitchFamily="34" charset="0"/>
+                <a:ea typeface="Calibri" panose="020F0502020204030204" pitchFamily="34" charset="0"/>
+                <a:cs typeface="Calibri" panose="020F0502020204030204" pitchFamily="34" charset="0"/>
+              </a:rPr>
+              <a:t>The </a:t>
+            </a:r>
+            <a:r>
+              <a:rPr lang="en-US" b="0" i="0" dirty="0">
+                <a:latin typeface="Calibri" panose="020F0502020204030204" pitchFamily="34" charset="0"/>
+                <a:ea typeface="Calibri" panose="020F0502020204030204" pitchFamily="34" charset="0"/>
+                <a:cs typeface="Calibri" panose="020F0502020204030204" pitchFamily="34" charset="0"/>
+              </a:rPr>
+              <a:t>Clark-Wilson model </a:t>
+            </a:r>
+            <a:r>
+              <a:rPr lang="en-US" b="0" dirty="0">
+                <a:latin typeface="Calibri" panose="020F0502020204030204" pitchFamily="34" charset="0"/>
+                <a:ea typeface="Calibri" panose="020F0502020204030204" pitchFamily="34" charset="0"/>
+                <a:cs typeface="Calibri" panose="020F0502020204030204" pitchFamily="34" charset="0"/>
+              </a:rPr>
+              <a:t>improves the Biba model by describing its properties at the transaction level.</a:t>
+            </a:r>
+          </a:p>
+          <a:p>
+            <a:pPr marL="457200" marR="0" lvl="0" indent="-228600" algn="l" defTabSz="914400" rtl="0" eaLnBrk="1" fontAlgn="auto" latinLnBrk="0" hangingPunct="1">
+              <a:lnSpc>
+                <a:spcPct val="100000"/>
+              </a:lnSpc>
+              <a:spcBef>
+                <a:spcPts val="0"/>
+              </a:spcBef>
+              <a:spcAft>
+                <a:spcPts val="0"/>
+              </a:spcAft>
+              <a:buClr>
+                <a:srgbClr val="000000"/>
+              </a:buClr>
+              <a:buSzPts val="1400"/>
+              <a:buFont typeface="Arial"/>
+              <a:buNone/>
+              <a:tabLst/>
+              <a:defRPr/>
+            </a:pPr>
+            <a:endParaRPr lang="en-US" b="0" dirty="0">
+              <a:effectLst/>
+              <a:latin typeface="Calibri" panose="020F0502020204030204" pitchFamily="34" charset="0"/>
+              <a:ea typeface="Calibri" panose="020F0502020204030204" pitchFamily="34" charset="0"/>
+              <a:cs typeface="Calibri" panose="020F0502020204030204" pitchFamily="34" charset="0"/>
+            </a:endParaRPr>
+          </a:p>
+          <a:p>
+            <a:r>
+              <a:rPr lang="en-US" dirty="0"/>
+              <a:t>The CW model assigns… and defines…</a:t>
+            </a:r>
+          </a:p>
+          <a:p>
+            <a:endParaRPr lang="en-US" dirty="0"/>
+          </a:p>
+          <a:p>
+            <a:r>
+              <a:rPr lang="en-US" dirty="0"/>
+              <a:t>It is concerned with… and intends to…</a:t>
+            </a:r>
+            <a:endParaRPr lang="en-US" b="0" dirty="0">
+              <a:effectLst/>
+              <a:latin typeface="Calibri" panose="020F0502020204030204" pitchFamily="34" charset="0"/>
+              <a:ea typeface="Calibri" panose="020F0502020204030204" pitchFamily="34" charset="0"/>
+              <a:cs typeface="Calibri" panose="020F0502020204030204" pitchFamily="34" charset="0"/>
+            </a:endParaRPr>
+          </a:p>
+          <a:p>
+            <a:endParaRPr lang="en-US" dirty="0"/>
+          </a:p>
+          <a:p>
+            <a:r>
+              <a:rPr lang="en-US" dirty="0"/>
+              <a:t>There are 9 rules across two types associated with CW.</a:t>
+            </a:r>
+          </a:p>
+          <a:p>
+            <a:r>
+              <a:rPr lang="en-US" dirty="0"/>
+              <a:t>We aren’t going to go through them all, but:</a:t>
+            </a:r>
+          </a:p>
+          <a:p>
+            <a:pPr>
+              <a:buFont typeface="Arial" panose="020B0604020202020204" pitchFamily="34" charset="0"/>
+              <a:buChar char="•"/>
+            </a:pPr>
+            <a:r>
+              <a:rPr lang="en-US" dirty="0"/>
+              <a:t>Certification </a:t>
+            </a:r>
+            <a:r>
+              <a:rPr lang="en-US" b="0" dirty="0"/>
+              <a:t>rules </a:t>
+            </a:r>
+            <a:r>
+              <a:rPr lang="en-US" b="0" i="0" dirty="0">
+                <a:solidFill>
+                  <a:srgbClr val="111111"/>
+                </a:solidFill>
+                <a:effectLst/>
+                <a:latin typeface="Arial" panose="020B0604020202020204" pitchFamily="34" charset="0"/>
+              </a:rPr>
+              <a:t>lay out how the system certifies that a particular data object is in a valid state (according to another set of rules)</a:t>
+            </a:r>
+            <a:endParaRPr lang="en-US" b="0" dirty="0"/>
+          </a:p>
+          <a:p>
+            <a:pPr>
+              <a:buFont typeface="Arial" panose="020B0604020202020204" pitchFamily="34" charset="0"/>
+              <a:buChar char="•"/>
+            </a:pPr>
+            <a:r>
+              <a:rPr lang="en-US" dirty="0"/>
+              <a:t>Enforcement rules </a:t>
+            </a:r>
+            <a:r>
+              <a:rPr lang="en-US" b="0" i="0" dirty="0">
+                <a:solidFill>
+                  <a:srgbClr val="111111"/>
+                </a:solidFill>
+                <a:effectLst/>
+                <a:latin typeface="Arial" panose="020B0604020202020204" pitchFamily="34" charset="0"/>
+              </a:rPr>
+              <a:t>make sure that already-certified data object stays certified (maintains its integrity) as the system interacts with it</a:t>
+            </a:r>
+            <a:endParaRPr lang="en-US" dirty="0"/>
+          </a:p>
+        </p:txBody>
+      </p:sp>
+      <p:sp>
+        <p:nvSpPr>
+          <p:cNvPr id="4" name="Slide Number Placeholder 3"/>
+          <p:cNvSpPr>
+            <a:spLocks noGrp="1"/>
+          </p:cNvSpPr>
+          <p:nvPr>
+            <p:ph type="sldNum" idx="12"/>
+          </p:nvPr>
+        </p:nvSpPr>
+        <p:spPr/>
+        <p:txBody>
+          <a:bodyPr/>
+          <a:lstStyle/>
+          <a:p>
+            <a:pPr marL="0" marR="0" lvl="0" indent="0" algn="r" rtl="0">
+              <a:spcBef>
+                <a:spcPts val="0"/>
+              </a:spcBef>
+              <a:spcAft>
+                <a:spcPts val="0"/>
+              </a:spcAft>
+              <a:buNone/>
+            </a:pPr>
+            <a:fld id="{00000000-1234-1234-1234-123412341234}" type="slidenum">
+              <a:rPr lang="en-US" sz="1200" b="0" i="0" u="none" strike="noStrike" cap="none" smtClean="0">
+                <a:solidFill>
+                  <a:schemeClr val="dk1"/>
+                </a:solidFill>
+                <a:latin typeface="Calibri"/>
+                <a:ea typeface="Calibri"/>
+                <a:cs typeface="Calibri"/>
+                <a:sym typeface="Calibri"/>
+              </a:rPr>
+              <a:t>14</a:t>
+            </a:fld>
+            <a:endParaRPr lang="en-US" sz="1200" b="0" i="0" u="none" strike="noStrike" cap="none" dirty="0">
+              <a:solidFill>
+                <a:schemeClr val="dk1"/>
+              </a:solidFill>
+              <a:latin typeface="Calibri"/>
+              <a:ea typeface="Calibri"/>
+              <a:cs typeface="Calibri"/>
+              <a:sym typeface="Calibri"/>
+            </a:endParaRPr>
+          </a:p>
+        </p:txBody>
+      </p:sp>
+    </p:spTree>
+    <p:extLst>
+      <p:ext uri="{BB962C8B-B14F-4D97-AF65-F5344CB8AC3E}">
+        <p14:creationId xmlns:p14="http://schemas.microsoft.com/office/powerpoint/2010/main" val="4142008199"/>
+      </p:ext>
+    </p:extLst>
+  </p:cSld>
+  <p:clrMapOvr>
+    <a:masterClrMapping/>
+  </p:clrMapOvr>
+</p:notes>
+</file>
+
+<file path=ppt/notesSlides/notesSlide15.xml><?xml version="1.0" encoding="utf-8"?>
+<p:notes xmlns:a="http://schemas.openxmlformats.org/drawingml/2006/main" xmlns:r="http://schemas.openxmlformats.org/officeDocument/2006/relationships" xmlns:p="http://schemas.openxmlformats.org/presentationml/2006/main" showMasterSp="0" showMasterPhAnim="0">
+  <p:cSld>
+    <p:spTree>
+      <p:nvGrpSpPr>
+        <p:cNvPr id="1" name="Shape 31"/>
+        <p:cNvGrpSpPr/>
+        <p:nvPr/>
+      </p:nvGrpSpPr>
+      <p:grpSpPr>
+        <a:xfrm>
+          <a:off x="0" y="0"/>
+          <a:ext cx="0" cy="0"/>
+          <a:chOff x="0" y="0"/>
+          <a:chExt cx="0" cy="0"/>
+        </a:xfrm>
+      </p:grpSpPr>
+      <p:sp>
+        <p:nvSpPr>
+          <p:cNvPr id="32" name="Google Shape;32;p1:notes"/>
+          <p:cNvSpPr txBox="1">
+            <a:spLocks noGrp="1"/>
+          </p:cNvSpPr>
+          <p:nvPr>
+            <p:ph type="body" idx="1"/>
+          </p:nvPr>
+        </p:nvSpPr>
+        <p:spPr>
+          <a:xfrm>
+            <a:off x="685800" y="4400550"/>
+            <a:ext cx="5486400" cy="3600450"/>
+          </a:xfrm>
+          <a:prstGeom prst="rect">
+            <a:avLst/>
+          </a:prstGeom>
+        </p:spPr>
+        <p:txBody>
+          <a:bodyPr spcFirstLastPara="1" wrap="square" lIns="91425" tIns="45700" rIns="91425" bIns="45700" anchor="t" anchorCtr="0">
+            <a:noAutofit/>
+          </a:bodyPr>
+          <a:lstStyle/>
+          <a:p>
+            <a:pPr marL="0" lvl="0" indent="0" algn="l" rtl="0">
+              <a:spcBef>
+                <a:spcPts val="0"/>
+              </a:spcBef>
+              <a:spcAft>
+                <a:spcPts val="0"/>
+              </a:spcAft>
+              <a:buNone/>
+            </a:pPr>
+            <a:r>
+              <a:rPr lang="en-US" dirty="0"/>
+              <a:t>Access control is another way that we can enforce the principle of least privilege. There are several types.</a:t>
+            </a:r>
+            <a:endParaRPr dirty="0"/>
+          </a:p>
+        </p:txBody>
+      </p:sp>
+      <p:sp>
+        <p:nvSpPr>
+          <p:cNvPr id="33" name="Google Shape;33;p1:notes"/>
+          <p:cNvSpPr>
+            <a:spLocks noGrp="1" noRot="1" noChangeAspect="1"/>
+          </p:cNvSpPr>
+          <p:nvPr>
+            <p:ph type="sldImg" idx="2"/>
+          </p:nvPr>
+        </p:nvSpPr>
+        <p:spPr>
+          <a:xfrm>
+            <a:off x="685800" y="1143000"/>
+            <a:ext cx="5486400" cy="3086100"/>
+          </a:xfrm>
+          <a:custGeom>
+            <a:avLst/>
+            <a:gdLst/>
+            <a:ahLst/>
+            <a:cxnLst/>
+            <a:rect l="l" t="t" r="r" b="b"/>
+            <a:pathLst>
+              <a:path w="120000" h="120000" extrusionOk="0">
+                <a:moveTo>
+                  <a:pt x="0" y="0"/>
+                </a:moveTo>
+                <a:lnTo>
+                  <a:pt x="120000" y="0"/>
+                </a:lnTo>
+                <a:lnTo>
+                  <a:pt x="120000" y="120000"/>
+                </a:lnTo>
+                <a:lnTo>
+                  <a:pt x="0" y="120000"/>
+                </a:lnTo>
+                <a:close/>
+              </a:path>
+            </a:pathLst>
+          </a:custGeom>
+        </p:spPr>
+      </p:sp>
+    </p:spTree>
+    <p:extLst>
+      <p:ext uri="{BB962C8B-B14F-4D97-AF65-F5344CB8AC3E}">
+        <p14:creationId xmlns:p14="http://schemas.microsoft.com/office/powerpoint/2010/main" val="341518721"/>
+      </p:ext>
+    </p:extLst>
+  </p:cSld>
+  <p:clrMapOvr>
+    <a:masterClrMapping/>
+  </p:clrMapOvr>
+</p:notes>
+</file>
+
+<file path=ppt/notesSlides/notesSlide16.xml><?xml version="1.0" encoding="utf-8"?>
+<p:notes xmlns:a="http://schemas.openxmlformats.org/drawingml/2006/main" xmlns:r="http://schemas.openxmlformats.org/officeDocument/2006/relationships" xmlns:p="http://schemas.openxmlformats.org/presentationml/2006/main">
+  <p:cSld>
+    <p:spTree>
+      <p:nvGrpSpPr>
+        <p:cNvPr id="1" name=""/>
+        <p:cNvGrpSpPr/>
+        <p:nvPr/>
+      </p:nvGrpSpPr>
+      <p:grpSpPr>
+        <a:xfrm>
+          <a:off x="0" y="0"/>
+          <a:ext cx="0" cy="0"/>
+          <a:chOff x="0" y="0"/>
+          <a:chExt cx="0" cy="0"/>
+        </a:xfrm>
+      </p:grpSpPr>
+      <p:sp>
+        <p:nvSpPr>
+          <p:cNvPr id="2" name="Slide Image Placeholder 1"/>
+          <p:cNvSpPr>
+            <a:spLocks noGrp="1" noRot="1" noChangeAspect="1"/>
+          </p:cNvSpPr>
+          <p:nvPr>
+            <p:ph type="sldImg"/>
+          </p:nvPr>
+        </p:nvSpPr>
+        <p:spPr/>
+      </p:sp>
+      <p:sp>
+        <p:nvSpPr>
+          <p:cNvPr id="3" name="Notes Placeholder 2"/>
+          <p:cNvSpPr>
+            <a:spLocks noGrp="1"/>
+          </p:cNvSpPr>
+          <p:nvPr>
+            <p:ph type="body" idx="1"/>
+          </p:nvPr>
+        </p:nvSpPr>
+        <p:spPr/>
+        <p:txBody>
+          <a:bodyPr/>
+          <a:lstStyle/>
+          <a:p>
+            <a:pPr marL="457200" marR="0" lvl="0" indent="-228600" algn="l" defTabSz="914400" rtl="0" eaLnBrk="1" fontAlgn="auto" latinLnBrk="0" hangingPunct="1">
+              <a:lnSpc>
+                <a:spcPct val="100000"/>
+              </a:lnSpc>
+              <a:spcBef>
+                <a:spcPts val="0"/>
+              </a:spcBef>
+              <a:spcAft>
+                <a:spcPts val="0"/>
+              </a:spcAft>
+              <a:buClr>
+                <a:srgbClr val="000000"/>
+              </a:buClr>
+              <a:buSzPts val="1400"/>
+              <a:buFont typeface="Arial"/>
+              <a:buNone/>
+              <a:tabLst/>
+              <a:defRPr/>
+            </a:pPr>
+            <a:r>
+              <a:rPr lang="en-US" b="0" i="0" dirty="0"/>
+              <a:t>Access control methods are formal presentations of the security policies enforced by the operating system.</a:t>
+            </a:r>
+          </a:p>
+          <a:p>
+            <a:pPr marL="457200" marR="0" lvl="0" indent="-228600" algn="l" defTabSz="914400" rtl="0" eaLnBrk="1" fontAlgn="auto" latinLnBrk="0" hangingPunct="1">
+              <a:lnSpc>
+                <a:spcPct val="100000"/>
+              </a:lnSpc>
+              <a:spcBef>
+                <a:spcPts val="0"/>
+              </a:spcBef>
+              <a:spcAft>
+                <a:spcPts val="0"/>
+              </a:spcAft>
+              <a:buClr>
+                <a:srgbClr val="000000"/>
+              </a:buClr>
+              <a:buSzPts val="1400"/>
+              <a:buFont typeface="Arial"/>
+              <a:buNone/>
+              <a:tabLst/>
+              <a:defRPr/>
+            </a:pPr>
+            <a:r>
+              <a:rPr lang="en-US" b="0" i="0" dirty="0"/>
+              <a:t>They are…</a:t>
+            </a:r>
+          </a:p>
+          <a:p>
+            <a:pPr marL="457200" marR="0" lvl="0" indent="-228600" algn="l" defTabSz="914400" rtl="0" eaLnBrk="1" fontAlgn="auto" latinLnBrk="0" hangingPunct="1">
+              <a:lnSpc>
+                <a:spcPct val="100000"/>
+              </a:lnSpc>
+              <a:spcBef>
+                <a:spcPts val="0"/>
+              </a:spcBef>
+              <a:spcAft>
+                <a:spcPts val="0"/>
+              </a:spcAft>
+              <a:buClr>
+                <a:srgbClr val="000000"/>
+              </a:buClr>
+              <a:buSzPts val="1400"/>
+              <a:buFont typeface="Arial"/>
+              <a:buNone/>
+              <a:tabLst/>
+              <a:defRPr/>
+            </a:pPr>
+            <a:endParaRPr lang="en-US" b="0" i="0" dirty="0"/>
+          </a:p>
+          <a:p>
+            <a:pPr marL="457200" marR="0" lvl="0" indent="-228600" algn="l" defTabSz="914400" rtl="0" eaLnBrk="1" fontAlgn="auto" latinLnBrk="0" hangingPunct="1">
+              <a:lnSpc>
+                <a:spcPct val="100000"/>
+              </a:lnSpc>
+              <a:spcBef>
+                <a:spcPts val="0"/>
+              </a:spcBef>
+              <a:spcAft>
+                <a:spcPts val="0"/>
+              </a:spcAft>
+              <a:buClr>
+                <a:srgbClr val="000000"/>
+              </a:buClr>
+              <a:buSzPts val="1400"/>
+              <a:buFont typeface="Arial"/>
+              <a:buNone/>
+              <a:tabLst/>
+              <a:defRPr/>
+            </a:pPr>
+            <a:r>
+              <a:rPr lang="en-US" dirty="0"/>
+              <a:t>Security models align with access control methods to enforce policies, supporting the principle of least privilege.</a:t>
+            </a:r>
+          </a:p>
+          <a:p>
+            <a:endParaRPr lang="en-US" dirty="0"/>
+          </a:p>
+          <a:p>
+            <a:r>
+              <a:rPr lang="en-US" dirty="0"/>
+              <a:t>There are two duty types in most access control implementations:</a:t>
+            </a:r>
+          </a:p>
+          <a:p>
+            <a:pPr>
+              <a:buFont typeface="Arial" panose="020B0604020202020204" pitchFamily="34" charset="0"/>
+              <a:buChar char="•"/>
+            </a:pPr>
+            <a:r>
+              <a:rPr lang="en-US" dirty="0"/>
+              <a:t>Fundamental</a:t>
+            </a:r>
+          </a:p>
+          <a:p>
+            <a:pPr lvl="1">
+              <a:buFont typeface="Arial" panose="020B0604020202020204" pitchFamily="34" charset="0"/>
+              <a:buChar char="•"/>
+            </a:pPr>
+            <a:r>
+              <a:rPr lang="en-US" dirty="0"/>
+              <a:t>Objects – read, write, modify, create, delete, execute</a:t>
+            </a:r>
+          </a:p>
+          <a:p>
+            <a:pPr lvl="1">
+              <a:buFont typeface="Arial" panose="020B0604020202020204" pitchFamily="34" charset="0"/>
+              <a:buChar char="•"/>
+            </a:pPr>
+            <a:r>
+              <a:rPr lang="en-US" dirty="0"/>
+              <a:t>Security parameters – same operations</a:t>
+            </a:r>
+          </a:p>
+          <a:p>
+            <a:pPr>
+              <a:buFont typeface="Arial" panose="020B0604020202020204" pitchFamily="34" charset="0"/>
+              <a:buChar char="•"/>
+            </a:pPr>
+            <a:r>
+              <a:rPr lang="en-US" dirty="0"/>
+              <a:t>Complex – sequences of fundamental operations</a:t>
+            </a:r>
+          </a:p>
+        </p:txBody>
+      </p:sp>
+      <p:sp>
+        <p:nvSpPr>
+          <p:cNvPr id="4" name="Slide Number Placeholder 3"/>
+          <p:cNvSpPr>
+            <a:spLocks noGrp="1"/>
+          </p:cNvSpPr>
+          <p:nvPr>
+            <p:ph type="sldNum" idx="12"/>
+          </p:nvPr>
+        </p:nvSpPr>
+        <p:spPr/>
+        <p:txBody>
+          <a:bodyPr/>
+          <a:lstStyle/>
+          <a:p>
+            <a:pPr marL="0" marR="0" lvl="0" indent="0" algn="r" rtl="0">
+              <a:spcBef>
+                <a:spcPts val="0"/>
+              </a:spcBef>
+              <a:spcAft>
+                <a:spcPts val="0"/>
+              </a:spcAft>
+              <a:buNone/>
+            </a:pPr>
+            <a:fld id="{00000000-1234-1234-1234-123412341234}" type="slidenum">
+              <a:rPr lang="en-US" sz="1200" b="0" i="0" u="none" strike="noStrike" cap="none" smtClean="0">
+                <a:solidFill>
+                  <a:schemeClr val="dk1"/>
+                </a:solidFill>
+                <a:latin typeface="Calibri"/>
+                <a:ea typeface="Calibri"/>
+                <a:cs typeface="Calibri"/>
+                <a:sym typeface="Calibri"/>
+              </a:rPr>
+              <a:t>16</a:t>
+            </a:fld>
+            <a:endParaRPr lang="en-US" sz="1200" b="0" i="0" u="none" strike="noStrike" cap="none" dirty="0">
+              <a:solidFill>
+                <a:schemeClr val="dk1"/>
+              </a:solidFill>
+              <a:latin typeface="Calibri"/>
+              <a:ea typeface="Calibri"/>
+              <a:cs typeface="Calibri"/>
+              <a:sym typeface="Calibri"/>
+            </a:endParaRPr>
+          </a:p>
+        </p:txBody>
+      </p:sp>
+    </p:spTree>
+    <p:extLst>
+      <p:ext uri="{BB962C8B-B14F-4D97-AF65-F5344CB8AC3E}">
+        <p14:creationId xmlns:p14="http://schemas.microsoft.com/office/powerpoint/2010/main" val="4237148841"/>
+      </p:ext>
+    </p:extLst>
+  </p:cSld>
+  <p:clrMapOvr>
+    <a:masterClrMapping/>
+  </p:clrMapOvr>
+</p:notes>
+</file>
+
+<file path=ppt/notesSlides/notesSlide17.xml><?xml version="1.0" encoding="utf-8"?>
+<p:notes xmlns:a="http://schemas.openxmlformats.org/drawingml/2006/main" xmlns:r="http://schemas.openxmlformats.org/officeDocument/2006/relationships" xmlns:p="http://schemas.openxmlformats.org/presentationml/2006/main">
+  <p:cSld>
+    <p:spTree>
+      <p:nvGrpSpPr>
+        <p:cNvPr id="1" name=""/>
+        <p:cNvGrpSpPr/>
+        <p:nvPr/>
+      </p:nvGrpSpPr>
+      <p:grpSpPr>
+        <a:xfrm>
+          <a:off x="0" y="0"/>
+          <a:ext cx="0" cy="0"/>
+          <a:chOff x="0" y="0"/>
+          <a:chExt cx="0" cy="0"/>
+        </a:xfrm>
+      </p:grpSpPr>
+      <p:sp>
+        <p:nvSpPr>
+          <p:cNvPr id="2" name="Slide Image Placeholder 1"/>
+          <p:cNvSpPr>
+            <a:spLocks noGrp="1" noRot="1" noChangeAspect="1"/>
+          </p:cNvSpPr>
+          <p:nvPr>
+            <p:ph type="sldImg"/>
+          </p:nvPr>
+        </p:nvSpPr>
+        <p:spPr/>
+      </p:sp>
+      <p:sp>
+        <p:nvSpPr>
+          <p:cNvPr id="3" name="Notes Placeholder 2"/>
+          <p:cNvSpPr>
+            <a:spLocks noGrp="1"/>
+          </p:cNvSpPr>
+          <p:nvPr>
+            <p:ph type="body" idx="1"/>
+          </p:nvPr>
+        </p:nvSpPr>
+        <p:spPr/>
+        <p:txBody>
+          <a:bodyPr/>
+          <a:lstStyle/>
+          <a:p>
+            <a:pPr marL="457200" marR="0" lvl="0" indent="-228600" algn="l" defTabSz="914400" rtl="0" eaLnBrk="1" fontAlgn="auto" latinLnBrk="0" hangingPunct="1">
+              <a:lnSpc>
+                <a:spcPct val="100000"/>
+              </a:lnSpc>
+              <a:spcBef>
+                <a:spcPts val="0"/>
+              </a:spcBef>
+              <a:spcAft>
+                <a:spcPts val="0"/>
+              </a:spcAft>
+              <a:buClr>
+                <a:srgbClr val="000000"/>
+              </a:buClr>
+              <a:buSzPts val="1400"/>
+              <a:buFont typeface="Arial"/>
+              <a:buNone/>
+              <a:tabLst/>
+              <a:defRPr/>
+            </a:pPr>
+            <a:r>
+              <a:rPr lang="en-US" b="0" i="0" dirty="0"/>
+              <a:t>In Role Based Access Control, the roles assigned to groups of users by systems administrators determine access privileges.</a:t>
+            </a:r>
+          </a:p>
+          <a:p>
+            <a:pPr marL="457200" marR="0" lvl="0" indent="-228600" algn="l" defTabSz="914400" rtl="0" eaLnBrk="1" fontAlgn="auto" latinLnBrk="0" hangingPunct="1">
+              <a:lnSpc>
+                <a:spcPct val="100000"/>
+              </a:lnSpc>
+              <a:spcBef>
+                <a:spcPts val="0"/>
+              </a:spcBef>
+              <a:spcAft>
+                <a:spcPts val="0"/>
+              </a:spcAft>
+              <a:buClr>
+                <a:srgbClr val="000000"/>
+              </a:buClr>
+              <a:buSzPts val="1400"/>
+              <a:buFont typeface="Arial"/>
+              <a:buNone/>
+              <a:tabLst/>
+              <a:defRPr/>
+            </a:pPr>
+            <a:endParaRPr lang="en-US" b="0" i="0" dirty="0"/>
+          </a:p>
+          <a:p>
+            <a:pPr marL="457200" marR="0" lvl="0" indent="-228600" algn="l" defTabSz="914400" rtl="0" eaLnBrk="1" fontAlgn="auto" latinLnBrk="0" hangingPunct="1">
+              <a:lnSpc>
+                <a:spcPct val="100000"/>
+              </a:lnSpc>
+              <a:spcBef>
+                <a:spcPts val="0"/>
+              </a:spcBef>
+              <a:spcAft>
+                <a:spcPts val="0"/>
+              </a:spcAft>
+              <a:buClr>
+                <a:srgbClr val="000000"/>
+              </a:buClr>
+              <a:buSzPts val="1400"/>
+              <a:buFont typeface="Arial"/>
+              <a:buNone/>
+              <a:tabLst/>
+              <a:defRPr/>
+            </a:pPr>
+            <a:r>
+              <a:rPr lang="en-US" b="0" i="0" dirty="0"/>
+              <a:t>RBAC is an AC policy that restricts information system access to authorized users. Organizations can create specific roles based on job functions and the authorizations (i.e., privileges) to perform needed operations on organizational information systems associated with the organization-defined roles.</a:t>
+            </a:r>
+          </a:p>
+          <a:p>
+            <a:pPr marL="457200" marR="0" lvl="0" indent="-228600" algn="l" defTabSz="914400" rtl="0" eaLnBrk="1" fontAlgn="auto" latinLnBrk="0" hangingPunct="1">
+              <a:lnSpc>
+                <a:spcPct val="100000"/>
+              </a:lnSpc>
+              <a:spcBef>
+                <a:spcPts val="0"/>
+              </a:spcBef>
+              <a:spcAft>
+                <a:spcPts val="0"/>
+              </a:spcAft>
+              <a:buClr>
+                <a:srgbClr val="000000"/>
+              </a:buClr>
+              <a:buSzPts val="1400"/>
+              <a:buFont typeface="Arial"/>
+              <a:buNone/>
+              <a:tabLst/>
+              <a:defRPr/>
+            </a:pPr>
+            <a:endParaRPr lang="en-US" b="0" i="0" dirty="0"/>
+          </a:p>
+          <a:p>
+            <a:pPr marL="457200" marR="0" lvl="0" indent="-228600" algn="l" defTabSz="914400" rtl="0" eaLnBrk="1" fontAlgn="auto" latinLnBrk="0" hangingPunct="1">
+              <a:lnSpc>
+                <a:spcPct val="100000"/>
+              </a:lnSpc>
+              <a:spcBef>
+                <a:spcPts val="0"/>
+              </a:spcBef>
+              <a:spcAft>
+                <a:spcPts val="0"/>
+              </a:spcAft>
+              <a:buClr>
+                <a:srgbClr val="000000"/>
+              </a:buClr>
+              <a:buSzPts val="1400"/>
+              <a:buFont typeface="Arial"/>
+              <a:buNone/>
+              <a:tabLst/>
+              <a:defRPr/>
+            </a:pPr>
+            <a:r>
+              <a:rPr lang="en-US" sz="1200" dirty="0">
+                <a:latin typeface="Calibri" panose="020F0502020204030204" pitchFamily="34" charset="0"/>
+                <a:ea typeface="Calibri" panose="020F0502020204030204" pitchFamily="34" charset="0"/>
+                <a:cs typeface="Calibri" panose="020F0502020204030204" pitchFamily="34" charset="0"/>
+              </a:rPr>
+              <a:t>In many ways, RBAC is like an org chart.</a:t>
+            </a:r>
+          </a:p>
+        </p:txBody>
+      </p:sp>
+      <p:sp>
+        <p:nvSpPr>
+          <p:cNvPr id="4" name="Slide Number Placeholder 3"/>
+          <p:cNvSpPr>
+            <a:spLocks noGrp="1"/>
+          </p:cNvSpPr>
+          <p:nvPr>
+            <p:ph type="sldNum" idx="12"/>
+          </p:nvPr>
+        </p:nvSpPr>
+        <p:spPr/>
+        <p:txBody>
+          <a:bodyPr/>
+          <a:lstStyle/>
+          <a:p>
+            <a:pPr marL="0" marR="0" lvl="0" indent="0" algn="r" rtl="0">
+              <a:spcBef>
+                <a:spcPts val="0"/>
+              </a:spcBef>
+              <a:spcAft>
+                <a:spcPts val="0"/>
+              </a:spcAft>
+              <a:buNone/>
+            </a:pPr>
+            <a:fld id="{00000000-1234-1234-1234-123412341234}" type="slidenum">
+              <a:rPr lang="en-US" sz="1200" b="0" i="0" u="none" strike="noStrike" cap="none" smtClean="0">
+                <a:solidFill>
+                  <a:schemeClr val="dk1"/>
+                </a:solidFill>
+                <a:latin typeface="Calibri"/>
+                <a:ea typeface="Calibri"/>
+                <a:cs typeface="Calibri"/>
+                <a:sym typeface="Calibri"/>
+              </a:rPr>
+              <a:t>17</a:t>
+            </a:fld>
+            <a:endParaRPr lang="en-US" sz="1200" b="0" i="0" u="none" strike="noStrike" cap="none" dirty="0">
+              <a:solidFill>
+                <a:schemeClr val="dk1"/>
+              </a:solidFill>
+              <a:latin typeface="Calibri"/>
+              <a:ea typeface="Calibri"/>
+              <a:cs typeface="Calibri"/>
+              <a:sym typeface="Calibri"/>
+            </a:endParaRPr>
+          </a:p>
+        </p:txBody>
+      </p:sp>
+    </p:spTree>
+    <p:extLst>
+      <p:ext uri="{BB962C8B-B14F-4D97-AF65-F5344CB8AC3E}">
+        <p14:creationId xmlns:p14="http://schemas.microsoft.com/office/powerpoint/2010/main" val="1837276579"/>
+      </p:ext>
+    </p:extLst>
+  </p:cSld>
+  <p:clrMapOvr>
+    <a:masterClrMapping/>
+  </p:clrMapOvr>
+</p:notes>
+</file>
+
+<file path=ppt/notesSlides/notesSlide18.xml><?xml version="1.0" encoding="utf-8"?>
+<p:notes xmlns:a="http://schemas.openxmlformats.org/drawingml/2006/main" xmlns:r="http://schemas.openxmlformats.org/officeDocument/2006/relationships" xmlns:p="http://schemas.openxmlformats.org/presentationml/2006/main">
+  <p:cSld>
+    <p:spTree>
+      <p:nvGrpSpPr>
+        <p:cNvPr id="1" name=""/>
+        <p:cNvGrpSpPr/>
+        <p:nvPr/>
+      </p:nvGrpSpPr>
+      <p:grpSpPr>
+        <a:xfrm>
+          <a:off x="0" y="0"/>
+          <a:ext cx="0" cy="0"/>
+          <a:chOff x="0" y="0"/>
+          <a:chExt cx="0" cy="0"/>
+        </a:xfrm>
+      </p:grpSpPr>
+      <p:sp>
+        <p:nvSpPr>
+          <p:cNvPr id="2" name="Slide Image Placeholder 1"/>
+          <p:cNvSpPr>
+            <a:spLocks noGrp="1" noRot="1" noChangeAspect="1"/>
+          </p:cNvSpPr>
+          <p:nvPr>
+            <p:ph type="sldImg"/>
+          </p:nvPr>
+        </p:nvSpPr>
+        <p:spPr/>
+      </p:sp>
+      <p:sp>
+        <p:nvSpPr>
+          <p:cNvPr id="3" name="Notes Placeholder 2"/>
+          <p:cNvSpPr>
+            <a:spLocks noGrp="1"/>
+          </p:cNvSpPr>
+          <p:nvPr>
+            <p:ph type="body" idx="1"/>
+          </p:nvPr>
+        </p:nvSpPr>
+        <p:spPr/>
+        <p:txBody>
+          <a:bodyPr/>
+          <a:lstStyle/>
+          <a:p>
+            <a:pPr marL="457200" marR="0" lvl="0" indent="-228600" algn="l" defTabSz="914400" rtl="0" eaLnBrk="1" fontAlgn="auto" latinLnBrk="0" hangingPunct="1">
+              <a:lnSpc>
+                <a:spcPct val="100000"/>
+              </a:lnSpc>
+              <a:spcBef>
+                <a:spcPts val="0"/>
+              </a:spcBef>
+              <a:spcAft>
+                <a:spcPts val="0"/>
+              </a:spcAft>
+              <a:buClr>
+                <a:srgbClr val="000000"/>
+              </a:buClr>
+              <a:buSzPts val="1400"/>
+              <a:buFont typeface="Arial"/>
+              <a:buNone/>
+              <a:tabLst/>
+              <a:defRPr/>
+            </a:pPr>
+            <a:r>
+              <a:rPr lang="en-US" b="0" i="0" dirty="0"/>
+              <a:t>In Rule Based Access Control, rule lists define access parameters and apply to all subjects and objects equally.</a:t>
+            </a:r>
+          </a:p>
+          <a:p>
+            <a:endParaRPr lang="en-US" dirty="0"/>
+          </a:p>
+          <a:p>
+            <a:r>
+              <a:rPr lang="en-US" dirty="0" err="1"/>
+              <a:t>RuBAC</a:t>
+            </a:r>
+            <a:r>
+              <a:rPr lang="en-US" dirty="0"/>
+              <a:t> is a predefined list of rules to determine access with additional granularity controls such as when, where and if the system will allow read, write or execute on special conditions. </a:t>
+            </a:r>
+            <a:r>
+              <a:rPr lang="en-US" dirty="0" err="1"/>
+              <a:t>RuBAC</a:t>
+            </a:r>
+            <a:r>
+              <a:rPr lang="en-US" dirty="0"/>
+              <a:t> is managed by the system owner. These rules are often expressed in Boolean logic terms and can be quite complex and specific.</a:t>
+            </a:r>
+          </a:p>
+          <a:p>
+            <a:endParaRPr lang="en-US" dirty="0"/>
+          </a:p>
+          <a:p>
+            <a:pPr marL="457200" marR="0" lvl="0" indent="-228600" algn="l" defTabSz="914400" rtl="0" eaLnBrk="1" fontAlgn="auto" latinLnBrk="0" hangingPunct="1">
+              <a:lnSpc>
+                <a:spcPct val="100000"/>
+              </a:lnSpc>
+              <a:spcBef>
+                <a:spcPts val="0"/>
+              </a:spcBef>
+              <a:spcAft>
+                <a:spcPts val="0"/>
+              </a:spcAft>
+              <a:buClr>
+                <a:srgbClr val="000000"/>
+              </a:buClr>
+              <a:buSzPts val="1400"/>
+              <a:buFont typeface="Arial"/>
+              <a:buNone/>
+              <a:tabLst/>
+              <a:defRPr/>
+            </a:pPr>
+            <a:r>
+              <a:rPr lang="en-US" sz="1200" dirty="0" err="1">
+                <a:latin typeface="Calibri" panose="020F0502020204030204" pitchFamily="34" charset="0"/>
+                <a:ea typeface="Calibri" panose="020F0502020204030204" pitchFamily="34" charset="0"/>
+                <a:cs typeface="Calibri" panose="020F0502020204030204" pitchFamily="34" charset="0"/>
+              </a:rPr>
+              <a:t>RuBAC</a:t>
+            </a:r>
+            <a:r>
+              <a:rPr lang="en-US" sz="1200" dirty="0">
+                <a:latin typeface="Calibri" panose="020F0502020204030204" pitchFamily="34" charset="0"/>
+                <a:ea typeface="Calibri" panose="020F0502020204030204" pitchFamily="34" charset="0"/>
+                <a:cs typeface="Calibri" panose="020F0502020204030204" pitchFamily="34" charset="0"/>
+              </a:rPr>
+              <a:t> is frequently implemented as ACLs.</a:t>
+            </a:r>
+          </a:p>
+        </p:txBody>
+      </p:sp>
+      <p:sp>
+        <p:nvSpPr>
+          <p:cNvPr id="4" name="Slide Number Placeholder 3"/>
+          <p:cNvSpPr>
+            <a:spLocks noGrp="1"/>
+          </p:cNvSpPr>
+          <p:nvPr>
+            <p:ph type="sldNum" idx="12"/>
+          </p:nvPr>
+        </p:nvSpPr>
+        <p:spPr/>
+        <p:txBody>
+          <a:bodyPr/>
+          <a:lstStyle/>
+          <a:p>
+            <a:pPr marL="0" marR="0" lvl="0" indent="0" algn="r" rtl="0">
+              <a:spcBef>
+                <a:spcPts val="0"/>
+              </a:spcBef>
+              <a:spcAft>
+                <a:spcPts val="0"/>
+              </a:spcAft>
+              <a:buNone/>
+            </a:pPr>
+            <a:fld id="{00000000-1234-1234-1234-123412341234}" type="slidenum">
+              <a:rPr lang="en-US" sz="1200" b="0" i="0" u="none" strike="noStrike" cap="none" smtClean="0">
+                <a:solidFill>
+                  <a:schemeClr val="dk1"/>
+                </a:solidFill>
+                <a:latin typeface="Calibri"/>
+                <a:ea typeface="Calibri"/>
+                <a:cs typeface="Calibri"/>
+                <a:sym typeface="Calibri"/>
+              </a:rPr>
+              <a:t>18</a:t>
+            </a:fld>
+            <a:endParaRPr lang="en-US" sz="1200" b="0" i="0" u="none" strike="noStrike" cap="none" dirty="0">
+              <a:solidFill>
+                <a:schemeClr val="dk1"/>
+              </a:solidFill>
+              <a:latin typeface="Calibri"/>
+              <a:ea typeface="Calibri"/>
+              <a:cs typeface="Calibri"/>
+              <a:sym typeface="Calibri"/>
+            </a:endParaRPr>
+          </a:p>
+        </p:txBody>
+      </p:sp>
+    </p:spTree>
+    <p:extLst>
+      <p:ext uri="{BB962C8B-B14F-4D97-AF65-F5344CB8AC3E}">
+        <p14:creationId xmlns:p14="http://schemas.microsoft.com/office/powerpoint/2010/main" val="1135589237"/>
+      </p:ext>
+    </p:extLst>
+  </p:cSld>
+  <p:clrMapOvr>
+    <a:masterClrMapping/>
+  </p:clrMapOvr>
+</p:notes>
+</file>
+
+<file path=ppt/notesSlides/notesSlide19.xml><?xml version="1.0" encoding="utf-8"?>
+<p:notes xmlns:a="http://schemas.openxmlformats.org/drawingml/2006/main" xmlns:r="http://schemas.openxmlformats.org/officeDocument/2006/relationships" xmlns:p="http://schemas.openxmlformats.org/presentationml/2006/main">
+  <p:cSld>
+    <p:spTree>
+      <p:nvGrpSpPr>
+        <p:cNvPr id="1" name=""/>
+        <p:cNvGrpSpPr/>
+        <p:nvPr/>
+      </p:nvGrpSpPr>
+      <p:grpSpPr>
+        <a:xfrm>
+          <a:off x="0" y="0"/>
+          <a:ext cx="0" cy="0"/>
+          <a:chOff x="0" y="0"/>
+          <a:chExt cx="0" cy="0"/>
+        </a:xfrm>
+      </p:grpSpPr>
+      <p:sp>
+        <p:nvSpPr>
+          <p:cNvPr id="2" name="Slide Image Placeholder 1"/>
+          <p:cNvSpPr>
+            <a:spLocks noGrp="1" noRot="1" noChangeAspect="1"/>
+          </p:cNvSpPr>
+          <p:nvPr>
+            <p:ph type="sldImg"/>
+          </p:nvPr>
+        </p:nvSpPr>
+        <p:spPr/>
+      </p:sp>
+      <p:sp>
+        <p:nvSpPr>
+          <p:cNvPr id="3" name="Notes Placeholder 2"/>
+          <p:cNvSpPr>
+            <a:spLocks noGrp="1"/>
+          </p:cNvSpPr>
+          <p:nvPr>
+            <p:ph type="body" idx="1"/>
+          </p:nvPr>
+        </p:nvSpPr>
+        <p:spPr/>
+        <p:txBody>
+          <a:bodyPr/>
+          <a:lstStyle/>
+          <a:p>
+            <a:pPr marL="457200" marR="0" lvl="0" indent="-228600" algn="l" defTabSz="914400" rtl="0" eaLnBrk="1" fontAlgn="auto" latinLnBrk="0" hangingPunct="1">
+              <a:lnSpc>
+                <a:spcPct val="100000"/>
+              </a:lnSpc>
+              <a:spcBef>
+                <a:spcPts val="0"/>
+              </a:spcBef>
+              <a:spcAft>
+                <a:spcPts val="0"/>
+              </a:spcAft>
+              <a:buClr>
+                <a:srgbClr val="000000"/>
+              </a:buClr>
+              <a:buSzPts val="1400"/>
+              <a:buFont typeface="Arial"/>
+              <a:buNone/>
+              <a:tabLst/>
+              <a:defRPr/>
+            </a:pPr>
+            <a:r>
+              <a:rPr lang="en-US" b="0" i="0" dirty="0"/>
+              <a:t>In Mandatory Access Control, access permissions and restrictions are enforced by the operating system based on a security hierarchy.</a:t>
+            </a:r>
+          </a:p>
+          <a:p>
+            <a:pPr marL="457200" marR="0" lvl="0" indent="-228600" algn="l" defTabSz="914400" rtl="0" eaLnBrk="1" fontAlgn="auto" latinLnBrk="0" hangingPunct="1">
+              <a:lnSpc>
+                <a:spcPct val="100000"/>
+              </a:lnSpc>
+              <a:spcBef>
+                <a:spcPts val="0"/>
+              </a:spcBef>
+              <a:spcAft>
+                <a:spcPts val="0"/>
+              </a:spcAft>
+              <a:buClr>
+                <a:srgbClr val="000000"/>
+              </a:buClr>
+              <a:buSzPts val="1400"/>
+              <a:buFont typeface="Arial"/>
+              <a:buNone/>
+              <a:tabLst/>
+              <a:defRPr/>
+            </a:pPr>
+            <a:endParaRPr lang="en-US" b="0" i="0" dirty="0"/>
+          </a:p>
+          <a:p>
+            <a:pPr marL="457200" marR="0" lvl="0" indent="-228600" algn="l" defTabSz="914400" rtl="0" eaLnBrk="1" fontAlgn="auto" latinLnBrk="0" hangingPunct="1">
+              <a:lnSpc>
+                <a:spcPct val="100000"/>
+              </a:lnSpc>
+              <a:spcBef>
+                <a:spcPts val="0"/>
+              </a:spcBef>
+              <a:spcAft>
+                <a:spcPts val="0"/>
+              </a:spcAft>
+              <a:buClr>
+                <a:srgbClr val="000000"/>
+              </a:buClr>
+              <a:buSzPts val="1400"/>
+              <a:buFont typeface="Arial"/>
+              <a:buNone/>
+              <a:tabLst/>
+              <a:defRPr/>
+            </a:pPr>
+            <a:r>
+              <a:rPr lang="en-US" b="0" i="0" dirty="0"/>
+              <a:t>In this model, AC policy decisions are made by a central authority and not by the individual owner of an object. The user cannot change access rights.</a:t>
+            </a:r>
+          </a:p>
+          <a:p>
+            <a:pPr marL="457200" marR="0" lvl="0" indent="-228600" algn="l" defTabSz="914400" rtl="0" eaLnBrk="1" fontAlgn="auto" latinLnBrk="0" hangingPunct="1">
+              <a:lnSpc>
+                <a:spcPct val="100000"/>
+              </a:lnSpc>
+              <a:spcBef>
+                <a:spcPts val="0"/>
+              </a:spcBef>
+              <a:spcAft>
+                <a:spcPts val="0"/>
+              </a:spcAft>
+              <a:buClr>
+                <a:srgbClr val="000000"/>
+              </a:buClr>
+              <a:buSzPts val="1400"/>
+              <a:buFont typeface="Arial"/>
+              <a:buNone/>
+              <a:tabLst/>
+              <a:defRPr/>
+            </a:pPr>
+            <a:endParaRPr lang="en-US" b="0" i="0" dirty="0"/>
+          </a:p>
+          <a:p>
+            <a:pPr marL="457200" marR="0" lvl="0" indent="-228600" algn="l" defTabSz="914400" rtl="0" eaLnBrk="1" fontAlgn="auto" latinLnBrk="0" hangingPunct="1">
+              <a:lnSpc>
+                <a:spcPct val="100000"/>
+              </a:lnSpc>
+              <a:spcBef>
+                <a:spcPts val="0"/>
+              </a:spcBef>
+              <a:spcAft>
+                <a:spcPts val="0"/>
+              </a:spcAft>
+              <a:buClr>
+                <a:srgbClr val="000000"/>
+              </a:buClr>
+              <a:buSzPts val="1400"/>
+              <a:buFont typeface="Arial"/>
+              <a:buNone/>
+              <a:tabLst/>
+              <a:defRPr/>
+            </a:pPr>
+            <a:r>
+              <a:rPr lang="en-US" sz="1200" b="0" i="0" dirty="0">
+                <a:latin typeface="Calibri" panose="020F0502020204030204" pitchFamily="34" charset="0"/>
+                <a:ea typeface="Calibri" panose="020F0502020204030204" pitchFamily="34" charset="0"/>
+                <a:cs typeface="Calibri" panose="020F0502020204030204" pitchFamily="34" charset="0"/>
+              </a:rPr>
+              <a:t>Military and government organizations typically use MAC.</a:t>
+            </a:r>
+          </a:p>
+          <a:p>
+            <a:pPr marL="457200" marR="0" lvl="0" indent="-228600" algn="l" defTabSz="914400" rtl="0" eaLnBrk="1" fontAlgn="auto" latinLnBrk="0" hangingPunct="1">
+              <a:lnSpc>
+                <a:spcPct val="100000"/>
+              </a:lnSpc>
+              <a:spcBef>
+                <a:spcPts val="0"/>
+              </a:spcBef>
+              <a:spcAft>
+                <a:spcPts val="0"/>
+              </a:spcAft>
+              <a:buClr>
+                <a:srgbClr val="000000"/>
+              </a:buClr>
+              <a:buSzPts val="1400"/>
+              <a:buFont typeface="Arial"/>
+              <a:buNone/>
+              <a:tabLst/>
+              <a:defRPr/>
+            </a:pPr>
+            <a:endParaRPr lang="en-US" b="0" i="0" dirty="0"/>
+          </a:p>
+          <a:p>
+            <a:endParaRPr lang="en-US" b="0" i="0" dirty="0"/>
+          </a:p>
+        </p:txBody>
+      </p:sp>
+      <p:sp>
+        <p:nvSpPr>
+          <p:cNvPr id="4" name="Slide Number Placeholder 3"/>
+          <p:cNvSpPr>
+            <a:spLocks noGrp="1"/>
+          </p:cNvSpPr>
+          <p:nvPr>
+            <p:ph type="sldNum" idx="12"/>
+          </p:nvPr>
+        </p:nvSpPr>
+        <p:spPr/>
+        <p:txBody>
+          <a:bodyPr/>
+          <a:lstStyle/>
+          <a:p>
+            <a:pPr marL="0" marR="0" lvl="0" indent="0" algn="r" rtl="0">
+              <a:spcBef>
+                <a:spcPts val="0"/>
+              </a:spcBef>
+              <a:spcAft>
+                <a:spcPts val="0"/>
+              </a:spcAft>
+              <a:buNone/>
+            </a:pPr>
+            <a:fld id="{00000000-1234-1234-1234-123412341234}" type="slidenum">
+              <a:rPr lang="en-US" sz="1200" b="0" i="0" u="none" strike="noStrike" cap="none" smtClean="0">
+                <a:solidFill>
+                  <a:schemeClr val="dk1"/>
+                </a:solidFill>
+                <a:latin typeface="Calibri"/>
+                <a:ea typeface="Calibri"/>
+                <a:cs typeface="Calibri"/>
+                <a:sym typeface="Calibri"/>
+              </a:rPr>
+              <a:t>19</a:t>
+            </a:fld>
+            <a:endParaRPr lang="en-US" sz="1200" b="0" i="0" u="none" strike="noStrike" cap="none" dirty="0">
+              <a:solidFill>
+                <a:schemeClr val="dk1"/>
+              </a:solidFill>
+              <a:latin typeface="Calibri"/>
+              <a:ea typeface="Calibri"/>
+              <a:cs typeface="Calibri"/>
+              <a:sym typeface="Calibri"/>
+            </a:endParaRPr>
+          </a:p>
+        </p:txBody>
+      </p:sp>
+    </p:spTree>
+    <p:extLst>
+      <p:ext uri="{BB962C8B-B14F-4D97-AF65-F5344CB8AC3E}">
+        <p14:creationId xmlns:p14="http://schemas.microsoft.com/office/powerpoint/2010/main" val="3674713585"/>
+      </p:ext>
+    </p:extLst>
+  </p:cSld>
+  <p:clrMapOvr>
+    <a:masterClrMapping/>
+  </p:clrMapOvr>
+</p:notes>
+</file>
+
+<file path=ppt/notesSlides/notesSlide2.xml><?xml version="1.0" encoding="utf-8"?>
+<p:notes xmlns:a="http://schemas.openxmlformats.org/drawingml/2006/main" xmlns:r="http://schemas.openxmlformats.org/officeDocument/2006/relationships" xmlns:p="http://schemas.openxmlformats.org/presentationml/2006/main">
+  <p:cSld>
+    <p:spTree>
+      <p:nvGrpSpPr>
+        <p:cNvPr id="1" name=""/>
+        <p:cNvGrpSpPr/>
+        <p:nvPr/>
+      </p:nvGrpSpPr>
+      <p:grpSpPr>
+        <a:xfrm>
+          <a:off x="0" y="0"/>
+          <a:ext cx="0" cy="0"/>
+          <a:chOff x="0" y="0"/>
+          <a:chExt cx="0" cy="0"/>
+        </a:xfrm>
+      </p:grpSpPr>
+      <p:sp>
+        <p:nvSpPr>
+          <p:cNvPr id="2" name="Slide Image Placeholder 1"/>
+          <p:cNvSpPr>
+            <a:spLocks noGrp="1" noRot="1" noChangeAspect="1"/>
+          </p:cNvSpPr>
+          <p:nvPr>
+            <p:ph type="sldImg"/>
+          </p:nvPr>
+        </p:nvSpPr>
+        <p:spPr/>
+      </p:sp>
+      <p:sp>
+        <p:nvSpPr>
+          <p:cNvPr id="3" name="Notes Placeholder 2"/>
+          <p:cNvSpPr>
+            <a:spLocks noGrp="1"/>
+          </p:cNvSpPr>
+          <p:nvPr>
+            <p:ph type="body" idx="1"/>
+          </p:nvPr>
+        </p:nvSpPr>
+        <p:spPr/>
+        <p:txBody>
+          <a:bodyPr/>
+          <a:lstStyle/>
+          <a:p>
+            <a:r>
+              <a:rPr lang="en-US" dirty="0"/>
+              <a:t>Our main ideas for this module are:</a:t>
+            </a:r>
+          </a:p>
+        </p:txBody>
+      </p:sp>
+      <p:sp>
+        <p:nvSpPr>
+          <p:cNvPr id="4" name="Slide Number Placeholder 3"/>
+          <p:cNvSpPr>
+            <a:spLocks noGrp="1"/>
+          </p:cNvSpPr>
+          <p:nvPr>
+            <p:ph type="sldNum" idx="12"/>
+          </p:nvPr>
+        </p:nvSpPr>
+        <p:spPr/>
+        <p:txBody>
+          <a:bodyPr/>
+          <a:lstStyle/>
+          <a:p>
+            <a:pPr marL="0" marR="0" lvl="0" indent="0" algn="r" rtl="0">
+              <a:spcBef>
+                <a:spcPts val="0"/>
+              </a:spcBef>
+              <a:spcAft>
+                <a:spcPts val="0"/>
+              </a:spcAft>
+              <a:buNone/>
+            </a:pPr>
+            <a:fld id="{00000000-1234-1234-1234-123412341234}" type="slidenum">
+              <a:rPr lang="en-US" sz="1200" b="0" i="0" u="none" strike="noStrike" cap="none" smtClean="0">
+                <a:solidFill>
+                  <a:schemeClr val="dk1"/>
+                </a:solidFill>
+                <a:latin typeface="Calibri"/>
+                <a:ea typeface="Calibri"/>
+                <a:cs typeface="Calibri"/>
+                <a:sym typeface="Calibri"/>
+              </a:rPr>
+              <a:t>2</a:t>
+            </a:fld>
+            <a:endParaRPr lang="en-US" sz="1200" b="0" i="0" u="none" strike="noStrike" cap="none" dirty="0">
+              <a:solidFill>
+                <a:schemeClr val="dk1"/>
+              </a:solidFill>
+              <a:latin typeface="Calibri"/>
+              <a:ea typeface="Calibri"/>
+              <a:cs typeface="Calibri"/>
+              <a:sym typeface="Calibri"/>
+            </a:endParaRPr>
+          </a:p>
+        </p:txBody>
+      </p:sp>
+    </p:spTree>
+    <p:extLst>
+      <p:ext uri="{BB962C8B-B14F-4D97-AF65-F5344CB8AC3E}">
+        <p14:creationId xmlns:p14="http://schemas.microsoft.com/office/powerpoint/2010/main" val="2213343315"/>
+      </p:ext>
+    </p:extLst>
+  </p:cSld>
+  <p:clrMapOvr>
+    <a:masterClrMapping/>
+  </p:clrMapOvr>
+</p:notes>
+</file>
+
+<file path=ppt/notesSlides/notesSlide20.xml><?xml version="1.0" encoding="utf-8"?>
+<p:notes xmlns:a="http://schemas.openxmlformats.org/drawingml/2006/main" xmlns:r="http://schemas.openxmlformats.org/officeDocument/2006/relationships" xmlns:p="http://schemas.openxmlformats.org/presentationml/2006/main">
+  <p:cSld>
+    <p:spTree>
+      <p:nvGrpSpPr>
+        <p:cNvPr id="1" name=""/>
+        <p:cNvGrpSpPr/>
+        <p:nvPr/>
+      </p:nvGrpSpPr>
+      <p:grpSpPr>
+        <a:xfrm>
+          <a:off x="0" y="0"/>
+          <a:ext cx="0" cy="0"/>
+          <a:chOff x="0" y="0"/>
+          <a:chExt cx="0" cy="0"/>
+        </a:xfrm>
+      </p:grpSpPr>
+      <p:sp>
+        <p:nvSpPr>
+          <p:cNvPr id="2" name="Slide Image Placeholder 1"/>
+          <p:cNvSpPr>
+            <a:spLocks noGrp="1" noRot="1" noChangeAspect="1"/>
+          </p:cNvSpPr>
+          <p:nvPr>
+            <p:ph type="sldImg"/>
+          </p:nvPr>
+        </p:nvSpPr>
+        <p:spPr/>
+      </p:sp>
+      <p:sp>
+        <p:nvSpPr>
+          <p:cNvPr id="3" name="Notes Placeholder 2"/>
+          <p:cNvSpPr>
+            <a:spLocks noGrp="1"/>
+          </p:cNvSpPr>
+          <p:nvPr>
+            <p:ph type="body" idx="1"/>
+          </p:nvPr>
+        </p:nvSpPr>
+        <p:spPr/>
+        <p:txBody>
+          <a:bodyPr/>
+          <a:lstStyle/>
+          <a:p>
+            <a:pPr marL="457200" marR="0" lvl="0" indent="-228600" algn="l" defTabSz="914400" rtl="0" eaLnBrk="1" fontAlgn="auto" latinLnBrk="0" hangingPunct="1">
+              <a:lnSpc>
+                <a:spcPct val="100000"/>
+              </a:lnSpc>
+              <a:spcBef>
+                <a:spcPts val="0"/>
+              </a:spcBef>
+              <a:spcAft>
+                <a:spcPts val="0"/>
+              </a:spcAft>
+              <a:buClr>
+                <a:srgbClr val="000000"/>
+              </a:buClr>
+              <a:buSzPts val="1400"/>
+              <a:buFont typeface="Arial"/>
+              <a:buNone/>
+              <a:tabLst/>
+              <a:defRPr/>
+            </a:pPr>
+            <a:r>
+              <a:rPr lang="en-US" b="0" i="0" dirty="0"/>
+              <a:t>In Discretionary Access Control, the data owner has full control over objects they create, and they assign specific privileges to other users.</a:t>
+            </a:r>
+          </a:p>
+          <a:p>
+            <a:pPr marL="457200" marR="0" lvl="0" indent="-228600" algn="l" defTabSz="914400" rtl="0" eaLnBrk="1" fontAlgn="auto" latinLnBrk="0" hangingPunct="1">
+              <a:lnSpc>
+                <a:spcPct val="100000"/>
+              </a:lnSpc>
+              <a:spcBef>
+                <a:spcPts val="0"/>
+              </a:spcBef>
+              <a:spcAft>
+                <a:spcPts val="0"/>
+              </a:spcAft>
+              <a:buClr>
+                <a:srgbClr val="000000"/>
+              </a:buClr>
+              <a:buSzPts val="1400"/>
+              <a:buFont typeface="Arial"/>
+              <a:buNone/>
+              <a:tabLst/>
+              <a:defRPr/>
+            </a:pPr>
+            <a:endParaRPr lang="en-US" b="0" i="0" dirty="0"/>
+          </a:p>
+          <a:p>
+            <a:pPr marL="457200" marR="0" lvl="0" indent="-228600" algn="l" defTabSz="914400" rtl="0" eaLnBrk="1" fontAlgn="auto" latinLnBrk="0" hangingPunct="1">
+              <a:lnSpc>
+                <a:spcPct val="100000"/>
+              </a:lnSpc>
+              <a:spcBef>
+                <a:spcPts val="0"/>
+              </a:spcBef>
+              <a:spcAft>
+                <a:spcPts val="0"/>
+              </a:spcAft>
+              <a:buClr>
+                <a:srgbClr val="000000"/>
+              </a:buClr>
+              <a:buSzPts val="1400"/>
+              <a:buFont typeface="Arial"/>
+              <a:buNone/>
+              <a:tabLst/>
+              <a:defRPr/>
+            </a:pPr>
+            <a:r>
+              <a:rPr lang="en-US" b="0" i="0" dirty="0"/>
+              <a:t>DAC leaves a certain amount of AC to the discretion of the object’s owner or anyone else who is authorized to control the object’s access. The owner can determine who should have access rights to an object and what those rights should be. DAC allows for the greatest flexibility of control, but it is also the most vulnerable form of access control. The object’s owner can pass on control weaknesses that can contribute to access and privilege aggregation. Many of the commercial OSs used on endpoint devices, such as Windows and Android, use forms of DAC so that purchasers (individual or organizations) can choose how to tailor these controls to their own needs.</a:t>
+            </a:r>
+          </a:p>
+          <a:p>
+            <a:pPr marL="457200" marR="0" lvl="0" indent="-228600" algn="l" defTabSz="914400" rtl="0" eaLnBrk="1" fontAlgn="auto" latinLnBrk="0" hangingPunct="1">
+              <a:lnSpc>
+                <a:spcPct val="100000"/>
+              </a:lnSpc>
+              <a:spcBef>
+                <a:spcPts val="0"/>
+              </a:spcBef>
+              <a:spcAft>
+                <a:spcPts val="0"/>
+              </a:spcAft>
+              <a:buClr>
+                <a:srgbClr val="000000"/>
+              </a:buClr>
+              <a:buSzPts val="1400"/>
+              <a:buFont typeface="Arial"/>
+              <a:buNone/>
+              <a:tabLst/>
+              <a:defRPr/>
+            </a:pPr>
+            <a:endParaRPr lang="en-US" b="0" i="0" dirty="0"/>
+          </a:p>
+          <a:p>
+            <a:pPr marL="457200" marR="0" lvl="0" indent="-228600" algn="l" defTabSz="914400" rtl="0" eaLnBrk="1" fontAlgn="auto" latinLnBrk="0" hangingPunct="1">
+              <a:lnSpc>
+                <a:spcPct val="100000"/>
+              </a:lnSpc>
+              <a:spcBef>
+                <a:spcPts val="0"/>
+              </a:spcBef>
+              <a:spcAft>
+                <a:spcPts val="0"/>
+              </a:spcAft>
+              <a:buClr>
+                <a:srgbClr val="000000"/>
+              </a:buClr>
+              <a:buSzPts val="1400"/>
+              <a:buFont typeface="Arial"/>
+              <a:buNone/>
+              <a:tabLst/>
+              <a:defRPr/>
+            </a:pPr>
+            <a:r>
+              <a:rPr lang="en-US" sz="1200" b="0" i="0" dirty="0">
+                <a:latin typeface="Calibri" panose="020F0502020204030204" pitchFamily="34" charset="0"/>
+                <a:ea typeface="Calibri" panose="020F0502020204030204" pitchFamily="34" charset="0"/>
+                <a:cs typeface="Calibri" panose="020F0502020204030204" pitchFamily="34" charset="0"/>
+              </a:rPr>
+              <a:t>In DAC, users set their own access rules.</a:t>
+            </a:r>
+          </a:p>
+          <a:p>
+            <a:endParaRPr lang="en-US" b="0" i="0" dirty="0"/>
+          </a:p>
+        </p:txBody>
+      </p:sp>
+      <p:sp>
+        <p:nvSpPr>
+          <p:cNvPr id="4" name="Slide Number Placeholder 3"/>
+          <p:cNvSpPr>
+            <a:spLocks noGrp="1"/>
+          </p:cNvSpPr>
+          <p:nvPr>
+            <p:ph type="sldNum" idx="12"/>
+          </p:nvPr>
+        </p:nvSpPr>
+        <p:spPr/>
+        <p:txBody>
+          <a:bodyPr/>
+          <a:lstStyle/>
+          <a:p>
+            <a:pPr marL="0" marR="0" lvl="0" indent="0" algn="r" rtl="0">
+              <a:spcBef>
+                <a:spcPts val="0"/>
+              </a:spcBef>
+              <a:spcAft>
+                <a:spcPts val="0"/>
+              </a:spcAft>
+              <a:buNone/>
+            </a:pPr>
+            <a:fld id="{00000000-1234-1234-1234-123412341234}" type="slidenum">
+              <a:rPr lang="en-US" sz="1200" b="0" i="0" u="none" strike="noStrike" cap="none" smtClean="0">
+                <a:solidFill>
+                  <a:schemeClr val="dk1"/>
+                </a:solidFill>
+                <a:latin typeface="Calibri"/>
+                <a:ea typeface="Calibri"/>
+                <a:cs typeface="Calibri"/>
+                <a:sym typeface="Calibri"/>
+              </a:rPr>
+              <a:t>20</a:t>
+            </a:fld>
+            <a:endParaRPr lang="en-US" sz="1200" b="0" i="0" u="none" strike="noStrike" cap="none" dirty="0">
+              <a:solidFill>
+                <a:schemeClr val="dk1"/>
+              </a:solidFill>
+              <a:latin typeface="Calibri"/>
+              <a:ea typeface="Calibri"/>
+              <a:cs typeface="Calibri"/>
+              <a:sym typeface="Calibri"/>
+            </a:endParaRPr>
+          </a:p>
+        </p:txBody>
+      </p:sp>
+    </p:spTree>
+    <p:extLst>
+      <p:ext uri="{BB962C8B-B14F-4D97-AF65-F5344CB8AC3E}">
+        <p14:creationId xmlns:p14="http://schemas.microsoft.com/office/powerpoint/2010/main" val="941612434"/>
+      </p:ext>
+    </p:extLst>
+  </p:cSld>
+  <p:clrMapOvr>
+    <a:masterClrMapping/>
+  </p:clrMapOvr>
+</p:notes>
+</file>
+
+<file path=ppt/notesSlides/notesSlide21.xml><?xml version="1.0" encoding="utf-8"?>
+<p:notes xmlns:a="http://schemas.openxmlformats.org/drawingml/2006/main" xmlns:r="http://schemas.openxmlformats.org/officeDocument/2006/relationships" xmlns:p="http://schemas.openxmlformats.org/presentationml/2006/main">
+  <p:cSld>
+    <p:spTree>
+      <p:nvGrpSpPr>
+        <p:cNvPr id="1" name=""/>
+        <p:cNvGrpSpPr/>
+        <p:nvPr/>
+      </p:nvGrpSpPr>
+      <p:grpSpPr>
+        <a:xfrm>
+          <a:off x="0" y="0"/>
+          <a:ext cx="0" cy="0"/>
+          <a:chOff x="0" y="0"/>
+          <a:chExt cx="0" cy="0"/>
+        </a:xfrm>
+      </p:grpSpPr>
+      <p:sp>
+        <p:nvSpPr>
+          <p:cNvPr id="2" name="Slide Image Placeholder 1"/>
+          <p:cNvSpPr>
+            <a:spLocks noGrp="1" noRot="1" noChangeAspect="1"/>
+          </p:cNvSpPr>
+          <p:nvPr>
+            <p:ph type="sldImg"/>
+          </p:nvPr>
+        </p:nvSpPr>
+        <p:spPr/>
+      </p:sp>
+      <p:sp>
+        <p:nvSpPr>
+          <p:cNvPr id="3" name="Notes Placeholder 2"/>
+          <p:cNvSpPr>
+            <a:spLocks noGrp="1"/>
+          </p:cNvSpPr>
+          <p:nvPr>
+            <p:ph type="body" idx="1"/>
+          </p:nvPr>
+        </p:nvSpPr>
+        <p:spPr/>
+        <p:txBody>
+          <a:bodyPr/>
+          <a:lstStyle/>
+          <a:p>
+            <a:pPr marL="457200" marR="0" lvl="0" indent="-228600" algn="l" defTabSz="914400" rtl="0" eaLnBrk="1" fontAlgn="auto" latinLnBrk="0" hangingPunct="1">
+              <a:lnSpc>
+                <a:spcPct val="100000"/>
+              </a:lnSpc>
+              <a:spcBef>
+                <a:spcPts val="0"/>
+              </a:spcBef>
+              <a:spcAft>
+                <a:spcPts val="0"/>
+              </a:spcAft>
+              <a:buClr>
+                <a:srgbClr val="000000"/>
+              </a:buClr>
+              <a:buSzPts val="1400"/>
+              <a:buFont typeface="Arial"/>
+              <a:buNone/>
+              <a:tabLst/>
+              <a:defRPr/>
+            </a:pPr>
+            <a:r>
+              <a:rPr lang="en-US" b="0" i="0" dirty="0"/>
+              <a:t>In Attribute Based Access Control, the attribute(s) assigned to groups of users by systems administrators determine access privileges.</a:t>
+            </a:r>
+          </a:p>
+          <a:p>
+            <a:pPr marL="457200" marR="0" lvl="0" indent="-228600" algn="l" defTabSz="914400" rtl="0" eaLnBrk="1" fontAlgn="auto" latinLnBrk="0" hangingPunct="1">
+              <a:lnSpc>
+                <a:spcPct val="100000"/>
+              </a:lnSpc>
+              <a:spcBef>
+                <a:spcPts val="0"/>
+              </a:spcBef>
+              <a:spcAft>
+                <a:spcPts val="0"/>
+              </a:spcAft>
+              <a:buClr>
+                <a:srgbClr val="000000"/>
+              </a:buClr>
+              <a:buSzPts val="1400"/>
+              <a:buFont typeface="Arial"/>
+              <a:buNone/>
+              <a:tabLst/>
+              <a:defRPr/>
+            </a:pPr>
+            <a:endParaRPr lang="en-US" b="0" i="0" dirty="0"/>
+          </a:p>
+          <a:p>
+            <a:pPr marL="457200" marR="0" lvl="0" indent="-228600" algn="l" defTabSz="914400" rtl="0" eaLnBrk="1" fontAlgn="auto" latinLnBrk="0" hangingPunct="1">
+              <a:lnSpc>
+                <a:spcPct val="100000"/>
+              </a:lnSpc>
+              <a:spcBef>
+                <a:spcPts val="0"/>
+              </a:spcBef>
+              <a:spcAft>
+                <a:spcPts val="0"/>
+              </a:spcAft>
+              <a:buClr>
+                <a:srgbClr val="000000"/>
+              </a:buClr>
+              <a:buSzPts val="1400"/>
+              <a:buFont typeface="Arial"/>
+              <a:buNone/>
+              <a:tabLst/>
+              <a:defRPr/>
+            </a:pPr>
+            <a:r>
+              <a:rPr lang="en-US" b="0" i="0" dirty="0"/>
+              <a:t>ABAC is an AC paradigm whereby access rights are granted to users with policies that combine attributes together. The policies can use any type of attributes (e.g., user attributes, resource attributes, environment attributes). ABAC is a simpler form of </a:t>
+            </a:r>
+            <a:r>
+              <a:rPr lang="en-US" b="0" i="0" dirty="0" err="1"/>
+              <a:t>RuBAC</a:t>
+            </a:r>
+            <a:r>
+              <a:rPr lang="en-US" b="0" i="0" dirty="0"/>
+              <a:t>. </a:t>
+            </a:r>
+          </a:p>
+          <a:p>
+            <a:pPr marL="457200" marR="0" lvl="0" indent="-228600" algn="l" defTabSz="914400" rtl="0" eaLnBrk="1" fontAlgn="auto" latinLnBrk="0" hangingPunct="1">
+              <a:lnSpc>
+                <a:spcPct val="100000"/>
+              </a:lnSpc>
+              <a:spcBef>
+                <a:spcPts val="0"/>
+              </a:spcBef>
+              <a:spcAft>
+                <a:spcPts val="0"/>
+              </a:spcAft>
+              <a:buClr>
+                <a:srgbClr val="000000"/>
+              </a:buClr>
+              <a:buSzPts val="1400"/>
+              <a:buFont typeface="Arial"/>
+              <a:buNone/>
+              <a:tabLst/>
+              <a:defRPr/>
+            </a:pPr>
+            <a:endParaRPr lang="en-US" b="0" i="0" dirty="0"/>
+          </a:p>
+          <a:p>
+            <a:pPr marL="457200" marR="0" lvl="0" indent="-228600" algn="l" defTabSz="914400" rtl="0" eaLnBrk="1" fontAlgn="auto" latinLnBrk="0" hangingPunct="1">
+              <a:lnSpc>
+                <a:spcPct val="100000"/>
+              </a:lnSpc>
+              <a:spcBef>
+                <a:spcPts val="0"/>
+              </a:spcBef>
+              <a:spcAft>
+                <a:spcPts val="0"/>
+              </a:spcAft>
+              <a:buClr>
+                <a:srgbClr val="000000"/>
+              </a:buClr>
+              <a:buSzPts val="1400"/>
+              <a:buFont typeface="Arial"/>
+              <a:buNone/>
+              <a:tabLst/>
+              <a:defRPr/>
+            </a:pPr>
+            <a:r>
+              <a:rPr lang="en-US" sz="1200" b="0" i="0" dirty="0">
+                <a:latin typeface="Calibri" panose="020F0502020204030204" pitchFamily="34" charset="0"/>
+                <a:ea typeface="Calibri" panose="020F0502020204030204" pitchFamily="34" charset="0"/>
+                <a:cs typeface="Calibri" panose="020F0502020204030204" pitchFamily="34" charset="0"/>
+              </a:rPr>
+              <a:t>ABAC is very similar to RBAC but applies multiple attributes instead of a single role.</a:t>
+            </a:r>
+          </a:p>
+          <a:p>
+            <a:endParaRPr lang="en-US" b="0" i="0" dirty="0"/>
+          </a:p>
+        </p:txBody>
+      </p:sp>
+      <p:sp>
+        <p:nvSpPr>
+          <p:cNvPr id="4" name="Slide Number Placeholder 3"/>
+          <p:cNvSpPr>
+            <a:spLocks noGrp="1"/>
+          </p:cNvSpPr>
+          <p:nvPr>
+            <p:ph type="sldNum" idx="12"/>
+          </p:nvPr>
+        </p:nvSpPr>
+        <p:spPr/>
+        <p:txBody>
+          <a:bodyPr/>
+          <a:lstStyle/>
+          <a:p>
+            <a:pPr marL="0" marR="0" lvl="0" indent="0" algn="r" rtl="0">
+              <a:spcBef>
+                <a:spcPts val="0"/>
+              </a:spcBef>
+              <a:spcAft>
+                <a:spcPts val="0"/>
+              </a:spcAft>
+              <a:buNone/>
+            </a:pPr>
+            <a:fld id="{00000000-1234-1234-1234-123412341234}" type="slidenum">
+              <a:rPr lang="en-US" sz="1200" b="0" i="0" u="none" strike="noStrike" cap="none" smtClean="0">
+                <a:solidFill>
+                  <a:schemeClr val="dk1"/>
+                </a:solidFill>
+                <a:latin typeface="Calibri"/>
+                <a:ea typeface="Calibri"/>
+                <a:cs typeface="Calibri"/>
+                <a:sym typeface="Calibri"/>
+              </a:rPr>
+              <a:t>21</a:t>
+            </a:fld>
+            <a:endParaRPr lang="en-US" sz="1200" b="0" i="0" u="none" strike="noStrike" cap="none" dirty="0">
+              <a:solidFill>
+                <a:schemeClr val="dk1"/>
+              </a:solidFill>
+              <a:latin typeface="Calibri"/>
+              <a:ea typeface="Calibri"/>
+              <a:cs typeface="Calibri"/>
+              <a:sym typeface="Calibri"/>
+            </a:endParaRPr>
+          </a:p>
+        </p:txBody>
+      </p:sp>
+    </p:spTree>
+    <p:extLst>
+      <p:ext uri="{BB962C8B-B14F-4D97-AF65-F5344CB8AC3E}">
+        <p14:creationId xmlns:p14="http://schemas.microsoft.com/office/powerpoint/2010/main" val="2354236682"/>
+      </p:ext>
+    </p:extLst>
+  </p:cSld>
+  <p:clrMapOvr>
+    <a:masterClrMapping/>
+  </p:clrMapOvr>
+</p:notes>
+</file>
+
+<file path=ppt/notesSlides/notesSlide22.xml><?xml version="1.0" encoding="utf-8"?>
+<p:notes xmlns:a="http://schemas.openxmlformats.org/drawingml/2006/main" xmlns:r="http://schemas.openxmlformats.org/officeDocument/2006/relationships" xmlns:p="http://schemas.openxmlformats.org/presentationml/2006/main" showMasterSp="0" showMasterPhAnim="0">
+  <p:cSld>
+    <p:spTree>
+      <p:nvGrpSpPr>
+        <p:cNvPr id="1" name="Shape 31"/>
+        <p:cNvGrpSpPr/>
+        <p:nvPr/>
+      </p:nvGrpSpPr>
+      <p:grpSpPr>
+        <a:xfrm>
+          <a:off x="0" y="0"/>
+          <a:ext cx="0" cy="0"/>
+          <a:chOff x="0" y="0"/>
+          <a:chExt cx="0" cy="0"/>
+        </a:xfrm>
+      </p:grpSpPr>
+      <p:sp>
+        <p:nvSpPr>
+          <p:cNvPr id="32" name="Google Shape;32;p1:notes"/>
+          <p:cNvSpPr txBox="1">
+            <a:spLocks noGrp="1"/>
+          </p:cNvSpPr>
+          <p:nvPr>
+            <p:ph type="body" idx="1"/>
+          </p:nvPr>
+        </p:nvSpPr>
+        <p:spPr>
+          <a:xfrm>
+            <a:off x="685800" y="4400550"/>
+            <a:ext cx="5486400" cy="3600450"/>
+          </a:xfrm>
+          <a:prstGeom prst="rect">
+            <a:avLst/>
+          </a:prstGeom>
+        </p:spPr>
+        <p:txBody>
+          <a:bodyPr spcFirstLastPara="1" wrap="square" lIns="91425" tIns="45700" rIns="91425" bIns="45700" anchor="t" anchorCtr="0">
+            <a:noAutofit/>
+          </a:bodyPr>
+          <a:lstStyle/>
+          <a:p>
+            <a:pPr marL="0" lvl="0" indent="0" algn="l" rtl="0">
+              <a:spcBef>
+                <a:spcPts val="0"/>
+              </a:spcBef>
+              <a:spcAft>
+                <a:spcPts val="0"/>
+              </a:spcAft>
+              <a:buNone/>
+            </a:pPr>
+            <a:r>
+              <a:rPr lang="en-US" dirty="0"/>
+              <a:t>Now that we’ve covered privilege, security models, and access control, what happens when something is misconfigured?</a:t>
+            </a:r>
+          </a:p>
+          <a:p>
+            <a:pPr marL="0" lvl="0" indent="0" algn="l" rtl="0">
+              <a:spcBef>
+                <a:spcPts val="0"/>
+              </a:spcBef>
+              <a:spcAft>
+                <a:spcPts val="0"/>
+              </a:spcAft>
+              <a:buNone/>
+            </a:pPr>
+            <a:r>
+              <a:rPr lang="en-US" dirty="0"/>
+              <a:t>Typically, this exposes the system to a privilege escalation vulnerability.</a:t>
+            </a:r>
+            <a:endParaRPr dirty="0"/>
+          </a:p>
+        </p:txBody>
+      </p:sp>
+      <p:sp>
+        <p:nvSpPr>
+          <p:cNvPr id="33" name="Google Shape;33;p1:notes"/>
+          <p:cNvSpPr>
+            <a:spLocks noGrp="1" noRot="1" noChangeAspect="1"/>
+          </p:cNvSpPr>
+          <p:nvPr>
+            <p:ph type="sldImg" idx="2"/>
+          </p:nvPr>
+        </p:nvSpPr>
+        <p:spPr>
+          <a:xfrm>
+            <a:off x="685800" y="1143000"/>
+            <a:ext cx="5486400" cy="3086100"/>
+          </a:xfrm>
+          <a:custGeom>
+            <a:avLst/>
+            <a:gdLst/>
+            <a:ahLst/>
+            <a:cxnLst/>
+            <a:rect l="l" t="t" r="r" b="b"/>
+            <a:pathLst>
+              <a:path w="120000" h="120000" extrusionOk="0">
+                <a:moveTo>
+                  <a:pt x="0" y="0"/>
+                </a:moveTo>
+                <a:lnTo>
+                  <a:pt x="120000" y="0"/>
+                </a:lnTo>
+                <a:lnTo>
+                  <a:pt x="120000" y="120000"/>
+                </a:lnTo>
+                <a:lnTo>
+                  <a:pt x="0" y="120000"/>
+                </a:lnTo>
+                <a:close/>
+              </a:path>
+            </a:pathLst>
+          </a:custGeom>
+        </p:spPr>
+      </p:sp>
+    </p:spTree>
+    <p:extLst>
+      <p:ext uri="{BB962C8B-B14F-4D97-AF65-F5344CB8AC3E}">
+        <p14:creationId xmlns:p14="http://schemas.microsoft.com/office/powerpoint/2010/main" val="1703984895"/>
+      </p:ext>
+    </p:extLst>
+  </p:cSld>
+  <p:clrMapOvr>
+    <a:masterClrMapping/>
+  </p:clrMapOvr>
+</p:notes>
+</file>
+
+<file path=ppt/notesSlides/notesSlide23.xml><?xml version="1.0" encoding="utf-8"?>
+<p:notes xmlns:a="http://schemas.openxmlformats.org/drawingml/2006/main" xmlns:r="http://schemas.openxmlformats.org/officeDocument/2006/relationships" xmlns:p="http://schemas.openxmlformats.org/presentationml/2006/main">
+  <p:cSld>
+    <p:spTree>
+      <p:nvGrpSpPr>
+        <p:cNvPr id="1" name=""/>
+        <p:cNvGrpSpPr/>
+        <p:nvPr/>
+      </p:nvGrpSpPr>
+      <p:grpSpPr>
+        <a:xfrm>
+          <a:off x="0" y="0"/>
+          <a:ext cx="0" cy="0"/>
+          <a:chOff x="0" y="0"/>
+          <a:chExt cx="0" cy="0"/>
+        </a:xfrm>
+      </p:grpSpPr>
+      <p:sp>
+        <p:nvSpPr>
+          <p:cNvPr id="2" name="Slide Image Placeholder 1"/>
+          <p:cNvSpPr>
+            <a:spLocks noGrp="1" noRot="1" noChangeAspect="1"/>
+          </p:cNvSpPr>
+          <p:nvPr>
+            <p:ph type="sldImg"/>
+          </p:nvPr>
+        </p:nvSpPr>
+        <p:spPr/>
+      </p:sp>
+      <p:sp>
+        <p:nvSpPr>
+          <p:cNvPr id="3" name="Notes Placeholder 2"/>
+          <p:cNvSpPr>
+            <a:spLocks noGrp="1"/>
+          </p:cNvSpPr>
+          <p:nvPr>
+            <p:ph type="body" idx="1"/>
+          </p:nvPr>
+        </p:nvSpPr>
+        <p:spPr/>
+        <p:txBody>
+          <a:bodyPr/>
+          <a:lstStyle/>
+          <a:p>
+            <a:pPr marL="114300" indent="0">
+              <a:buNone/>
+            </a:pPr>
+            <a:r>
+              <a:rPr lang="en-US" b="0" i="0" dirty="0">
+                <a:effectLst/>
+                <a:latin typeface="Calibri" panose="020F0502020204030204" pitchFamily="34" charset="0"/>
+                <a:ea typeface="Calibri" panose="020F0502020204030204" pitchFamily="34" charset="0"/>
+                <a:cs typeface="Calibri" panose="020F0502020204030204" pitchFamily="34" charset="0"/>
+              </a:rPr>
+              <a:t>Privilege escalation (</a:t>
+            </a:r>
+            <a:r>
+              <a:rPr lang="en-US" b="0" i="0" dirty="0" err="1">
+                <a:effectLst/>
+                <a:latin typeface="Calibri" panose="020F0502020204030204" pitchFamily="34" charset="0"/>
+                <a:ea typeface="Calibri" panose="020F0502020204030204" pitchFamily="34" charset="0"/>
+                <a:cs typeface="Calibri" panose="020F0502020204030204" pitchFamily="34" charset="0"/>
+              </a:rPr>
+              <a:t>PrivEsc</a:t>
+            </a:r>
+            <a:r>
+              <a:rPr lang="en-US" b="0" i="0" dirty="0">
+                <a:effectLst/>
+                <a:latin typeface="Calibri" panose="020F0502020204030204" pitchFamily="34" charset="0"/>
+                <a:ea typeface="Calibri" panose="020F0502020204030204" pitchFamily="34" charset="0"/>
+                <a:cs typeface="Calibri" panose="020F0502020204030204" pitchFamily="34" charset="0"/>
+              </a:rPr>
+              <a:t>) </a:t>
+            </a:r>
+            <a:r>
+              <a:rPr lang="en-US" b="0" i="0" dirty="0">
+                <a:latin typeface="Calibri" panose="020F0502020204030204" pitchFamily="34" charset="0"/>
+                <a:ea typeface="Calibri" panose="020F0502020204030204" pitchFamily="34" charset="0"/>
+                <a:cs typeface="Calibri" panose="020F0502020204030204" pitchFamily="34" charset="0"/>
+              </a:rPr>
+              <a:t>is the act of </a:t>
+            </a:r>
+            <a:r>
+              <a:rPr lang="en-US" b="0" i="0" dirty="0"/>
+              <a:t>exploiting </a:t>
+            </a:r>
+            <a:r>
+              <a:rPr lang="en-US" b="0" i="0" dirty="0">
+                <a:latin typeface="Calibri" panose="020F0502020204030204" pitchFamily="34" charset="0"/>
+                <a:ea typeface="Calibri" panose="020F0502020204030204" pitchFamily="34" charset="0"/>
+                <a:cs typeface="Calibri" panose="020F0502020204030204" pitchFamily="34" charset="0"/>
+              </a:rPr>
+              <a:t>configuration errors </a:t>
+            </a:r>
+            <a:r>
+              <a:rPr lang="en-US" b="0" i="0" dirty="0">
+                <a:effectLst/>
+                <a:latin typeface="Calibri" panose="020F0502020204030204" pitchFamily="34" charset="0"/>
+                <a:ea typeface="Calibri" panose="020F0502020204030204" pitchFamily="34" charset="0"/>
+                <a:cs typeface="Calibri" panose="020F0502020204030204" pitchFamily="34" charset="0"/>
+              </a:rPr>
+              <a:t>to gain unauthorized access into a system.</a:t>
+            </a:r>
+          </a:p>
+          <a:p>
+            <a:pPr marL="114300" marR="0" lvl="0" indent="0" algn="l" defTabSz="914400" rtl="0" eaLnBrk="1" fontAlgn="auto" latinLnBrk="0" hangingPunct="1">
+              <a:lnSpc>
+                <a:spcPct val="100000"/>
+              </a:lnSpc>
+              <a:spcBef>
+                <a:spcPts val="0"/>
+              </a:spcBef>
+              <a:spcAft>
+                <a:spcPts val="0"/>
+              </a:spcAft>
+              <a:buClr>
+                <a:srgbClr val="000000"/>
+              </a:buClr>
+              <a:buSzPts val="1400"/>
+              <a:buFont typeface="Arial"/>
+              <a:buNone/>
+              <a:tabLst/>
+              <a:defRPr/>
+            </a:pPr>
+            <a:r>
+              <a:rPr lang="en-US" dirty="0">
+                <a:latin typeface="Calibri" panose="020F0502020204030204" pitchFamily="34" charset="0"/>
+                <a:ea typeface="Calibri" panose="020F0502020204030204" pitchFamily="34" charset="0"/>
+                <a:cs typeface="Calibri" panose="020F0502020204030204" pitchFamily="34" charset="0"/>
+              </a:rPr>
+              <a:t>It is typically part of the middle steps of the cyber kill chain, after initial access to the network is obtained.</a:t>
+            </a:r>
+          </a:p>
+          <a:p>
+            <a:pPr marL="114300" marR="0" lvl="0" indent="0" algn="l" defTabSz="914400" rtl="0" eaLnBrk="1" fontAlgn="auto" latinLnBrk="0" hangingPunct="1">
+              <a:lnSpc>
+                <a:spcPct val="100000"/>
+              </a:lnSpc>
+              <a:spcBef>
+                <a:spcPts val="0"/>
+              </a:spcBef>
+              <a:spcAft>
+                <a:spcPts val="0"/>
+              </a:spcAft>
+              <a:buClr>
+                <a:srgbClr val="000000"/>
+              </a:buClr>
+              <a:buSzPts val="1400"/>
+              <a:buFont typeface="Arial"/>
+              <a:buNone/>
+              <a:tabLst/>
+              <a:defRPr/>
+            </a:pPr>
+            <a:endParaRPr lang="en-US" dirty="0">
+              <a:latin typeface="Calibri" panose="020F0502020204030204" pitchFamily="34" charset="0"/>
+              <a:ea typeface="Calibri" panose="020F0502020204030204" pitchFamily="34" charset="0"/>
+              <a:cs typeface="Calibri" panose="020F0502020204030204" pitchFamily="34" charset="0"/>
+            </a:endParaRPr>
+          </a:p>
+          <a:p>
+            <a:pPr marL="114300" marR="0" lvl="0" indent="0" algn="l" defTabSz="914400" rtl="0" eaLnBrk="1" fontAlgn="auto" latinLnBrk="0" hangingPunct="1">
+              <a:lnSpc>
+                <a:spcPct val="100000"/>
+              </a:lnSpc>
+              <a:spcBef>
+                <a:spcPts val="0"/>
+              </a:spcBef>
+              <a:spcAft>
+                <a:spcPts val="0"/>
+              </a:spcAft>
+              <a:buClr>
+                <a:srgbClr val="000000"/>
+              </a:buClr>
+              <a:buSzPts val="1400"/>
+              <a:buFont typeface="Arial"/>
+              <a:buNone/>
+              <a:tabLst/>
+              <a:defRPr/>
+            </a:pPr>
+            <a:r>
+              <a:rPr lang="en-US" dirty="0">
+                <a:latin typeface="Calibri" panose="020F0502020204030204" pitchFamily="34" charset="0"/>
+                <a:ea typeface="Calibri" panose="020F0502020204030204" pitchFamily="34" charset="0"/>
+                <a:cs typeface="Calibri" panose="020F0502020204030204" pitchFamily="34" charset="0"/>
+              </a:rPr>
+              <a:t>There are two techniques for privilege escalation: horizontal (user to user) and vertical (user to administrator).</a:t>
+            </a:r>
+          </a:p>
+          <a:p>
+            <a:pPr marL="114300" indent="0">
+              <a:buNone/>
+            </a:pPr>
+            <a:endParaRPr lang="en-US" dirty="0"/>
+          </a:p>
+        </p:txBody>
+      </p:sp>
+      <p:sp>
+        <p:nvSpPr>
+          <p:cNvPr id="4" name="Slide Number Placeholder 3"/>
+          <p:cNvSpPr>
+            <a:spLocks noGrp="1"/>
+          </p:cNvSpPr>
+          <p:nvPr>
+            <p:ph type="sldNum" idx="12"/>
+          </p:nvPr>
+        </p:nvSpPr>
+        <p:spPr/>
+        <p:txBody>
+          <a:bodyPr/>
+          <a:lstStyle/>
+          <a:p>
+            <a:pPr marL="0" marR="0" lvl="0" indent="0" algn="r" rtl="0">
+              <a:spcBef>
+                <a:spcPts val="0"/>
+              </a:spcBef>
+              <a:spcAft>
+                <a:spcPts val="0"/>
+              </a:spcAft>
+              <a:buNone/>
+            </a:pPr>
+            <a:fld id="{00000000-1234-1234-1234-123412341234}" type="slidenum">
+              <a:rPr lang="en-US" sz="1200" b="0" i="0" u="none" strike="noStrike" cap="none" smtClean="0">
+                <a:solidFill>
+                  <a:schemeClr val="dk1"/>
+                </a:solidFill>
+                <a:latin typeface="Calibri"/>
+                <a:ea typeface="Calibri"/>
+                <a:cs typeface="Calibri"/>
+                <a:sym typeface="Calibri"/>
+              </a:rPr>
+              <a:t>23</a:t>
+            </a:fld>
+            <a:endParaRPr lang="en-US" sz="1200" b="0" i="0" u="none" strike="noStrike" cap="none" dirty="0">
+              <a:solidFill>
+                <a:schemeClr val="dk1"/>
+              </a:solidFill>
+              <a:latin typeface="Calibri"/>
+              <a:ea typeface="Calibri"/>
+              <a:cs typeface="Calibri"/>
+              <a:sym typeface="Calibri"/>
+            </a:endParaRPr>
+          </a:p>
+        </p:txBody>
+      </p:sp>
+    </p:spTree>
+    <p:extLst>
+      <p:ext uri="{BB962C8B-B14F-4D97-AF65-F5344CB8AC3E}">
+        <p14:creationId xmlns:p14="http://schemas.microsoft.com/office/powerpoint/2010/main" val="1963423041"/>
+      </p:ext>
+    </p:extLst>
+  </p:cSld>
+  <p:clrMapOvr>
+    <a:masterClrMapping/>
+  </p:clrMapOvr>
+</p:notes>
+</file>
+
+<file path=ppt/notesSlides/notesSlide24.xml><?xml version="1.0" encoding="utf-8"?>
+<p:notes xmlns:a="http://schemas.openxmlformats.org/drawingml/2006/main" xmlns:r="http://schemas.openxmlformats.org/officeDocument/2006/relationships" xmlns:p="http://schemas.openxmlformats.org/presentationml/2006/main">
+  <p:cSld>
+    <p:spTree>
+      <p:nvGrpSpPr>
+        <p:cNvPr id="1" name=""/>
+        <p:cNvGrpSpPr/>
+        <p:nvPr/>
+      </p:nvGrpSpPr>
+      <p:grpSpPr>
+        <a:xfrm>
+          <a:off x="0" y="0"/>
+          <a:ext cx="0" cy="0"/>
+          <a:chOff x="0" y="0"/>
+          <a:chExt cx="0" cy="0"/>
+        </a:xfrm>
+      </p:grpSpPr>
+      <p:sp>
+        <p:nvSpPr>
+          <p:cNvPr id="2" name="Slide Image Placeholder 1"/>
+          <p:cNvSpPr>
+            <a:spLocks noGrp="1" noRot="1" noChangeAspect="1"/>
+          </p:cNvSpPr>
+          <p:nvPr>
+            <p:ph type="sldImg"/>
+          </p:nvPr>
+        </p:nvSpPr>
+        <p:spPr/>
+      </p:sp>
+      <p:sp>
+        <p:nvSpPr>
+          <p:cNvPr id="3" name="Notes Placeholder 2"/>
+          <p:cNvSpPr>
+            <a:spLocks noGrp="1"/>
+          </p:cNvSpPr>
+          <p:nvPr>
+            <p:ph type="body" idx="1"/>
+          </p:nvPr>
+        </p:nvSpPr>
+        <p:spPr/>
+        <p:txBody>
+          <a:bodyPr/>
+          <a:lstStyle/>
+          <a:p>
+            <a:pPr marL="457200" marR="0" lvl="0" indent="-228600" algn="l" defTabSz="914400" rtl="0" eaLnBrk="1" fontAlgn="auto" latinLnBrk="0" hangingPunct="1">
+              <a:lnSpc>
+                <a:spcPct val="100000"/>
+              </a:lnSpc>
+              <a:spcBef>
+                <a:spcPts val="0"/>
+              </a:spcBef>
+              <a:spcAft>
+                <a:spcPts val="0"/>
+              </a:spcAft>
+              <a:buClr>
+                <a:srgbClr val="000000"/>
+              </a:buClr>
+              <a:buSzPts val="1400"/>
+              <a:buFont typeface="Arial"/>
+              <a:buNone/>
+              <a:tabLst/>
+              <a:defRPr/>
+            </a:pPr>
+            <a:r>
+              <a:rPr lang="en-US" b="0" i="0" dirty="0">
+                <a:solidFill>
+                  <a:srgbClr val="363636"/>
+                </a:solidFill>
+                <a:latin typeface="system-ui"/>
+              </a:rPr>
+              <a:t>Horizontal </a:t>
+            </a:r>
+            <a:r>
+              <a:rPr lang="en-US" b="0" i="0" dirty="0" err="1">
+                <a:solidFill>
+                  <a:srgbClr val="363636"/>
+                </a:solidFill>
+                <a:latin typeface="system-ui"/>
+              </a:rPr>
+              <a:t>PrivEsc</a:t>
+            </a:r>
+            <a:r>
+              <a:rPr lang="en-US" b="0" i="0" dirty="0">
+                <a:solidFill>
+                  <a:srgbClr val="363636"/>
+                </a:solidFill>
+                <a:latin typeface="system-ui"/>
+              </a:rPr>
+              <a:t> involves…</a:t>
+            </a:r>
+          </a:p>
+          <a:p>
+            <a:pPr marL="457200" marR="0" lvl="0" indent="-228600" algn="l" defTabSz="914400" rtl="0" eaLnBrk="1" fontAlgn="auto" latinLnBrk="0" hangingPunct="1">
+              <a:lnSpc>
+                <a:spcPct val="100000"/>
+              </a:lnSpc>
+              <a:spcBef>
+                <a:spcPts val="0"/>
+              </a:spcBef>
+              <a:spcAft>
+                <a:spcPts val="0"/>
+              </a:spcAft>
+              <a:buClr>
+                <a:srgbClr val="000000"/>
+              </a:buClr>
+              <a:buSzPts val="1400"/>
+              <a:buFont typeface="Arial"/>
+              <a:buNone/>
+              <a:tabLst/>
+              <a:defRPr/>
+            </a:pPr>
+            <a:r>
+              <a:rPr lang="en-US" b="0" i="0" dirty="0">
+                <a:solidFill>
+                  <a:srgbClr val="363636"/>
+                </a:solidFill>
+                <a:latin typeface="system-ui"/>
+              </a:rPr>
+              <a:t>It is also called…</a:t>
+            </a:r>
+          </a:p>
+          <a:p>
+            <a:pPr marL="228600" indent="0">
+              <a:buFont typeface="Arial" panose="020B0604020202020204" pitchFamily="34" charset="0"/>
+              <a:buNone/>
+            </a:pPr>
+            <a:endParaRPr lang="en-US" b="0" i="0" dirty="0">
+              <a:solidFill>
+                <a:srgbClr val="363636"/>
+              </a:solidFill>
+              <a:latin typeface="system-ui"/>
+            </a:endParaRPr>
+          </a:p>
+          <a:p>
+            <a:pPr marL="228600" indent="0">
+              <a:buFont typeface="Arial" panose="020B0604020202020204" pitchFamily="34" charset="0"/>
+              <a:buNone/>
+            </a:pPr>
+            <a:r>
+              <a:rPr lang="en-US" dirty="0"/>
+              <a:t>Can be easier to obtain access to protected enclaves through horizontal </a:t>
+            </a:r>
+            <a:r>
+              <a:rPr lang="en-US" dirty="0" err="1"/>
+              <a:t>PrivEsc</a:t>
+            </a:r>
+            <a:r>
+              <a:rPr lang="en-US" dirty="0"/>
+              <a:t> than vertical </a:t>
+            </a:r>
+            <a:r>
+              <a:rPr lang="en-US" dirty="0" err="1"/>
+              <a:t>PrivEsc</a:t>
+            </a:r>
+            <a:r>
+              <a:rPr lang="en-US" dirty="0"/>
+              <a:t>.</a:t>
+            </a:r>
+          </a:p>
+          <a:p>
+            <a:pPr marL="400050" indent="-171450">
+              <a:buFont typeface="Arial" panose="020B0604020202020204" pitchFamily="34" charset="0"/>
+              <a:buChar char="•"/>
+            </a:pPr>
+            <a:r>
+              <a:rPr lang="en-US" dirty="0"/>
+              <a:t>For example…</a:t>
+            </a:r>
+          </a:p>
+        </p:txBody>
+      </p:sp>
+      <p:sp>
+        <p:nvSpPr>
+          <p:cNvPr id="4" name="Slide Number Placeholder 3"/>
+          <p:cNvSpPr>
+            <a:spLocks noGrp="1"/>
+          </p:cNvSpPr>
+          <p:nvPr>
+            <p:ph type="sldNum" idx="12"/>
+          </p:nvPr>
+        </p:nvSpPr>
+        <p:spPr/>
+        <p:txBody>
+          <a:bodyPr/>
+          <a:lstStyle/>
+          <a:p>
+            <a:pPr marL="0" marR="0" lvl="0" indent="0" algn="r" rtl="0">
+              <a:spcBef>
+                <a:spcPts val="0"/>
+              </a:spcBef>
+              <a:spcAft>
+                <a:spcPts val="0"/>
+              </a:spcAft>
+              <a:buNone/>
+            </a:pPr>
+            <a:fld id="{00000000-1234-1234-1234-123412341234}" type="slidenum">
+              <a:rPr lang="en-US" sz="1200" b="0" i="0" u="none" strike="noStrike" cap="none" smtClean="0">
+                <a:solidFill>
+                  <a:schemeClr val="dk1"/>
+                </a:solidFill>
+                <a:latin typeface="Calibri"/>
+                <a:ea typeface="Calibri"/>
+                <a:cs typeface="Calibri"/>
+                <a:sym typeface="Calibri"/>
+              </a:rPr>
+              <a:t>24</a:t>
+            </a:fld>
+            <a:endParaRPr lang="en-US" sz="1200" b="0" i="0" u="none" strike="noStrike" cap="none" dirty="0">
+              <a:solidFill>
+                <a:schemeClr val="dk1"/>
+              </a:solidFill>
+              <a:latin typeface="Calibri"/>
+              <a:ea typeface="Calibri"/>
+              <a:cs typeface="Calibri"/>
+              <a:sym typeface="Calibri"/>
+            </a:endParaRPr>
+          </a:p>
+        </p:txBody>
+      </p:sp>
+    </p:spTree>
+    <p:extLst>
+      <p:ext uri="{BB962C8B-B14F-4D97-AF65-F5344CB8AC3E}">
+        <p14:creationId xmlns:p14="http://schemas.microsoft.com/office/powerpoint/2010/main" val="3307510271"/>
+      </p:ext>
+    </p:extLst>
+  </p:cSld>
+  <p:clrMapOvr>
+    <a:masterClrMapping/>
+  </p:clrMapOvr>
+</p:notes>
+</file>
+
+<file path=ppt/notesSlides/notesSlide25.xml><?xml version="1.0" encoding="utf-8"?>
+<p:notes xmlns:a="http://schemas.openxmlformats.org/drawingml/2006/main" xmlns:r="http://schemas.openxmlformats.org/officeDocument/2006/relationships" xmlns:p="http://schemas.openxmlformats.org/presentationml/2006/main">
+  <p:cSld>
+    <p:spTree>
+      <p:nvGrpSpPr>
+        <p:cNvPr id="1" name=""/>
+        <p:cNvGrpSpPr/>
+        <p:nvPr/>
+      </p:nvGrpSpPr>
+      <p:grpSpPr>
+        <a:xfrm>
+          <a:off x="0" y="0"/>
+          <a:ext cx="0" cy="0"/>
+          <a:chOff x="0" y="0"/>
+          <a:chExt cx="0" cy="0"/>
+        </a:xfrm>
+      </p:grpSpPr>
+      <p:sp>
+        <p:nvSpPr>
+          <p:cNvPr id="2" name="Slide Image Placeholder 1"/>
+          <p:cNvSpPr>
+            <a:spLocks noGrp="1" noRot="1" noChangeAspect="1"/>
+          </p:cNvSpPr>
+          <p:nvPr>
+            <p:ph type="sldImg"/>
+          </p:nvPr>
+        </p:nvSpPr>
+        <p:spPr/>
+      </p:sp>
+      <p:sp>
+        <p:nvSpPr>
+          <p:cNvPr id="3" name="Notes Placeholder 2"/>
+          <p:cNvSpPr>
+            <a:spLocks noGrp="1"/>
+          </p:cNvSpPr>
+          <p:nvPr>
+            <p:ph type="body" idx="1"/>
+          </p:nvPr>
+        </p:nvSpPr>
+        <p:spPr/>
+        <p:txBody>
+          <a:bodyPr/>
+          <a:lstStyle/>
+          <a:p>
+            <a:pPr marL="114300" indent="0">
+              <a:buNone/>
+            </a:pPr>
+            <a:r>
+              <a:rPr lang="en-US" b="0" i="0" dirty="0">
+                <a:effectLst/>
+                <a:latin typeface="Manrope"/>
+              </a:rPr>
+              <a:t>Vertical </a:t>
+            </a:r>
+            <a:r>
+              <a:rPr lang="en-US" b="0" i="0" dirty="0" err="1">
+                <a:effectLst/>
+                <a:latin typeface="Manrope"/>
+              </a:rPr>
+              <a:t>PrivEsc</a:t>
+            </a:r>
+            <a:r>
+              <a:rPr lang="en-US" b="0" i="0" dirty="0">
+                <a:effectLst/>
+                <a:latin typeface="Manrope"/>
+              </a:rPr>
+              <a:t> involves increasing privileges by obtaining access to administrative (on Windows) or root (on Linux) user or service accounts. </a:t>
+            </a:r>
+          </a:p>
+          <a:p>
+            <a:pPr marL="114300" indent="0">
+              <a:buNone/>
+            </a:pPr>
+            <a:endParaRPr lang="en-US" b="0" i="0" dirty="0">
+              <a:effectLst/>
+              <a:latin typeface="Manrope"/>
+            </a:endParaRPr>
+          </a:p>
+          <a:p>
+            <a:pPr marL="114300" indent="0">
+              <a:buNone/>
+            </a:pPr>
+            <a:r>
+              <a:rPr lang="en-US" dirty="0"/>
+              <a:t>Attackers typically…</a:t>
+            </a:r>
+          </a:p>
+          <a:p>
+            <a:pPr marL="114300" indent="0">
+              <a:buNone/>
+            </a:pPr>
+            <a:endParaRPr lang="en-US" dirty="0"/>
+          </a:p>
+          <a:p>
+            <a:pPr marL="114300" indent="0">
+              <a:buNone/>
+            </a:pPr>
+            <a:r>
+              <a:rPr lang="en-US" dirty="0"/>
+              <a:t>If the attacker…</a:t>
+            </a:r>
+          </a:p>
+        </p:txBody>
+      </p:sp>
+      <p:sp>
+        <p:nvSpPr>
+          <p:cNvPr id="4" name="Slide Number Placeholder 3"/>
+          <p:cNvSpPr>
+            <a:spLocks noGrp="1"/>
+          </p:cNvSpPr>
+          <p:nvPr>
+            <p:ph type="sldNum" idx="12"/>
+          </p:nvPr>
+        </p:nvSpPr>
+        <p:spPr/>
+        <p:txBody>
+          <a:bodyPr/>
+          <a:lstStyle/>
+          <a:p>
+            <a:pPr marL="0" marR="0" lvl="0" indent="0" algn="r" rtl="0">
+              <a:spcBef>
+                <a:spcPts val="0"/>
+              </a:spcBef>
+              <a:spcAft>
+                <a:spcPts val="0"/>
+              </a:spcAft>
+              <a:buNone/>
+            </a:pPr>
+            <a:fld id="{00000000-1234-1234-1234-123412341234}" type="slidenum">
+              <a:rPr lang="en-US" sz="1200" b="0" i="0" u="none" strike="noStrike" cap="none" smtClean="0">
+                <a:solidFill>
+                  <a:schemeClr val="dk1"/>
+                </a:solidFill>
+                <a:latin typeface="Calibri"/>
+                <a:ea typeface="Calibri"/>
+                <a:cs typeface="Calibri"/>
+                <a:sym typeface="Calibri"/>
+              </a:rPr>
+              <a:t>25</a:t>
+            </a:fld>
+            <a:endParaRPr lang="en-US" sz="1200" b="0" i="0" u="none" strike="noStrike" cap="none" dirty="0">
+              <a:solidFill>
+                <a:schemeClr val="dk1"/>
+              </a:solidFill>
+              <a:latin typeface="Calibri"/>
+              <a:ea typeface="Calibri"/>
+              <a:cs typeface="Calibri"/>
+              <a:sym typeface="Calibri"/>
+            </a:endParaRPr>
+          </a:p>
+        </p:txBody>
+      </p:sp>
+    </p:spTree>
+    <p:extLst>
+      <p:ext uri="{BB962C8B-B14F-4D97-AF65-F5344CB8AC3E}">
+        <p14:creationId xmlns:p14="http://schemas.microsoft.com/office/powerpoint/2010/main" val="2607351075"/>
+      </p:ext>
+    </p:extLst>
+  </p:cSld>
+  <p:clrMapOvr>
+    <a:masterClrMapping/>
+  </p:clrMapOvr>
+</p:notes>
+</file>
+
+<file path=ppt/notesSlides/notesSlide26.xml><?xml version="1.0" encoding="utf-8"?>
+<p:notes xmlns:a="http://schemas.openxmlformats.org/drawingml/2006/main" xmlns:r="http://schemas.openxmlformats.org/officeDocument/2006/relationships" xmlns:p="http://schemas.openxmlformats.org/presentationml/2006/main">
+  <p:cSld>
+    <p:spTree>
+      <p:nvGrpSpPr>
+        <p:cNvPr id="1" name=""/>
+        <p:cNvGrpSpPr/>
+        <p:nvPr/>
+      </p:nvGrpSpPr>
+      <p:grpSpPr>
+        <a:xfrm>
+          <a:off x="0" y="0"/>
+          <a:ext cx="0" cy="0"/>
+          <a:chOff x="0" y="0"/>
+          <a:chExt cx="0" cy="0"/>
+        </a:xfrm>
+      </p:grpSpPr>
+      <p:sp>
+        <p:nvSpPr>
+          <p:cNvPr id="2" name="Slide Image Placeholder 1"/>
+          <p:cNvSpPr>
+            <a:spLocks noGrp="1" noRot="1" noChangeAspect="1"/>
+          </p:cNvSpPr>
+          <p:nvPr>
+            <p:ph type="sldImg"/>
+          </p:nvPr>
+        </p:nvSpPr>
+        <p:spPr/>
+      </p:sp>
+      <p:sp>
+        <p:nvSpPr>
+          <p:cNvPr id="3" name="Notes Placeholder 2"/>
+          <p:cNvSpPr>
+            <a:spLocks noGrp="1"/>
+          </p:cNvSpPr>
+          <p:nvPr>
+            <p:ph type="body" idx="1"/>
+          </p:nvPr>
+        </p:nvSpPr>
+        <p:spPr/>
+        <p:txBody>
+          <a:bodyPr/>
+          <a:lstStyle/>
+          <a:p>
+            <a:pPr marL="457200" marR="0" lvl="0" indent="-228600" algn="l" defTabSz="914400" rtl="0" eaLnBrk="1" fontAlgn="auto" latinLnBrk="0" hangingPunct="1">
+              <a:lnSpc>
+                <a:spcPct val="100000"/>
+              </a:lnSpc>
+              <a:spcBef>
+                <a:spcPts val="0"/>
+              </a:spcBef>
+              <a:spcAft>
+                <a:spcPts val="0"/>
+              </a:spcAft>
+              <a:buClr>
+                <a:srgbClr val="000000"/>
+              </a:buClr>
+              <a:buSzPts val="1400"/>
+              <a:buFont typeface="Arial"/>
+              <a:buNone/>
+              <a:tabLst/>
+              <a:defRPr/>
+            </a:pPr>
+            <a:r>
+              <a:rPr lang="en-US" dirty="0"/>
+              <a:t>There are quite a few configuration errors in Windows that can be abused to obtain </a:t>
+            </a:r>
+            <a:r>
+              <a:rPr lang="en-US" dirty="0" err="1"/>
+              <a:t>PrivEsc</a:t>
+            </a:r>
+            <a:r>
+              <a:rPr lang="en-US" dirty="0"/>
+              <a:t>. Here are some of the most common ones:</a:t>
+            </a:r>
+          </a:p>
+          <a:p>
+            <a:endParaRPr lang="en-US" dirty="0"/>
+          </a:p>
+        </p:txBody>
+      </p:sp>
+      <p:sp>
+        <p:nvSpPr>
+          <p:cNvPr id="4" name="Slide Number Placeholder 3"/>
+          <p:cNvSpPr>
+            <a:spLocks noGrp="1"/>
+          </p:cNvSpPr>
+          <p:nvPr>
+            <p:ph type="sldNum" idx="12"/>
+          </p:nvPr>
+        </p:nvSpPr>
+        <p:spPr/>
+        <p:txBody>
+          <a:bodyPr/>
+          <a:lstStyle/>
+          <a:p>
+            <a:pPr marL="0" marR="0" lvl="0" indent="0" algn="r" rtl="0">
+              <a:spcBef>
+                <a:spcPts val="0"/>
+              </a:spcBef>
+              <a:spcAft>
+                <a:spcPts val="0"/>
+              </a:spcAft>
+              <a:buNone/>
+            </a:pPr>
+            <a:fld id="{00000000-1234-1234-1234-123412341234}" type="slidenum">
+              <a:rPr lang="en-US" sz="1200" b="0" i="0" u="none" strike="noStrike" cap="none" smtClean="0">
+                <a:solidFill>
+                  <a:schemeClr val="dk1"/>
+                </a:solidFill>
+                <a:latin typeface="Calibri"/>
+                <a:ea typeface="Calibri"/>
+                <a:cs typeface="Calibri"/>
+                <a:sym typeface="Calibri"/>
+              </a:rPr>
+              <a:t>26</a:t>
+            </a:fld>
+            <a:endParaRPr lang="en-US" sz="1200" b="0" i="0" u="none" strike="noStrike" cap="none" dirty="0">
+              <a:solidFill>
+                <a:schemeClr val="dk1"/>
+              </a:solidFill>
+              <a:latin typeface="Calibri"/>
+              <a:ea typeface="Calibri"/>
+              <a:cs typeface="Calibri"/>
+              <a:sym typeface="Calibri"/>
+            </a:endParaRPr>
+          </a:p>
+        </p:txBody>
+      </p:sp>
+    </p:spTree>
+    <p:extLst>
+      <p:ext uri="{BB962C8B-B14F-4D97-AF65-F5344CB8AC3E}">
+        <p14:creationId xmlns:p14="http://schemas.microsoft.com/office/powerpoint/2010/main" val="1336829597"/>
+      </p:ext>
+    </p:extLst>
+  </p:cSld>
+  <p:clrMapOvr>
+    <a:masterClrMapping/>
+  </p:clrMapOvr>
+</p:notes>
+</file>
+
+<file path=ppt/notesSlides/notesSlide27.xml><?xml version="1.0" encoding="utf-8"?>
+<p:notes xmlns:a="http://schemas.openxmlformats.org/drawingml/2006/main" xmlns:r="http://schemas.openxmlformats.org/officeDocument/2006/relationships" xmlns:p="http://schemas.openxmlformats.org/presentationml/2006/main">
+  <p:cSld>
+    <p:spTree>
+      <p:nvGrpSpPr>
+        <p:cNvPr id="1" name=""/>
+        <p:cNvGrpSpPr/>
+        <p:nvPr/>
+      </p:nvGrpSpPr>
+      <p:grpSpPr>
+        <a:xfrm>
+          <a:off x="0" y="0"/>
+          <a:ext cx="0" cy="0"/>
+          <a:chOff x="0" y="0"/>
+          <a:chExt cx="0" cy="0"/>
+        </a:xfrm>
+      </p:grpSpPr>
+      <p:sp>
+        <p:nvSpPr>
+          <p:cNvPr id="2" name="Slide Image Placeholder 1"/>
+          <p:cNvSpPr>
+            <a:spLocks noGrp="1" noRot="1" noChangeAspect="1"/>
+          </p:cNvSpPr>
+          <p:nvPr>
+            <p:ph type="sldImg"/>
+          </p:nvPr>
+        </p:nvSpPr>
+        <p:spPr/>
+      </p:sp>
+      <p:sp>
+        <p:nvSpPr>
+          <p:cNvPr id="3" name="Notes Placeholder 2"/>
+          <p:cNvSpPr>
+            <a:spLocks noGrp="1"/>
+          </p:cNvSpPr>
+          <p:nvPr>
+            <p:ph type="body" idx="1"/>
+          </p:nvPr>
+        </p:nvSpPr>
+        <p:spPr/>
+        <p:txBody>
+          <a:bodyPr/>
+          <a:lstStyle/>
+          <a:p>
+            <a:pPr marL="457200" marR="0" lvl="0" indent="-228600" algn="l" defTabSz="914400" rtl="0" eaLnBrk="1" fontAlgn="auto" latinLnBrk="0" hangingPunct="1">
+              <a:lnSpc>
+                <a:spcPct val="100000"/>
+              </a:lnSpc>
+              <a:spcBef>
+                <a:spcPts val="0"/>
+              </a:spcBef>
+              <a:spcAft>
+                <a:spcPts val="0"/>
+              </a:spcAft>
+              <a:buClr>
+                <a:srgbClr val="000000"/>
+              </a:buClr>
+              <a:buSzPts val="1400"/>
+              <a:buFont typeface="Arial"/>
+              <a:buNone/>
+              <a:tabLst/>
+              <a:defRPr/>
+            </a:pPr>
+            <a:r>
+              <a:rPr lang="en-US" dirty="0"/>
+              <a:t>There are also quite a few configuration errors in Linux that can be abused to obtain </a:t>
+            </a:r>
+            <a:r>
+              <a:rPr lang="en-US" dirty="0" err="1"/>
+              <a:t>PrivEsc</a:t>
+            </a:r>
+            <a:r>
+              <a:rPr lang="en-US" dirty="0"/>
+              <a:t>. Here are some of the most common ones:</a:t>
+            </a:r>
+          </a:p>
+          <a:p>
+            <a:endParaRPr lang="en-US" dirty="0"/>
+          </a:p>
+        </p:txBody>
+      </p:sp>
+      <p:sp>
+        <p:nvSpPr>
+          <p:cNvPr id="4" name="Slide Number Placeholder 3"/>
+          <p:cNvSpPr>
+            <a:spLocks noGrp="1"/>
+          </p:cNvSpPr>
+          <p:nvPr>
+            <p:ph type="sldNum" idx="12"/>
+          </p:nvPr>
+        </p:nvSpPr>
+        <p:spPr/>
+        <p:txBody>
+          <a:bodyPr/>
+          <a:lstStyle/>
+          <a:p>
+            <a:pPr marL="0" marR="0" lvl="0" indent="0" algn="r" rtl="0">
+              <a:spcBef>
+                <a:spcPts val="0"/>
+              </a:spcBef>
+              <a:spcAft>
+                <a:spcPts val="0"/>
+              </a:spcAft>
+              <a:buNone/>
+            </a:pPr>
+            <a:fld id="{00000000-1234-1234-1234-123412341234}" type="slidenum">
+              <a:rPr lang="en-US" sz="1200" b="0" i="0" u="none" strike="noStrike" cap="none" smtClean="0">
+                <a:solidFill>
+                  <a:schemeClr val="dk1"/>
+                </a:solidFill>
+                <a:latin typeface="Calibri"/>
+                <a:ea typeface="Calibri"/>
+                <a:cs typeface="Calibri"/>
+                <a:sym typeface="Calibri"/>
+              </a:rPr>
+              <a:t>27</a:t>
+            </a:fld>
+            <a:endParaRPr lang="en-US" sz="1200" b="0" i="0" u="none" strike="noStrike" cap="none" dirty="0">
+              <a:solidFill>
+                <a:schemeClr val="dk1"/>
+              </a:solidFill>
+              <a:latin typeface="Calibri"/>
+              <a:ea typeface="Calibri"/>
+              <a:cs typeface="Calibri"/>
+              <a:sym typeface="Calibri"/>
+            </a:endParaRPr>
+          </a:p>
+        </p:txBody>
+      </p:sp>
+    </p:spTree>
+    <p:extLst>
+      <p:ext uri="{BB962C8B-B14F-4D97-AF65-F5344CB8AC3E}">
+        <p14:creationId xmlns:p14="http://schemas.microsoft.com/office/powerpoint/2010/main" val="3250673637"/>
+      </p:ext>
+    </p:extLst>
+  </p:cSld>
+  <p:clrMapOvr>
+    <a:masterClrMapping/>
+  </p:clrMapOvr>
+</p:notes>
+</file>
+
+<file path=ppt/notesSlides/notesSlide28.xml><?xml version="1.0" encoding="utf-8"?>
+<p:notes xmlns:a="http://schemas.openxmlformats.org/drawingml/2006/main" xmlns:r="http://schemas.openxmlformats.org/officeDocument/2006/relationships" xmlns:p="http://schemas.openxmlformats.org/presentationml/2006/main" showMasterSp="0" showMasterPhAnim="0">
+  <p:cSld>
+    <p:spTree>
+      <p:nvGrpSpPr>
+        <p:cNvPr id="1" name="Shape 31"/>
+        <p:cNvGrpSpPr/>
+        <p:nvPr/>
+      </p:nvGrpSpPr>
+      <p:grpSpPr>
+        <a:xfrm>
+          <a:off x="0" y="0"/>
+          <a:ext cx="0" cy="0"/>
+          <a:chOff x="0" y="0"/>
+          <a:chExt cx="0" cy="0"/>
+        </a:xfrm>
+      </p:grpSpPr>
+      <p:sp>
+        <p:nvSpPr>
+          <p:cNvPr id="32" name="Google Shape;32;p1:notes"/>
+          <p:cNvSpPr txBox="1">
+            <a:spLocks noGrp="1"/>
+          </p:cNvSpPr>
+          <p:nvPr>
+            <p:ph type="body" idx="1"/>
+          </p:nvPr>
+        </p:nvSpPr>
+        <p:spPr>
+          <a:xfrm>
+            <a:off x="685800" y="4400550"/>
+            <a:ext cx="5486400" cy="3600450"/>
+          </a:xfrm>
+          <a:prstGeom prst="rect">
+            <a:avLst/>
+          </a:prstGeom>
+        </p:spPr>
+        <p:txBody>
+          <a:bodyPr spcFirstLastPara="1" wrap="square" lIns="91425" tIns="45700" rIns="91425" bIns="45700" anchor="t" anchorCtr="0">
+            <a:noAutofit/>
+          </a:bodyPr>
+          <a:lstStyle/>
+          <a:p>
+            <a:pPr marL="0" lvl="0" indent="0" algn="l" rtl="0">
+              <a:spcBef>
+                <a:spcPts val="0"/>
+              </a:spcBef>
+              <a:spcAft>
+                <a:spcPts val="0"/>
+              </a:spcAft>
+              <a:buNone/>
+            </a:pPr>
+            <a:r>
+              <a:rPr lang="en-US" dirty="0"/>
+              <a:t>This concludes the lecture for this module, so let’s review.</a:t>
+            </a:r>
             <a:endParaRPr dirty="0"/>
           </a:p>
         </p:txBody>
@@ -3527,7 +7327,340 @@
 </p:notes>
 </file>
 
-<file path=ppt/notesSlides/notesSlide11.xml><?xml version="1.0" encoding="utf-8"?>
+<file path=ppt/notesSlides/notesSlide29.xml><?xml version="1.0" encoding="utf-8"?>
+<p:notes xmlns:a="http://schemas.openxmlformats.org/drawingml/2006/main" xmlns:r="http://schemas.openxmlformats.org/officeDocument/2006/relationships" xmlns:p="http://schemas.openxmlformats.org/presentationml/2006/main">
+  <p:cSld>
+    <p:spTree>
+      <p:nvGrpSpPr>
+        <p:cNvPr id="1" name=""/>
+        <p:cNvGrpSpPr/>
+        <p:nvPr/>
+      </p:nvGrpSpPr>
+      <p:grpSpPr>
+        <a:xfrm>
+          <a:off x="0" y="0"/>
+          <a:ext cx="0" cy="0"/>
+          <a:chOff x="0" y="0"/>
+          <a:chExt cx="0" cy="0"/>
+        </a:xfrm>
+      </p:grpSpPr>
+      <p:sp>
+        <p:nvSpPr>
+          <p:cNvPr id="2" name="Slide Image Placeholder 1"/>
+          <p:cNvSpPr>
+            <a:spLocks noGrp="1" noRot="1" noChangeAspect="1"/>
+          </p:cNvSpPr>
+          <p:nvPr>
+            <p:ph type="sldImg"/>
+          </p:nvPr>
+        </p:nvSpPr>
+        <p:spPr/>
+      </p:sp>
+      <p:sp>
+        <p:nvSpPr>
+          <p:cNvPr id="3" name="Notes Placeholder 2"/>
+          <p:cNvSpPr>
+            <a:spLocks noGrp="1"/>
+          </p:cNvSpPr>
+          <p:nvPr>
+            <p:ph type="body" idx="1"/>
+          </p:nvPr>
+        </p:nvSpPr>
+        <p:spPr/>
+        <p:txBody>
+          <a:bodyPr/>
+          <a:lstStyle/>
+          <a:p>
+            <a:r>
+              <a:rPr lang="en-US" b="0" dirty="0"/>
+              <a:t>We know that…</a:t>
+            </a:r>
+          </a:p>
+        </p:txBody>
+      </p:sp>
+      <p:sp>
+        <p:nvSpPr>
+          <p:cNvPr id="4" name="Slide Number Placeholder 3"/>
+          <p:cNvSpPr>
+            <a:spLocks noGrp="1"/>
+          </p:cNvSpPr>
+          <p:nvPr>
+            <p:ph type="sldNum" idx="12"/>
+          </p:nvPr>
+        </p:nvSpPr>
+        <p:spPr/>
+        <p:txBody>
+          <a:bodyPr/>
+          <a:lstStyle/>
+          <a:p>
+            <a:pPr marL="0" marR="0" lvl="0" indent="0" algn="r" rtl="0">
+              <a:spcBef>
+                <a:spcPts val="0"/>
+              </a:spcBef>
+              <a:spcAft>
+                <a:spcPts val="0"/>
+              </a:spcAft>
+              <a:buNone/>
+            </a:pPr>
+            <a:fld id="{00000000-1234-1234-1234-123412341234}" type="slidenum">
+              <a:rPr lang="en-US" sz="1200" b="0" i="0" u="none" strike="noStrike" cap="none" smtClean="0">
+                <a:solidFill>
+                  <a:schemeClr val="dk1"/>
+                </a:solidFill>
+                <a:latin typeface="Calibri"/>
+                <a:ea typeface="Calibri"/>
+                <a:cs typeface="Calibri"/>
+                <a:sym typeface="Calibri"/>
+              </a:rPr>
+              <a:t>29</a:t>
+            </a:fld>
+            <a:endParaRPr lang="en-US" sz="1200" b="0" i="0" u="none" strike="noStrike" cap="none" dirty="0">
+              <a:solidFill>
+                <a:schemeClr val="dk1"/>
+              </a:solidFill>
+              <a:latin typeface="Calibri"/>
+              <a:ea typeface="Calibri"/>
+              <a:cs typeface="Calibri"/>
+              <a:sym typeface="Calibri"/>
+            </a:endParaRPr>
+          </a:p>
+        </p:txBody>
+      </p:sp>
+    </p:spTree>
+    <p:extLst>
+      <p:ext uri="{BB962C8B-B14F-4D97-AF65-F5344CB8AC3E}">
+        <p14:creationId xmlns:p14="http://schemas.microsoft.com/office/powerpoint/2010/main" val="2435329706"/>
+      </p:ext>
+    </p:extLst>
+  </p:cSld>
+  <p:clrMapOvr>
+    <a:masterClrMapping/>
+  </p:clrMapOvr>
+</p:notes>
+</file>
+
+<file path=ppt/notesSlides/notesSlide3.xml><?xml version="1.0" encoding="utf-8"?>
+<p:notes xmlns:a="http://schemas.openxmlformats.org/drawingml/2006/main" xmlns:r="http://schemas.openxmlformats.org/officeDocument/2006/relationships" xmlns:p="http://schemas.openxmlformats.org/presentationml/2006/main" showMasterSp="0" showMasterPhAnim="0">
+  <p:cSld>
+    <p:spTree>
+      <p:nvGrpSpPr>
+        <p:cNvPr id="1" name="Shape 39"/>
+        <p:cNvGrpSpPr/>
+        <p:nvPr/>
+      </p:nvGrpSpPr>
+      <p:grpSpPr>
+        <a:xfrm>
+          <a:off x="0" y="0"/>
+          <a:ext cx="0" cy="0"/>
+          <a:chOff x="0" y="0"/>
+          <a:chExt cx="0" cy="0"/>
+        </a:xfrm>
+      </p:grpSpPr>
+      <p:sp>
+        <p:nvSpPr>
+          <p:cNvPr id="40" name="Google Shape;40;p2:notes"/>
+          <p:cNvSpPr txBox="1">
+            <a:spLocks noGrp="1"/>
+          </p:cNvSpPr>
+          <p:nvPr>
+            <p:ph type="body" idx="1"/>
+          </p:nvPr>
+        </p:nvSpPr>
+        <p:spPr>
+          <a:xfrm>
+            <a:off x="685800" y="4400550"/>
+            <a:ext cx="5486400" cy="3600450"/>
+          </a:xfrm>
+          <a:prstGeom prst="rect">
+            <a:avLst/>
+          </a:prstGeom>
+        </p:spPr>
+        <p:txBody>
+          <a:bodyPr spcFirstLastPara="1" wrap="square" lIns="91425" tIns="45700" rIns="91425" bIns="45700" anchor="t" anchorCtr="0">
+            <a:noAutofit/>
+          </a:bodyPr>
+          <a:lstStyle/>
+          <a:p>
+            <a:pPr marL="0" lvl="0" indent="0" algn="l" rtl="0">
+              <a:spcBef>
+                <a:spcPts val="0"/>
+              </a:spcBef>
+              <a:spcAft>
+                <a:spcPts val="0"/>
+              </a:spcAft>
+              <a:buNone/>
+            </a:pPr>
+            <a:endParaRPr dirty="0"/>
+          </a:p>
+        </p:txBody>
+      </p:sp>
+      <p:sp>
+        <p:nvSpPr>
+          <p:cNvPr id="41" name="Google Shape;41;p2:notes"/>
+          <p:cNvSpPr>
+            <a:spLocks noGrp="1" noRot="1" noChangeAspect="1"/>
+          </p:cNvSpPr>
+          <p:nvPr>
+            <p:ph type="sldImg" idx="2"/>
+          </p:nvPr>
+        </p:nvSpPr>
+        <p:spPr>
+          <a:xfrm>
+            <a:off x="685800" y="1143000"/>
+            <a:ext cx="5486400" cy="3086100"/>
+          </a:xfrm>
+          <a:custGeom>
+            <a:avLst/>
+            <a:gdLst/>
+            <a:ahLst/>
+            <a:cxnLst/>
+            <a:rect l="l" t="t" r="r" b="b"/>
+            <a:pathLst>
+              <a:path w="120000" h="120000" extrusionOk="0">
+                <a:moveTo>
+                  <a:pt x="0" y="0"/>
+                </a:moveTo>
+                <a:lnTo>
+                  <a:pt x="120000" y="0"/>
+                </a:lnTo>
+                <a:lnTo>
+                  <a:pt x="120000" y="120000"/>
+                </a:lnTo>
+                <a:lnTo>
+                  <a:pt x="0" y="120000"/>
+                </a:lnTo>
+                <a:close/>
+              </a:path>
+            </a:pathLst>
+          </a:custGeom>
+        </p:spPr>
+      </p:sp>
+    </p:spTree>
+  </p:cSld>
+  <p:clrMapOvr>
+    <a:masterClrMapping/>
+  </p:clrMapOvr>
+</p:notes>
+</file>
+
+<file path=ppt/notesSlides/notesSlide30.xml><?xml version="1.0" encoding="utf-8"?>
+<p:notes xmlns:a="http://schemas.openxmlformats.org/drawingml/2006/main" xmlns:r="http://schemas.openxmlformats.org/officeDocument/2006/relationships" xmlns:p="http://schemas.openxmlformats.org/presentationml/2006/main">
+  <p:cSld>
+    <p:spTree>
+      <p:nvGrpSpPr>
+        <p:cNvPr id="1" name=""/>
+        <p:cNvGrpSpPr/>
+        <p:nvPr/>
+      </p:nvGrpSpPr>
+      <p:grpSpPr>
+        <a:xfrm>
+          <a:off x="0" y="0"/>
+          <a:ext cx="0" cy="0"/>
+          <a:chOff x="0" y="0"/>
+          <a:chExt cx="0" cy="0"/>
+        </a:xfrm>
+      </p:grpSpPr>
+      <p:sp>
+        <p:nvSpPr>
+          <p:cNvPr id="2" name="Slide Image Placeholder 1"/>
+          <p:cNvSpPr>
+            <a:spLocks noGrp="1" noRot="1" noChangeAspect="1"/>
+          </p:cNvSpPr>
+          <p:nvPr>
+            <p:ph type="sldImg"/>
+          </p:nvPr>
+        </p:nvSpPr>
+        <p:spPr/>
+      </p:sp>
+      <p:sp>
+        <p:nvSpPr>
+          <p:cNvPr id="3" name="Notes Placeholder 2"/>
+          <p:cNvSpPr>
+            <a:spLocks noGrp="1"/>
+          </p:cNvSpPr>
+          <p:nvPr>
+            <p:ph type="body" idx="1"/>
+          </p:nvPr>
+        </p:nvSpPr>
+        <p:spPr/>
+        <p:txBody>
+          <a:bodyPr/>
+          <a:lstStyle/>
+          <a:p>
+            <a:r>
+              <a:rPr lang="en-US" dirty="0"/>
+              <a:t>In the lab for </a:t>
+            </a:r>
+            <a:r>
+              <a:rPr lang="en-US"/>
+              <a:t>this module…</a:t>
+            </a:r>
+            <a:endParaRPr lang="en-US" dirty="0"/>
+          </a:p>
+        </p:txBody>
+      </p:sp>
+      <p:sp>
+        <p:nvSpPr>
+          <p:cNvPr id="4" name="Slide Number Placeholder 3"/>
+          <p:cNvSpPr>
+            <a:spLocks noGrp="1"/>
+          </p:cNvSpPr>
+          <p:nvPr>
+            <p:ph type="sldNum" idx="12"/>
+          </p:nvPr>
+        </p:nvSpPr>
+        <p:spPr/>
+        <p:txBody>
+          <a:bodyPr/>
+          <a:lstStyle/>
+          <a:p>
+            <a:pPr marL="0" marR="0" lvl="0" indent="0" algn="r" rtl="0">
+              <a:spcBef>
+                <a:spcPts val="0"/>
+              </a:spcBef>
+              <a:spcAft>
+                <a:spcPts val="0"/>
+              </a:spcAft>
+              <a:buNone/>
+            </a:pPr>
+            <a:fld id="{00000000-1234-1234-1234-123412341234}" type="slidenum">
+              <a:rPr lang="en-US" sz="1200" b="0" i="0" u="none" strike="noStrike" cap="none" smtClean="0">
+                <a:solidFill>
+                  <a:schemeClr val="dk1"/>
+                </a:solidFill>
+                <a:latin typeface="Calibri"/>
+                <a:ea typeface="Calibri"/>
+                <a:cs typeface="Calibri"/>
+                <a:sym typeface="Calibri"/>
+              </a:rPr>
+              <a:t>30</a:t>
+            </a:fld>
+            <a:endParaRPr lang="en-US" sz="1200" b="0" i="0" u="none" strike="noStrike" cap="none" dirty="0">
+              <a:solidFill>
+                <a:schemeClr val="dk1"/>
+              </a:solidFill>
+              <a:latin typeface="Calibri"/>
+              <a:ea typeface="Calibri"/>
+              <a:cs typeface="Calibri"/>
+              <a:sym typeface="Calibri"/>
+            </a:endParaRPr>
+          </a:p>
+        </p:txBody>
+      </p:sp>
+    </p:spTree>
+    <p:extLst>
+      <p:ext uri="{BB962C8B-B14F-4D97-AF65-F5344CB8AC3E}">
+        <p14:creationId xmlns:p14="http://schemas.microsoft.com/office/powerpoint/2010/main" val="1809541020"/>
+      </p:ext>
+    </p:extLst>
+  </p:cSld>
+  <p:clrMapOvr>
+    <a:masterClrMapping/>
+  </p:clrMapOvr>
+</p:notes>
+</file>
+
+<file path=ppt/notesSlides/notesSlide31.xml><?xml version="1.0" encoding="utf-8"?>
 <p:notes xmlns:a="http://schemas.openxmlformats.org/drawingml/2006/main" xmlns:r="http://schemas.openxmlformats.org/officeDocument/2006/relationships" xmlns:p="http://schemas.openxmlformats.org/presentationml/2006/main" showMasterSp="0" showMasterPhAnim="0">
   <p:cSld>
     <p:spTree>
@@ -3631,111 +7764,7 @@
 </p:notes>
 </file>
 
-<file path=ppt/notesSlides/notesSlide2.xml><?xml version="1.0" encoding="utf-8"?>
-<p:notes xmlns:a="http://schemas.openxmlformats.org/drawingml/2006/main" xmlns:r="http://schemas.openxmlformats.org/officeDocument/2006/relationships" xmlns:p="http://schemas.openxmlformats.org/presentationml/2006/main" showMasterSp="0" showMasterPhAnim="0">
-  <p:cSld>
-    <p:spTree>
-      <p:nvGrpSpPr>
-        <p:cNvPr id="1" name="Shape 39"/>
-        <p:cNvGrpSpPr/>
-        <p:nvPr/>
-      </p:nvGrpSpPr>
-      <p:grpSpPr>
-        <a:xfrm>
-          <a:off x="0" y="0"/>
-          <a:ext cx="0" cy="0"/>
-          <a:chOff x="0" y="0"/>
-          <a:chExt cx="0" cy="0"/>
-        </a:xfrm>
-      </p:grpSpPr>
-      <p:sp>
-        <p:nvSpPr>
-          <p:cNvPr id="40" name="Google Shape;40;p2:notes"/>
-          <p:cNvSpPr txBox="1">
-            <a:spLocks noGrp="1"/>
-          </p:cNvSpPr>
-          <p:nvPr>
-            <p:ph type="body" idx="1"/>
-          </p:nvPr>
-        </p:nvSpPr>
-        <p:spPr>
-          <a:xfrm>
-            <a:off x="685800" y="4400550"/>
-            <a:ext cx="5486400" cy="3600450"/>
-          </a:xfrm>
-          <a:prstGeom prst="rect">
-            <a:avLst/>
-          </a:prstGeom>
-        </p:spPr>
-        <p:txBody>
-          <a:bodyPr spcFirstLastPara="1" wrap="square" lIns="91425" tIns="45700" rIns="91425" bIns="45700" anchor="t" anchorCtr="0">
-            <a:noAutofit/>
-          </a:bodyPr>
-          <a:lstStyle/>
-          <a:p>
-            <a:pPr marL="0" lvl="0" indent="0" algn="l" rtl="0">
-              <a:spcBef>
-                <a:spcPts val="0"/>
-              </a:spcBef>
-              <a:spcAft>
-                <a:spcPts val="0"/>
-              </a:spcAft>
-              <a:buNone/>
-            </a:pPr>
-            <a:endParaRPr dirty="0"/>
-          </a:p>
-        </p:txBody>
-      </p:sp>
-      <p:sp>
-        <p:nvSpPr>
-          <p:cNvPr id="41" name="Google Shape;41;p2:notes"/>
-          <p:cNvSpPr>
-            <a:spLocks noGrp="1" noRot="1" noChangeAspect="1"/>
-          </p:cNvSpPr>
-          <p:nvPr>
-            <p:ph type="sldImg" idx="2"/>
-          </p:nvPr>
-        </p:nvSpPr>
-        <p:spPr>
-          <a:xfrm>
-            <a:off x="685800" y="1143000"/>
-            <a:ext cx="5486400" cy="3086100"/>
-          </a:xfrm>
-          <a:custGeom>
-            <a:avLst/>
-            <a:gdLst/>
-            <a:ahLst/>
-            <a:cxnLst/>
-            <a:rect l="l" t="t" r="r" b="b"/>
-            <a:pathLst>
-              <a:path w="120000" h="120000" extrusionOk="0">
-                <a:moveTo>
-                  <a:pt x="0" y="0"/>
-                </a:moveTo>
-                <a:lnTo>
-                  <a:pt x="120000" y="0"/>
-                </a:lnTo>
-                <a:lnTo>
-                  <a:pt x="120000" y="120000"/>
-                </a:lnTo>
-                <a:lnTo>
-                  <a:pt x="0" y="120000"/>
-                </a:lnTo>
-                <a:close/>
-              </a:path>
-            </a:pathLst>
-          </a:custGeom>
-        </p:spPr>
-      </p:sp>
-    </p:spTree>
-  </p:cSld>
-  <p:clrMapOvr>
-    <a:masterClrMapping/>
-  </p:clrMapOvr>
-</p:notes>
-</file>
-
-<file path=ppt/notesSlides/notesSlide3.xml><?xml version="1.0" encoding="utf-8"?>
+<file path=ppt/notesSlides/notesSlide4.xml><?xml version="1.0" encoding="utf-8"?>
 <p:notes xmlns:a="http://schemas.openxmlformats.org/drawingml/2006/main" xmlns:r="http://schemas.openxmlformats.org/officeDocument/2006/relationships" xmlns:p="http://schemas.openxmlformats.org/presentationml/2006/main" showMasterSp="0" showMasterPhAnim="0">
   <p:cSld>
     <p:spTree>
@@ -3786,6 +7815,40 @@
               </a:spcAft>
               <a:buNone/>
             </a:pPr>
+            <a:r>
+              <a:rPr lang="en-US" dirty="0"/>
+              <a:t>First, we’ll discuss the general concept of privileges and permission</a:t>
+            </a:r>
+          </a:p>
+          <a:p>
+            <a:pPr marL="0" lvl="0" indent="0" algn="l" rtl="0">
+              <a:spcBef>
+                <a:spcPts val="0"/>
+              </a:spcBef>
+              <a:spcAft>
+                <a:spcPts val="0"/>
+              </a:spcAft>
+              <a:buNone/>
+            </a:pPr>
+            <a:r>
+              <a:rPr lang="en-US" dirty="0"/>
+              <a:t>The components of operating systems that rely on them for various functions</a:t>
+            </a:r>
+          </a:p>
+          <a:p>
+            <a:pPr marL="0" lvl="0" indent="0" algn="l" rtl="0">
+              <a:spcBef>
+                <a:spcPts val="0"/>
+              </a:spcBef>
+              <a:spcAft>
+                <a:spcPts val="0"/>
+              </a:spcAft>
+              <a:buNone/>
+            </a:pPr>
+            <a:r>
+              <a:rPr lang="en-US" dirty="0"/>
+              <a:t>And privilege configuration (management/monitoring) tools on Windows and Linux</a:t>
+            </a:r>
             <a:endParaRPr dirty="0"/>
           </a:p>
         </p:txBody>
@@ -3844,115 +7907,6 @@
 </p:notes>
 </file>
 
-<file path=ppt/notesSlides/notesSlide4.xml><?xml version="1.0" encoding="utf-8"?>
-<p:notes xmlns:a="http://schemas.openxmlformats.org/drawingml/2006/main" xmlns:r="http://schemas.openxmlformats.org/officeDocument/2006/relationships" xmlns:p="http://schemas.openxmlformats.org/presentationml/2006/main" showMasterSp="0" showMasterPhAnim="0">
-  <p:cSld>
-    <p:spTree>
-      <p:nvGrpSpPr>
-        <p:cNvPr id="1" name="Shape 31"/>
-        <p:cNvGrpSpPr/>
-        <p:nvPr/>
-      </p:nvGrpSpPr>
-      <p:grpSpPr>
-        <a:xfrm>
-          <a:off x="0" y="0"/>
-          <a:ext cx="0" cy="0"/>
-          <a:chOff x="0" y="0"/>
-          <a:chExt cx="0" cy="0"/>
-        </a:xfrm>
-      </p:grpSpPr>
-      <p:sp>
-        <p:nvSpPr>
-          <p:cNvPr id="32" name="Google Shape;32;p1:notes"/>
-          <p:cNvSpPr txBox="1">
-            <a:spLocks noGrp="1"/>
-          </p:cNvSpPr>
-          <p:nvPr>
-            <p:ph type="body" idx="1"/>
-          </p:nvPr>
-        </p:nvSpPr>
-        <p:spPr>
-          <a:xfrm>
-            <a:off x="685800" y="4400550"/>
-            <a:ext cx="5486400" cy="3600450"/>
-          </a:xfrm>
-          <a:prstGeom prst="rect">
-            <a:avLst/>
-          </a:prstGeom>
-        </p:spPr>
-        <p:txBody>
-          <a:bodyPr spcFirstLastPara="1" wrap="square" lIns="91425" tIns="45700" rIns="91425" bIns="45700" anchor="t" anchorCtr="0">
-            <a:noAutofit/>
-          </a:bodyPr>
-          <a:lstStyle/>
-          <a:p>
-            <a:pPr marL="0" lvl="0" indent="0" algn="l" rtl="0">
-              <a:spcBef>
-                <a:spcPts val="0"/>
-              </a:spcBef>
-              <a:spcAft>
-                <a:spcPts val="0"/>
-              </a:spcAft>
-              <a:buNone/>
-            </a:pPr>
-            <a:endParaRPr dirty="0"/>
-          </a:p>
-        </p:txBody>
-      </p:sp>
-      <p:sp>
-        <p:nvSpPr>
-          <p:cNvPr id="33" name="Google Shape;33;p1:notes"/>
-          <p:cNvSpPr>
-            <a:spLocks noGrp="1" noRot="1" noChangeAspect="1"/>
-          </p:cNvSpPr>
-          <p:nvPr>
-            <p:ph type="sldImg" idx="2"/>
-          </p:nvPr>
-        </p:nvSpPr>
-        <p:spPr>
-          <a:xfrm>
-            <a:off x="685800" y="1143000"/>
-            <a:ext cx="5486400" cy="3086100"/>
-          </a:xfrm>
-          <a:custGeom>
-            <a:avLst/>
-            <a:gdLst/>
-            <a:ahLst/>
-            <a:cxnLst/>
-            <a:rect l="l" t="t" r="r" b="b"/>
-            <a:pathLst>
-              <a:path w="120000" h="120000" extrusionOk="0">
-                <a:moveTo>
-                  <a:pt x="0" y="0"/>
-                </a:moveTo>
-                <a:lnTo>
-                  <a:pt x="120000" y="0"/>
-                </a:lnTo>
-                <a:lnTo>
-                  <a:pt x="120000" y="120000"/>
-                </a:lnTo>
-                <a:lnTo>
-                  <a:pt x="0" y="120000"/>
-                </a:lnTo>
-                <a:close/>
-              </a:path>
-            </a:pathLst>
-          </a:custGeom>
-        </p:spPr>
-      </p:sp>
-    </p:spTree>
-    <p:extLst>
-      <p:ext uri="{BB962C8B-B14F-4D97-AF65-F5344CB8AC3E}">
-        <p14:creationId xmlns:p14="http://schemas.microsoft.com/office/powerpoint/2010/main" val="1803221755"/>
-      </p:ext>
-    </p:extLst>
-  </p:cSld>
-  <p:clrMapOvr>
-    <a:masterClrMapping/>
-  </p:clrMapOvr>
-</p:notes>
-</file>
-
 <file path=ppt/notesSlides/notesSlide5.xml><?xml version="1.0" encoding="utf-8"?>
 <p:notes xmlns:a="http://schemas.openxmlformats.org/drawingml/2006/main" xmlns:r="http://schemas.openxmlformats.org/officeDocument/2006/relationships" xmlns:p="http://schemas.openxmlformats.org/presentationml/2006/main">
   <p:cSld>
@@ -3999,19 +7953,38 @@
           <a:p>
             <a:r>
               <a:rPr lang="en-US" dirty="0"/>
-              <a:t>Simple Security property. A subject with this property cannot read/access an object of a higher classification (i.e., no read up).</a:t>
-            </a:r>
-          </a:p>
-          <a:p>
-            <a:r>
-              <a:rPr lang="en-US" dirty="0"/>
-              <a:t>Star property. A subject with this property can only save an object at the same or higher classification (i.e., no write down).</a:t>
-            </a:r>
-          </a:p>
-          <a:p>
-            <a:r>
-              <a:rPr lang="en-US" dirty="0"/>
-              <a:t>Strong Star property. A subject with this property can only write to objects at the same security classification level as the subject (i.e., lateral write, no write down and no write up).</a:t>
+              <a:t>Put quite simply, a “privilege” is the ability of a user or </a:t>
+            </a:r>
+            <a:r>
+              <a:rPr lang="en-US" b="0" dirty="0"/>
+              <a:t>service to act on managed computer resources.</a:t>
+            </a:r>
+          </a:p>
+          <a:p>
+            <a:r>
+              <a:rPr lang="en-US" dirty="0"/>
+              <a:t>It can also be used interchangeably with the term permission, or in less common cases, “right”.</a:t>
+            </a:r>
+          </a:p>
+          <a:p>
+            <a:endParaRPr lang="en-US" dirty="0"/>
+          </a:p>
+          <a:p>
+            <a:r>
+              <a:rPr lang="en-US" dirty="0"/>
+              <a:t>Users, files, and processes are the foundational components of most operating systems.</a:t>
+            </a:r>
+          </a:p>
+          <a:p>
+            <a:r>
+              <a:rPr lang="en-US" dirty="0"/>
+              <a:t>These generally have standard privileges, including users owning files and launching processes.</a:t>
+            </a:r>
+          </a:p>
+          <a:p>
+            <a:r>
+              <a:rPr lang="en-US" dirty="0"/>
+              <a:t>These processes, in turn, use the files that users own.</a:t>
             </a:r>
           </a:p>
         </p:txBody>
@@ -4050,7 +8023,7 @@
                 <a:cs typeface="Calibri"/>
                 <a:sym typeface="Calibri"/>
               </a:rPr>
-              <a:t>12</a:t>
+              <a:t>5</a:t>
             </a:fld>
             <a:endParaRPr lang="en-US" sz="1200" b="0" i="0" u="none" strike="noStrike" cap="none" dirty="0">
               <a:solidFill>
@@ -4067,7 +8040,7 @@
     </p:spTree>
     <p:extLst>
       <p:ext uri="{BB962C8B-B14F-4D97-AF65-F5344CB8AC3E}">
-        <p14:creationId xmlns:p14="http://schemas.microsoft.com/office/powerpoint/2010/main" val="3076929109"/>
+        <p14:creationId xmlns:p14="http://schemas.microsoft.com/office/powerpoint/2010/main" val="2263581713"/>
       </p:ext>
     </p:extLst>
   </p:cSld>
@@ -4123,19 +8096,64 @@
           <a:p>
             <a:r>
               <a:rPr lang="en-US" dirty="0"/>
-              <a:t>Simple Integrity property. A subject with this property cannot read or observe an object of lower integrity (i.e., no read down).</a:t>
-            </a:r>
-          </a:p>
-          <a:p>
-            <a:r>
-              <a:rPr lang="en-US" dirty="0"/>
-              <a:t>Star property. A subject with this property cannot modify an object of higher integrity (i.e., no write up).</a:t>
-            </a:r>
-          </a:p>
-          <a:p>
-            <a:r>
-              <a:rPr lang="en-US" dirty="0"/>
-              <a:t>Invocation property. A subject with a lower integrity level cannot request access to a higher integrity level object, only to objects at an equal or lower integrity level.</a:t>
+              <a:t>However, this simple model can quickly get very, very nuanced.</a:t>
+            </a:r>
+          </a:p>
+          <a:p>
+            <a:r>
+              <a:rPr lang="en-US" dirty="0"/>
+              <a:t>And the exact implementation of privilege will vary by operating system, version, distro, configuration, or deployment.</a:t>
+            </a:r>
+          </a:p>
+          <a:p>
+            <a:endParaRPr lang="en-US" dirty="0"/>
+          </a:p>
+          <a:p>
+            <a:r>
+              <a:rPr lang="en-US" dirty="0"/>
+              <a:t>For example, users, while they </a:t>
+            </a:r>
+            <a:r>
+              <a:rPr lang="en-US" i="1" dirty="0"/>
+              <a:t>do</a:t>
+            </a:r>
+            <a:r>
+              <a:rPr lang="en-US" dirty="0"/>
+              <a:t> own files, they also:</a:t>
+            </a:r>
+          </a:p>
+          <a:p>
+            <a:endParaRPr lang="en-US" dirty="0"/>
+          </a:p>
+          <a:p>
+            <a:r>
+              <a:rPr lang="en-US" dirty="0"/>
+              <a:t>In another case, processes </a:t>
+            </a:r>
+            <a:r>
+              <a:rPr lang="en-US" i="1" dirty="0"/>
+              <a:t>are</a:t>
+            </a:r>
+            <a:r>
+              <a:rPr lang="en-US" dirty="0"/>
+              <a:t> launched by users and will typically run with the permissions of the user who launched them, but:</a:t>
+            </a:r>
+          </a:p>
+          <a:p>
+            <a:endParaRPr lang="en-US" dirty="0"/>
+          </a:p>
+          <a:p>
+            <a:r>
+              <a:rPr lang="en-US" dirty="0"/>
+              <a:t>Finally, files </a:t>
+            </a:r>
+            <a:r>
+              <a:rPr lang="en-US" i="1" dirty="0"/>
+              <a:t>are </a:t>
+            </a:r>
+            <a:r>
+              <a:rPr lang="en-US" dirty="0"/>
+              <a:t>owned by users and used by processes, but exactly how will depend on:</a:t>
             </a:r>
           </a:p>
         </p:txBody>
@@ -4174,7 +8192,7 @@
                 <a:cs typeface="Calibri"/>
                 <a:sym typeface="Calibri"/>
               </a:rPr>
-              <a:t>13</a:t>
+              <a:t>6</a:t>
             </a:fld>
             <a:endParaRPr lang="en-US" sz="1200" b="0" i="0" u="none" strike="noStrike" cap="none" dirty="0">
               <a:solidFill>
@@ -4191,7 +8209,7 @@
     </p:spTree>
     <p:extLst>
       <p:ext uri="{BB962C8B-B14F-4D97-AF65-F5344CB8AC3E}">
-        <p14:creationId xmlns:p14="http://schemas.microsoft.com/office/powerpoint/2010/main" val="1210424055"/>
+        <p14:creationId xmlns:p14="http://schemas.microsoft.com/office/powerpoint/2010/main" val="3571631773"/>
       </p:ext>
     </p:extLst>
   </p:cSld>
@@ -4202,11 +8220,11 @@
 </file>
 
 <file path=ppt/notesSlides/notesSlide7.xml><?xml version="1.0" encoding="utf-8"?>
-<p:notes xmlns:a="http://schemas.openxmlformats.org/drawingml/2006/main" xmlns:r="http://schemas.openxmlformats.org/officeDocument/2006/relationships" xmlns:p="http://schemas.openxmlformats.org/presentationml/2006/main" showMasterSp="0" showMasterPhAnim="0">
+<p:notes xmlns:a="http://schemas.openxmlformats.org/drawingml/2006/main" xmlns:r="http://schemas.openxmlformats.org/officeDocument/2006/relationships" xmlns:p="http://schemas.openxmlformats.org/presentationml/2006/main">
   <p:cSld>
     <p:spTree>
       <p:nvGrpSpPr>
-        <p:cNvPr id="1" name="Shape 31"/>
+        <p:cNvPr id="1" name=""/>
         <p:cNvGrpSpPr/>
         <p:nvPr/>
       </p:nvGrpSpPr>
@@ -4220,87 +8238,108 @@
       </p:grpSpPr>
       <p:sp>
         <p:nvSpPr>
-          <p:cNvPr id="32" name="Google Shape;32;p1:notes"/>
-          <p:cNvSpPr txBox="1">
+          <p:cNvPr id="2" name="Slide Image Placeholder 1"/>
+          <p:cNvSpPr>
+            <a:spLocks noGrp="1" noRot="1" noChangeAspect="1"/>
+          </p:cNvSpPr>
+          <p:nvPr>
+            <p:ph type="sldImg"/>
+          </p:nvPr>
+        </p:nvSpPr>
+        <p:spPr/>
+      </p:sp>
+      <p:sp>
+        <p:nvSpPr>
+          <p:cNvPr id="3" name="Notes Placeholder 2"/>
+          <p:cNvSpPr>
             <a:spLocks noGrp="1"/>
           </p:cNvSpPr>
           <p:nvPr>
             <p:ph type="body" idx="1"/>
           </p:nvPr>
         </p:nvSpPr>
-        <p:spPr>
-          <a:xfrm>
-            <a:off x="685800" y="4400550"/>
-            <a:ext cx="5486400" cy="3600450"/>
-          </a:xfrm>
-          <a:prstGeom prst="rect">
-            <a:avLst/>
-          </a:prstGeom>
-        </p:spPr>
+        <p:spPr/>
         <p:txBody>
-          <a:bodyPr spcFirstLastPara="1" wrap="square" lIns="91425" tIns="45700" rIns="91425" bIns="45700" anchor="t" anchorCtr="0">
-            <a:noAutofit/>
-          </a:bodyPr>
+          <a:bodyPr/>
           <a:lstStyle/>
           <a:p>
-            <a:pPr marL="0" lvl="0" indent="0" algn="l" rtl="0">
-              <a:spcBef>
-                <a:spcPts val="0"/>
-              </a:spcBef>
-              <a:spcAft>
-                <a:spcPts val="0"/>
-              </a:spcAft>
-              <a:buNone/>
-            </a:pPr>
-            <a:endParaRPr dirty="0"/>
+            <a:r>
+              <a:rPr lang="en-US" dirty="0"/>
+              <a:t>The Principle of Least Privilege includes:</a:t>
+            </a:r>
+          </a:p>
+          <a:p>
+            <a:endParaRPr lang="en-US" dirty="0"/>
+          </a:p>
+          <a:p>
+            <a:r>
+              <a:rPr lang="en-US" dirty="0"/>
+              <a:t>These actions…</a:t>
+            </a:r>
+          </a:p>
+          <a:p>
+            <a:endParaRPr lang="en-US" dirty="0"/>
+          </a:p>
+          <a:p>
+            <a:r>
+              <a:rPr lang="en-US" dirty="0"/>
+              <a:t>The most obvious example of a least privilege implementation is when operating systems…</a:t>
+            </a:r>
           </a:p>
         </p:txBody>
       </p:sp>
       <p:sp>
         <p:nvSpPr>
-          <p:cNvPr id="33" name="Google Shape;33;p1:notes"/>
+          <p:cNvPr id="4" name="Slide Number Placeholder 3"/>
           <p:cNvSpPr>
-            <a:spLocks noGrp="1" noRot="1" noChangeAspect="1"/>
+            <a:spLocks noGrp="1"/>
           </p:cNvSpPr>
           <p:nvPr>
-            <p:ph type="sldImg" idx="2"/>
+            <p:ph type="sldNum" idx="12"/>
           </p:nvPr>
         </p:nvSpPr>
-        <p:spPr>
-          <a:xfrm>
-            <a:off x="685800" y="1143000"/>
-            <a:ext cx="5486400" cy="3086100"/>
-          </a:xfrm>
-          <a:custGeom>
-            <a:avLst/>
-            <a:gdLst/>
-            <a:ahLst/>
-            <a:cxnLst/>
-            <a:rect l="l" t="t" r="r" b="b"/>
-            <a:pathLst>
-              <a:path w="120000" h="120000" extrusionOk="0">
-                <a:moveTo>
-                  <a:pt x="0" y="0"/>
-                </a:moveTo>
-                <a:lnTo>
-                  <a:pt x="120000" y="0"/>
-                </a:lnTo>
-                <a:lnTo>
-                  <a:pt x="120000" y="120000"/>
-                </a:lnTo>
-                <a:lnTo>
-                  <a:pt x="0" y="120000"/>
-                </a:lnTo>
-                <a:close/>
-              </a:path>
-            </a:pathLst>
-          </a:custGeom>
-        </p:spPr>
+        <p:spPr/>
+        <p:txBody>
+          <a:bodyPr/>
+          <a:lstStyle/>
+          <a:p>
+            <a:pPr marL="0" marR="0" lvl="0" indent="0" algn="r" rtl="0">
+              <a:spcBef>
+                <a:spcPts val="0"/>
+              </a:spcBef>
+              <a:spcAft>
+                <a:spcPts val="0"/>
+              </a:spcAft>
+              <a:buNone/>
+            </a:pPr>
+            <a:fld id="{00000000-1234-1234-1234-123412341234}" type="slidenum">
+              <a:rPr lang="en-US" sz="1200" b="0" i="0" u="none" strike="noStrike" cap="none" smtClean="0">
+                <a:solidFill>
+                  <a:schemeClr val="dk1"/>
+                </a:solidFill>
+                <a:latin typeface="Calibri"/>
+                <a:ea typeface="Calibri"/>
+                <a:cs typeface="Calibri"/>
+                <a:sym typeface="Calibri"/>
+              </a:rPr>
+              <a:t>7</a:t>
+            </a:fld>
+            <a:endParaRPr lang="en-US" sz="1200" b="0" i="0" u="none" strike="noStrike" cap="none" dirty="0">
+              <a:solidFill>
+                <a:schemeClr val="dk1"/>
+              </a:solidFill>
+              <a:latin typeface="Calibri"/>
+              <a:ea typeface="Calibri"/>
+              <a:cs typeface="Calibri"/>
+              <a:sym typeface="Calibri"/>
+            </a:endParaRPr>
+          </a:p>
+        </p:txBody>
       </p:sp>
     </p:spTree>
     <p:extLst>
       <p:ext uri="{BB962C8B-B14F-4D97-AF65-F5344CB8AC3E}">
-        <p14:creationId xmlns:p14="http://schemas.microsoft.com/office/powerpoint/2010/main" val="341518721"/>
+        <p14:creationId xmlns:p14="http://schemas.microsoft.com/office/powerpoint/2010/main" val="3727205075"/>
       </p:ext>
     </p:extLst>
   </p:cSld>
@@ -4311,11 +8350,11 @@
 </file>
 
 <file path=ppt/notesSlides/notesSlide8.xml><?xml version="1.0" encoding="utf-8"?>
-<p:notes xmlns:a="http://schemas.openxmlformats.org/drawingml/2006/main" xmlns:r="http://schemas.openxmlformats.org/officeDocument/2006/relationships" xmlns:p="http://schemas.openxmlformats.org/presentationml/2006/main" showMasterSp="0" showMasterPhAnim="0">
+<p:notes xmlns:a="http://schemas.openxmlformats.org/drawingml/2006/main" xmlns:r="http://schemas.openxmlformats.org/officeDocument/2006/relationships" xmlns:p="http://schemas.openxmlformats.org/presentationml/2006/main">
   <p:cSld>
     <p:spTree>
       <p:nvGrpSpPr>
-        <p:cNvPr id="1" name="Shape 31"/>
+        <p:cNvPr id="1" name=""/>
         <p:cNvGrpSpPr/>
         <p:nvPr/>
       </p:nvGrpSpPr>
@@ -4329,87 +8368,99 @@
       </p:grpSpPr>
       <p:sp>
         <p:nvSpPr>
-          <p:cNvPr id="32" name="Google Shape;32;p1:notes"/>
-          <p:cNvSpPr txBox="1">
+          <p:cNvPr id="2" name="Slide Image Placeholder 1"/>
+          <p:cNvSpPr>
+            <a:spLocks noGrp="1" noRot="1" noChangeAspect="1"/>
+          </p:cNvSpPr>
+          <p:nvPr>
+            <p:ph type="sldImg"/>
+          </p:nvPr>
+        </p:nvSpPr>
+        <p:spPr/>
+      </p:sp>
+      <p:sp>
+        <p:nvSpPr>
+          <p:cNvPr id="3" name="Notes Placeholder 2"/>
+          <p:cNvSpPr>
             <a:spLocks noGrp="1"/>
           </p:cNvSpPr>
           <p:nvPr>
             <p:ph type="body" idx="1"/>
           </p:nvPr>
         </p:nvSpPr>
-        <p:spPr>
-          <a:xfrm>
-            <a:off x="685800" y="4400550"/>
-            <a:ext cx="5486400" cy="3600450"/>
-          </a:xfrm>
-          <a:prstGeom prst="rect">
-            <a:avLst/>
-          </a:prstGeom>
-        </p:spPr>
+        <p:spPr/>
         <p:txBody>
-          <a:bodyPr spcFirstLastPara="1" wrap="square" lIns="91425" tIns="45700" rIns="91425" bIns="45700" anchor="t" anchorCtr="0">
-            <a:noAutofit/>
-          </a:bodyPr>
+          <a:bodyPr/>
           <a:lstStyle/>
           <a:p>
-            <a:pPr marL="0" lvl="0" indent="0" algn="l" rtl="0">
-              <a:spcBef>
-                <a:spcPts val="0"/>
-              </a:spcBef>
-              <a:spcAft>
-                <a:spcPts val="0"/>
-              </a:spcAft>
-              <a:buNone/>
-            </a:pPr>
-            <a:endParaRPr dirty="0"/>
+            <a:r>
+              <a:rPr lang="en-US" dirty="0"/>
+              <a:t>There are quite a few GUI and command-line tools in Windows used for privilege configuration, management, or monitoring:</a:t>
+            </a:r>
+          </a:p>
+          <a:p>
+            <a:endParaRPr lang="en-US" dirty="0"/>
+          </a:p>
+          <a:p>
+            <a:r>
+              <a:rPr lang="en-US" dirty="0"/>
+              <a:t>_____ configuration is usually done through:</a:t>
+            </a:r>
           </a:p>
         </p:txBody>
       </p:sp>
       <p:sp>
         <p:nvSpPr>
-          <p:cNvPr id="33" name="Google Shape;33;p1:notes"/>
+          <p:cNvPr id="4" name="Slide Number Placeholder 3"/>
           <p:cNvSpPr>
-            <a:spLocks noGrp="1" noRot="1" noChangeAspect="1"/>
+            <a:spLocks noGrp="1"/>
           </p:cNvSpPr>
           <p:nvPr>
-            <p:ph type="sldImg" idx="2"/>
+            <p:ph type="sldNum" idx="12"/>
           </p:nvPr>
         </p:nvSpPr>
-        <p:spPr>
-          <a:xfrm>
-            <a:off x="685800" y="1143000"/>
-            <a:ext cx="5486400" cy="3086100"/>
-          </a:xfrm>
-          <a:custGeom>
-            <a:avLst/>
-            <a:gdLst/>
-            <a:ahLst/>
-            <a:cxnLst/>
-            <a:rect l="l" t="t" r="r" b="b"/>
-            <a:pathLst>
-              <a:path w="120000" h="120000" extrusionOk="0">
-                <a:moveTo>
-                  <a:pt x="0" y="0"/>
-                </a:moveTo>
-                <a:lnTo>
-                  <a:pt x="120000" y="0"/>
-                </a:lnTo>
-                <a:lnTo>
-                  <a:pt x="120000" y="120000"/>
-                </a:lnTo>
-                <a:lnTo>
-                  <a:pt x="0" y="120000"/>
-                </a:lnTo>
-                <a:close/>
-              </a:path>
-            </a:pathLst>
-          </a:custGeom>
-        </p:spPr>
+        <p:spPr/>
+        <p:txBody>
+          <a:bodyPr/>
+          <a:lstStyle/>
+          <a:p>
+            <a:pPr marL="0" marR="0" lvl="0" indent="0" algn="r" rtl="0">
+              <a:spcBef>
+                <a:spcPts val="0"/>
+              </a:spcBef>
+              <a:spcAft>
+                <a:spcPts val="0"/>
+              </a:spcAft>
+              <a:buNone/>
+            </a:pPr>
+            <a:fld id="{00000000-1234-1234-1234-123412341234}" type="slidenum">
+              <a:rPr lang="en-US" sz="1200" b="0" i="0" u="none" strike="noStrike" cap="none" smtClean="0">
+                <a:solidFill>
+                  <a:schemeClr val="dk1"/>
+                </a:solidFill>
+                <a:latin typeface="Calibri"/>
+                <a:ea typeface="Calibri"/>
+                <a:cs typeface="Calibri"/>
+                <a:sym typeface="Calibri"/>
+              </a:rPr>
+              <a:t>8</a:t>
+            </a:fld>
+            <a:endParaRPr lang="en-US" sz="1200" b="0" i="0" u="none" strike="noStrike" cap="none" dirty="0">
+              <a:solidFill>
+                <a:schemeClr val="dk1"/>
+              </a:solidFill>
+              <a:latin typeface="Calibri"/>
+              <a:ea typeface="Calibri"/>
+              <a:cs typeface="Calibri"/>
+              <a:sym typeface="Calibri"/>
+            </a:endParaRPr>
+          </a:p>
+        </p:txBody>
       </p:sp>
     </p:spTree>
     <p:extLst>
       <p:ext uri="{BB962C8B-B14F-4D97-AF65-F5344CB8AC3E}">
-        <p14:creationId xmlns:p14="http://schemas.microsoft.com/office/powerpoint/2010/main" val="1703984895"/>
+        <p14:creationId xmlns:p14="http://schemas.microsoft.com/office/powerpoint/2010/main" val="2012114149"/>
       </p:ext>
     </p:extLst>
   </p:cSld>
@@ -4463,7 +8514,38 @@
           <a:bodyPr/>
           <a:lstStyle/>
           <a:p>
+            <a:r>
+              <a:rPr lang="en-US" dirty="0"/>
+              <a:t>In contract to Windows, the privilege configuration, management, and monitoring tools for Linux are usually file or command-line based.</a:t>
+            </a:r>
+          </a:p>
+          <a:p>
             <a:endParaRPr lang="en-US" dirty="0"/>
+          </a:p>
+          <a:p>
+            <a:pPr marL="457200" marR="0" lvl="0" indent="-228600" algn="l" defTabSz="914400" rtl="0" eaLnBrk="1" fontAlgn="auto" latinLnBrk="0" hangingPunct="1">
+              <a:lnSpc>
+                <a:spcPct val="100000"/>
+              </a:lnSpc>
+              <a:spcBef>
+                <a:spcPts val="0"/>
+              </a:spcBef>
+              <a:spcAft>
+                <a:spcPts val="0"/>
+              </a:spcAft>
+              <a:buClr>
+                <a:srgbClr val="000000"/>
+              </a:buClr>
+              <a:buSzPts val="1400"/>
+              <a:buFont typeface="Arial"/>
+              <a:buNone/>
+              <a:tabLst/>
+              <a:defRPr/>
+            </a:pPr>
+            <a:r>
+              <a:rPr lang="en-US" dirty="0"/>
+              <a:t>_____ configuration is usually done through:</a:t>
+            </a:r>
           </a:p>
         </p:txBody>
       </p:sp>
@@ -4501,7 +8583,7 @@
                 <a:cs typeface="Calibri"/>
                 <a:sym typeface="Calibri"/>
               </a:rPr>
-              <a:t>25</a:t>
+              <a:t>9</a:t>
             </a:fld>
             <a:endParaRPr lang="en-US" sz="1200" b="0" i="0" u="none" strike="noStrike" cap="none" dirty="0">
               <a:solidFill>
@@ -4518,7 +8600,7 @@
     </p:spTree>
     <p:extLst>
       <p:ext uri="{BB962C8B-B14F-4D97-AF65-F5344CB8AC3E}">
-        <p14:creationId xmlns:p14="http://schemas.microsoft.com/office/powerpoint/2010/main" val="2607351075"/>
+        <p14:creationId xmlns:p14="http://schemas.microsoft.com/office/powerpoint/2010/main" val="3949608449"/>
       </p:ext>
     </p:extLst>
   </p:cSld>
@@ -8581,7 +12663,7 @@
                 <a:ea typeface="Calibri" panose="020F0502020204030204" pitchFamily="34" charset="0"/>
                 <a:cs typeface="Calibri" panose="020F0502020204030204" pitchFamily="34" charset="0"/>
               </a:rPr>
-              <a:t>multi-layered security </a:t>
+              <a:t>multilevel security </a:t>
             </a:r>
             <a:r>
               <a:rPr lang="en-US" dirty="0">
@@ -10044,14 +14126,14 @@
           <p:nvPr>
             <p:extLst>
               <p:ext uri="{D42A27DB-BD31-4B8C-83A1-F6EECF244321}">
-                <p14:modId xmlns:p14="http://schemas.microsoft.com/office/powerpoint/2010/main" val="3633883174"/>
+                <p14:modId xmlns:p14="http://schemas.microsoft.com/office/powerpoint/2010/main" val="3559889750"/>
               </p:ext>
             </p:extLst>
           </p:nvPr>
         </p:nvGraphicFramePr>
         <p:xfrm>
           <a:off x="6543413" y="1906694"/>
-          <a:ext cx="5082330" cy="4114800"/>
+          <a:ext cx="5082330" cy="4328160"/>
         </p:xfrm>
         <a:graphic>
           <a:graphicData uri="http://schemas.openxmlformats.org/drawingml/2006/table">
@@ -10158,7 +14240,7 @@
                     <a:bodyPr/>
                     <a:lstStyle/>
                     <a:p>
-                      <a:pPr marL="0" marR="0" lvl="0" indent="0" algn="l" defTabSz="914400" rtl="0" eaLnBrk="1" fontAlgn="auto" latinLnBrk="0" hangingPunct="1">
+                      <a:pPr marL="285750" marR="0" lvl="0" indent="-285750" algn="l" defTabSz="914400" rtl="0" eaLnBrk="1" fontAlgn="auto" latinLnBrk="0" hangingPunct="1">
                         <a:lnSpc>
                           <a:spcPct val="100000"/>
                         </a:lnSpc>
@@ -10172,8 +14254,8 @@
                           <a:srgbClr val="000000"/>
                         </a:buClr>
                         <a:buSzTx/>
-                        <a:buFont typeface="Arial"/>
-                        <a:buNone/>
+                        <a:buFont typeface="Arial" panose="020B0604020202020204" pitchFamily="34" charset="0"/>
+                        <a:buChar char="•"/>
                         <a:tabLst/>
                         <a:defRPr/>
                       </a:pPr>
@@ -10190,13 +14272,27 @@
                         </a:rPr>
                         <a:t>Must separate duties between certification and enforcement</a:t>
                       </a:r>
-                      <a:br>
-                        <a:rPr lang="en-US" dirty="0">
-                          <a:latin typeface="Calibri" panose="020F0502020204030204" pitchFamily="34" charset="0"/>
-                          <a:ea typeface="Calibri" panose="020F0502020204030204" pitchFamily="34" charset="0"/>
-                          <a:cs typeface="Calibri" panose="020F0502020204030204" pitchFamily="34" charset="0"/>
-                        </a:rPr>
-                      </a:br>
+                    </a:p>
+                    <a:p>
+                      <a:pPr marL="285750" marR="0" lvl="0" indent="-285750" algn="l" defTabSz="914400" rtl="0" eaLnBrk="1" fontAlgn="auto" latinLnBrk="0" hangingPunct="1">
+                        <a:lnSpc>
+                          <a:spcPct val="100000"/>
+                        </a:lnSpc>
+                        <a:spcBef>
+                          <a:spcPts val="0"/>
+                        </a:spcBef>
+                        <a:spcAft>
+                          <a:spcPts val="0"/>
+                        </a:spcAft>
+                        <a:buClr>
+                          <a:srgbClr val="000000"/>
+                        </a:buClr>
+                        <a:buSzTx/>
+                        <a:buFont typeface="Arial" panose="020B0604020202020204" pitchFamily="34" charset="0"/>
+                        <a:buChar char="•"/>
+                        <a:tabLst/>
+                        <a:defRPr/>
+                      </a:pPr>
                       <a:r>
                         <a:rPr lang="en-US" sz="1400" b="0" i="0" u="none" strike="noStrike" cap="none" dirty="0">
                           <a:solidFill>
@@ -10210,13 +14306,27 @@
                         </a:rPr>
                         <a:t>When verification is executed, it guarantees all data are valid</a:t>
                       </a:r>
-                      <a:br>
-                        <a:rPr lang="en-US" dirty="0">
-                          <a:latin typeface="Calibri" panose="020F0502020204030204" pitchFamily="34" charset="0"/>
-                          <a:ea typeface="Calibri" panose="020F0502020204030204" pitchFamily="34" charset="0"/>
-                          <a:cs typeface="Calibri" panose="020F0502020204030204" pitchFamily="34" charset="0"/>
-                        </a:rPr>
-                      </a:br>
+                    </a:p>
+                    <a:p>
+                      <a:pPr marL="285750" marR="0" lvl="0" indent="-285750" algn="l" defTabSz="914400" rtl="0" eaLnBrk="1" fontAlgn="auto" latinLnBrk="0" hangingPunct="1">
+                        <a:lnSpc>
+                          <a:spcPct val="100000"/>
+                        </a:lnSpc>
+                        <a:spcBef>
+                          <a:spcPts val="0"/>
+                        </a:spcBef>
+                        <a:spcAft>
+                          <a:spcPts val="0"/>
+                        </a:spcAft>
+                        <a:buClr>
+                          <a:srgbClr val="000000"/>
+                        </a:buClr>
+                        <a:buSzTx/>
+                        <a:buFont typeface="Arial" panose="020B0604020202020204" pitchFamily="34" charset="0"/>
+                        <a:buChar char="•"/>
+                        <a:tabLst/>
+                        <a:defRPr/>
+                      </a:pPr>
                       <a:r>
                         <a:rPr lang="en-US" sz="1400" b="0" i="0" u="none" strike="noStrike" cap="none" dirty="0">
                           <a:solidFill>
@@ -10230,13 +14340,27 @@
                         </a:rPr>
                         <a:t>For some data, a transformation must produce valid data</a:t>
                       </a:r>
-                      <a:br>
-                        <a:rPr lang="en-US" dirty="0">
-                          <a:latin typeface="Calibri" panose="020F0502020204030204" pitchFamily="34" charset="0"/>
-                          <a:ea typeface="Calibri" panose="020F0502020204030204" pitchFamily="34" charset="0"/>
-                          <a:cs typeface="Calibri" panose="020F0502020204030204" pitchFamily="34" charset="0"/>
-                        </a:rPr>
-                      </a:br>
+                    </a:p>
+                    <a:p>
+                      <a:pPr marL="285750" marR="0" lvl="0" indent="-285750" algn="l" defTabSz="914400" rtl="0" eaLnBrk="1" fontAlgn="auto" latinLnBrk="0" hangingPunct="1">
+                        <a:lnSpc>
+                          <a:spcPct val="100000"/>
+                        </a:lnSpc>
+                        <a:spcBef>
+                          <a:spcPts val="0"/>
+                        </a:spcBef>
+                        <a:spcAft>
+                          <a:spcPts val="0"/>
+                        </a:spcAft>
+                        <a:buClr>
+                          <a:srgbClr val="000000"/>
+                        </a:buClr>
+                        <a:buSzTx/>
+                        <a:buFont typeface="Arial" panose="020B0604020202020204" pitchFamily="34" charset="0"/>
+                        <a:buChar char="•"/>
+                        <a:tabLst/>
+                        <a:defRPr/>
+                      </a:pPr>
                       <a:r>
                         <a:rPr lang="en-US" sz="1400" b="0" i="0" u="none" strike="noStrike" cap="none" dirty="0">
                           <a:solidFill>
@@ -10250,13 +14374,27 @@
                         </a:rPr>
                         <a:t>For all unverified data, a transformation must produce verified data or reject</a:t>
                       </a:r>
-                      <a:br>
-                        <a:rPr lang="en-US" dirty="0">
-                          <a:latin typeface="Calibri" panose="020F0502020204030204" pitchFamily="34" charset="0"/>
-                          <a:ea typeface="Calibri" panose="020F0502020204030204" pitchFamily="34" charset="0"/>
-                          <a:cs typeface="Calibri" panose="020F0502020204030204" pitchFamily="34" charset="0"/>
-                        </a:rPr>
-                      </a:br>
+                    </a:p>
+                    <a:p>
+                      <a:pPr marL="285750" marR="0" lvl="0" indent="-285750" algn="l" defTabSz="914400" rtl="0" eaLnBrk="1" fontAlgn="auto" latinLnBrk="0" hangingPunct="1">
+                        <a:lnSpc>
+                          <a:spcPct val="100000"/>
+                        </a:lnSpc>
+                        <a:spcBef>
+                          <a:spcPts val="0"/>
+                        </a:spcBef>
+                        <a:spcAft>
+                          <a:spcPts val="0"/>
+                        </a:spcAft>
+                        <a:buClr>
+                          <a:srgbClr val="000000"/>
+                        </a:buClr>
+                        <a:buSzTx/>
+                        <a:buFont typeface="Arial" panose="020B0604020202020204" pitchFamily="34" charset="0"/>
+                        <a:buChar char="•"/>
+                        <a:tabLst/>
+                        <a:defRPr/>
+                      </a:pPr>
                       <a:r>
                         <a:rPr lang="en-US" sz="1400" b="0" i="0" u="none" strike="noStrike" cap="none" dirty="0">
                           <a:solidFill>
@@ -10322,7 +14460,10 @@
                     <a:bodyPr/>
                     <a:lstStyle/>
                     <a:p>
-                      <a:pPr rtl="0"/>
+                      <a:pPr marL="285750" indent="-285750" rtl="0">
+                        <a:buFont typeface="Arial" panose="020B0604020202020204" pitchFamily="34" charset="0"/>
+                        <a:buChar char="•"/>
+                      </a:pPr>
                       <a:r>
                         <a:rPr lang="en-US" sz="1400" b="0" i="0" u="none" strike="noStrike" cap="none" dirty="0">
                           <a:solidFill>
@@ -10336,14 +14477,12 @@
                         </a:rPr>
                         <a:t>Must maintain list of triples and ensure only certified transformations are run.</a:t>
                       </a:r>
-                      <a:br>
-                        <a:rPr lang="en-US" dirty="0">
-                          <a:effectLst/>
-                          <a:latin typeface="Calibri" panose="020F0502020204030204" pitchFamily="34" charset="0"/>
-                          <a:ea typeface="Calibri" panose="020F0502020204030204" pitchFamily="34" charset="0"/>
-                          <a:cs typeface="Calibri" panose="020F0502020204030204" pitchFamily="34" charset="0"/>
-                        </a:rPr>
-                      </a:br>
+                    </a:p>
+                    <a:p>
+                      <a:pPr marL="285750" indent="-285750" rtl="0">
+                        <a:buFont typeface="Arial" panose="020B0604020202020204" pitchFamily="34" charset="0"/>
+                        <a:buChar char="•"/>
+                      </a:pPr>
                       <a:r>
                         <a:rPr lang="en-US" sz="1400" b="0" i="0" u="none" strike="noStrike" cap="none" dirty="0">
                           <a:solidFill>
@@ -10357,14 +14496,12 @@
                         </a:rPr>
                         <a:t>Must authenticate users.</a:t>
                       </a:r>
-                      <a:br>
-                        <a:rPr lang="en-US" dirty="0">
-                          <a:effectLst/>
-                          <a:latin typeface="Calibri" panose="020F0502020204030204" pitchFamily="34" charset="0"/>
-                          <a:ea typeface="Calibri" panose="020F0502020204030204" pitchFamily="34" charset="0"/>
-                          <a:cs typeface="Calibri" panose="020F0502020204030204" pitchFamily="34" charset="0"/>
-                        </a:rPr>
-                      </a:br>
+                    </a:p>
+                    <a:p>
+                      <a:pPr marL="285750" indent="-285750" rtl="0">
+                        <a:buFont typeface="Arial" panose="020B0604020202020204" pitchFamily="34" charset="0"/>
+                        <a:buChar char="•"/>
+                      </a:pPr>
                       <a:r>
                         <a:rPr lang="en-US" sz="1400" b="0" i="0" u="none" strike="noStrike" cap="none" dirty="0">
                           <a:solidFill>
@@ -10378,14 +14515,12 @@
                         </a:rPr>
                         <a:t>Verify that authenticated users are authorized to run a transformation on a data.</a:t>
                       </a:r>
-                      <a:br>
-                        <a:rPr lang="en-US" dirty="0">
-                          <a:effectLst/>
-                          <a:latin typeface="Calibri" panose="020F0502020204030204" pitchFamily="34" charset="0"/>
-                          <a:ea typeface="Calibri" panose="020F0502020204030204" pitchFamily="34" charset="0"/>
-                          <a:cs typeface="Calibri" panose="020F0502020204030204" pitchFamily="34" charset="0"/>
-                        </a:rPr>
-                      </a:br>
+                    </a:p>
+                    <a:p>
+                      <a:pPr marL="285750" indent="-285750" rtl="0">
+                        <a:buFont typeface="Arial" panose="020B0604020202020204" pitchFamily="34" charset="0"/>
+                        <a:buChar char="•"/>
+                      </a:pPr>
                       <a:r>
                         <a:rPr lang="en-US" sz="1400" b="0" i="0" u="none" strike="noStrike" cap="none" dirty="0">
                           <a:solidFill>
@@ -10869,7 +15004,7 @@
             </a:pPr>
             <a:r>
               <a:rPr lang="en-US" dirty="0"/>
-              <a:t>Bridge the gap in abstraction between policy and mechanism</a:t>
+              <a:t>Bridge the gap in abstraction between policy and mechanism through duties</a:t>
             </a:r>
           </a:p>
           <a:p>
@@ -11011,7 +15146,7 @@
           <p:nvPr>
             <p:extLst>
               <p:ext uri="{D42A27DB-BD31-4B8C-83A1-F6EECF244321}">
-                <p14:modId xmlns:p14="http://schemas.microsoft.com/office/powerpoint/2010/main" val="4284549813"/>
+                <p14:modId xmlns:p14="http://schemas.microsoft.com/office/powerpoint/2010/main" val="1916538665"/>
               </p:ext>
             </p:extLst>
           </p:nvPr>
@@ -11144,7 +15279,7 @@
                           <a:ea typeface="Calibri" panose="020F0502020204030204" pitchFamily="34" charset="0"/>
                           <a:cs typeface="Calibri" panose="020F0502020204030204" pitchFamily="34" charset="0"/>
                         </a:rPr>
-                        <a:t>Read, write to or modify, create, delete and load for execution</a:t>
+                        <a:t>Read, write to or modify, create, delete and execute</a:t>
                       </a:r>
                     </a:p>
                     <a:p>
@@ -11564,7 +15699,7 @@
           <p:nvPr/>
         </p:nvPicPr>
         <p:blipFill rotWithShape="1">
-          <a:blip r:embed="rId2"/>
+          <a:blip r:embed="rId3"/>
           <a:srcRect b="5923"/>
           <a:stretch/>
         </p:blipFill>
@@ -11946,7 +16081,7 @@
           <p:nvPr/>
         </p:nvPicPr>
         <p:blipFill>
-          <a:blip r:embed="rId2">
+          <a:blip r:embed="rId3">
             <a:extLst>
               <a:ext uri="{28A0092B-C50C-407E-A947-70E740481C1C}">
                 <a14:useLocalDpi xmlns:a14="http://schemas.microsoft.com/office/drawing/2010/main" val="0"/>
@@ -12345,7 +16480,7 @@
           <p:nvPr/>
         </p:nvPicPr>
         <p:blipFill>
-          <a:blip r:embed="rId2">
+          <a:blip r:embed="rId3">
             <a:extLst>
               <a:ext uri="{28A0092B-C50C-407E-A947-70E740481C1C}">
                 <a14:useLocalDpi xmlns:a14="http://schemas.microsoft.com/office/drawing/2010/main" val="0"/>
@@ -12970,7 +17105,7 @@
           <p:nvPr/>
         </p:nvPicPr>
         <p:blipFill>
-          <a:blip r:embed="rId2">
+          <a:blip r:embed="rId3">
             <a:extLst>
               <a:ext uri="{28A0092B-C50C-407E-A947-70E740481C1C}">
                 <a14:useLocalDpi xmlns:a14="http://schemas.microsoft.com/office/drawing/2010/main" val="0"/>
@@ -13364,7 +17499,7 @@
           <p:nvPr/>
         </p:nvPicPr>
         <p:blipFill>
-          <a:blip r:embed="rId2">
+          <a:blip r:embed="rId3">
             <a:extLst>
               <a:ext uri="{28A0092B-C50C-407E-A947-70E740481C1C}">
                 <a14:useLocalDpi xmlns:a14="http://schemas.microsoft.com/office/drawing/2010/main" val="0"/>
@@ -13853,7 +17988,7 @@
               <a:t>Privilege escalation (</a:t>
             </a:r>
             <a:r>
-              <a:rPr lang="en-US" b="1" i="1">
+              <a:rPr lang="en-US" b="1" i="1" dirty="0" err="1">
                 <a:effectLst/>
                 <a:latin typeface="Calibri" panose="020F0502020204030204" pitchFamily="34" charset="0"/>
                 <a:ea typeface="Calibri" panose="020F0502020204030204" pitchFamily="34" charset="0"/>
@@ -14127,7 +18262,7 @@
               <a:t>Horizontal </a:t>
             </a:r>
             <a:r>
-              <a:rPr lang="en-US">
+              <a:rPr lang="en-US" dirty="0" err="1">
                 <a:latin typeface="Calibri" panose="020F0502020204030204" pitchFamily="34" charset="0"/>
                 <a:ea typeface="Calibri" panose="020F0502020204030204" pitchFamily="34" charset="0"/>
                 <a:cs typeface="Calibri" panose="020F0502020204030204" pitchFamily="34" charset="0"/>
@@ -14154,7 +18289,7 @@
               <a:t>Vertical </a:t>
             </a:r>
             <a:r>
-              <a:rPr lang="en-US">
+              <a:rPr lang="en-US" dirty="0" err="1">
                 <a:latin typeface="Calibri" panose="020F0502020204030204" pitchFamily="34" charset="0"/>
                 <a:ea typeface="Calibri" panose="020F0502020204030204" pitchFamily="34" charset="0"/>
                 <a:cs typeface="Calibri" panose="020F0502020204030204" pitchFamily="34" charset="0"/>
@@ -14273,7 +18408,7 @@
           <p:nvPr/>
         </p:nvPicPr>
         <p:blipFill>
-          <a:blip r:embed="rId2">
+          <a:blip r:embed="rId3">
             <a:extLst>
               <a:ext uri="{28A0092B-C50C-407E-A947-70E740481C1C}">
                 <a14:useLocalDpi xmlns:a14="http://schemas.microsoft.com/office/drawing/2010/main" val="0"/>
@@ -14402,7 +18537,7 @@
               <a:t>Horizontal </a:t>
             </a:r>
             <a:r>
-              <a:rPr lang="en-US" b="1" i="1">
+              <a:rPr lang="en-US" b="1" i="1" dirty="0" err="1">
                 <a:solidFill>
                   <a:srgbClr val="363636"/>
                 </a:solidFill>
@@ -14636,7 +18771,7 @@
           <p:nvPr/>
         </p:nvPicPr>
         <p:blipFill rotWithShape="1">
-          <a:blip r:embed="rId2">
+          <a:blip r:embed="rId3">
             <a:extLst>
               <a:ext uri="{28A0092B-C50C-407E-A947-70E740481C1C}">
                 <a14:useLocalDpi xmlns:a14="http://schemas.microsoft.com/office/drawing/2010/main" val="0"/>
@@ -14812,7 +18947,7 @@
               <a:t>Vertical </a:t>
             </a:r>
             <a:r>
-              <a:rPr lang="en-US" b="1" i="1">
+              <a:rPr lang="en-US" b="1" i="1" dirty="0" err="1">
                 <a:effectLst/>
                 <a:latin typeface="Manrope"/>
               </a:rPr>
@@ -14851,7 +18986,7 @@
                 <a:effectLst/>
                 <a:latin typeface="Manrope"/>
               </a:rPr>
-              <a:t>administrative, system, or root</a:t>
+              <a:t>administrative or root</a:t>
             </a:r>
             <a:r>
               <a:rPr lang="en-US" b="0" i="0" dirty="0">
@@ -14894,7 +19029,7 @@
               <a:rPr lang="en-US" dirty="0">
                 <a:latin typeface="Manrope"/>
               </a:rPr>
-              <a:t>accounts with higher privileges (such as administrator or root).</a:t>
+              <a:t>accounts with these higher privileges, or accounts through which they can pivot to them.</a:t>
             </a:r>
           </a:p>
           <a:p>
@@ -16151,6 +20286,25 @@
             </a:pPr>
             <a:r>
               <a:rPr lang="en-US" dirty="0"/>
+              <a:t>Lab: Privilege Escalation</a:t>
+            </a:r>
+          </a:p>
+          <a:p>
+            <a:pPr marL="0" lvl="0" indent="0" algn="l" rtl="0">
+              <a:lnSpc>
+                <a:spcPct val="90000"/>
+              </a:lnSpc>
+              <a:spcBef>
+                <a:spcPts val="0"/>
+              </a:spcBef>
+              <a:spcAft>
+                <a:spcPts val="0"/>
+              </a:spcAft>
+              <a:buSzPts val="2400"/>
+              <a:buNone/>
+            </a:pPr>
+            <a:r>
+              <a:rPr lang="en-US" dirty="0"/>
               <a:t>Additional Resources</a:t>
             </a:r>
             <a:endParaRPr dirty="0"/>
@@ -16322,7 +20476,7 @@
           <a:lstStyle/>
           <a:p>
             <a:r>
-              <a:rPr lang="en-US" dirty="0"/>
+              <a:rPr lang="en-US" b="1" dirty="0"/>
               <a:t>Review: Three Main Ideas</a:t>
             </a:r>
           </a:p>
@@ -16589,7 +20743,7 @@
 </file>
 
 <file path=ppt/slides/slide3.xml><?xml version="1.0" encoding="utf-8"?>
-<p:sld xmlns:a="http://schemas.openxmlformats.org/drawingml/2006/main" xmlns:r="http://schemas.openxmlformats.org/officeDocument/2006/relationships" xmlns:p="http://schemas.openxmlformats.org/presentationml/2006/main">
+<p:sld xmlns:a="http://schemas.openxmlformats.org/drawingml/2006/main" xmlns:r="http://schemas.openxmlformats.org/officeDocument/2006/relationships" xmlns:p="http://schemas.openxmlformats.org/presentationml/2006/main" show="0">
   <p:cSld>
     <p:spTree>
       <p:nvGrpSpPr>
@@ -16873,6 +21027,18 @@
               <a:rPr lang="en-US" dirty="0"/>
               <a:t>Clark-Wilson (CW)</a:t>
             </a:r>
+          </a:p>
+          <a:p>
+            <a:pPr marL="0" indent="0">
+              <a:lnSpc>
+                <a:spcPct val="110000"/>
+              </a:lnSpc>
+              <a:spcBef>
+                <a:spcPts val="0"/>
+              </a:spcBef>
+              <a:buNone/>
+            </a:pPr>
+            <a:endParaRPr lang="en-US" b="1" dirty="0"/>
           </a:p>
           <a:p>
             <a:pPr marL="0" indent="0">
@@ -17517,644 +21683,6 @@
 <file path=ppt/slides/slide30.xml><?xml version="1.0" encoding="utf-8"?>
 <p:sld xmlns:a="http://schemas.openxmlformats.org/drawingml/2006/main" xmlns:r="http://schemas.openxmlformats.org/officeDocument/2006/relationships" xmlns:p="http://schemas.openxmlformats.org/presentationml/2006/main">
   <p:cSld>
-    <p:spTree>
-      <p:nvGrpSpPr>
-        <p:cNvPr id="1" name="Shape 50"/>
-        <p:cNvGrpSpPr/>
-        <p:nvPr/>
-      </p:nvGrpSpPr>
-      <p:grpSpPr>
-        <a:xfrm>
-          <a:off x="0" y="0"/>
-          <a:ext cx="0" cy="0"/>
-          <a:chOff x="0" y="0"/>
-          <a:chExt cx="0" cy="0"/>
-        </a:xfrm>
-      </p:grpSpPr>
-      <p:sp>
-        <p:nvSpPr>
-          <p:cNvPr id="51" name="Google Shape;51;p3"/>
-          <p:cNvSpPr txBox="1">
-            <a:spLocks noGrp="1"/>
-          </p:cNvSpPr>
-          <p:nvPr>
-            <p:ph type="title"/>
-          </p:nvPr>
-        </p:nvSpPr>
-        <p:spPr>
-          <a:xfrm>
-            <a:off x="1097280" y="286603"/>
-            <a:ext cx="10058400" cy="1450757"/>
-          </a:xfrm>
-          <a:prstGeom prst="rect">
-            <a:avLst/>
-          </a:prstGeom>
-          <a:noFill/>
-          <a:ln>
-            <a:noFill/>
-          </a:ln>
-        </p:spPr>
-        <p:txBody>
-          <a:bodyPr spcFirstLastPara="1" wrap="square" lIns="91425" tIns="45700" rIns="91425" bIns="45700" anchor="b" anchorCtr="0">
-            <a:normAutofit/>
-          </a:bodyPr>
-          <a:lstStyle/>
-          <a:p>
-            <a:pPr marL="0" lvl="0" indent="0" algn="l" rtl="0">
-              <a:lnSpc>
-                <a:spcPct val="85000"/>
-              </a:lnSpc>
-              <a:spcBef>
-                <a:spcPts val="0"/>
-              </a:spcBef>
-              <a:spcAft>
-                <a:spcPts val="0"/>
-              </a:spcAft>
-              <a:buClr>
-                <a:srgbClr val="3F3F3F"/>
-              </a:buClr>
-              <a:buSzPts val="4800"/>
-              <a:buFont typeface="Calibri"/>
-              <a:buNone/>
-            </a:pPr>
-            <a:r>
-              <a:rPr lang="en-US" dirty="0"/>
-              <a:t>Additional Resources</a:t>
-            </a:r>
-            <a:endParaRPr dirty="0"/>
-          </a:p>
-        </p:txBody>
-      </p:sp>
-      <p:sp>
-        <p:nvSpPr>
-          <p:cNvPr id="52" name="Google Shape;52;p3"/>
-          <p:cNvSpPr txBox="1">
-            <a:spLocks noGrp="1"/>
-          </p:cNvSpPr>
-          <p:nvPr>
-            <p:ph type="body" idx="1"/>
-          </p:nvPr>
-        </p:nvSpPr>
-        <p:spPr>
-          <a:xfrm>
-            <a:off x="1097280" y="1845734"/>
-            <a:ext cx="10058400" cy="4023360"/>
-          </a:xfrm>
-          <a:prstGeom prst="rect">
-            <a:avLst/>
-          </a:prstGeom>
-          <a:noFill/>
-          <a:ln>
-            <a:noFill/>
-          </a:ln>
-        </p:spPr>
-        <p:txBody>
-          <a:bodyPr spcFirstLastPara="1" wrap="square" lIns="0" tIns="45700" rIns="0" bIns="45700" numCol="2" anchor="t" anchorCtr="0">
-            <a:noAutofit/>
-          </a:bodyPr>
-          <a:lstStyle/>
-          <a:p>
-            <a:pPr marL="114300" indent="0" algn="l">
-              <a:buNone/>
-            </a:pPr>
-            <a:r>
-              <a:rPr lang="en-US" sz="1200" b="1" dirty="0">
-                <a:latin typeface="Calibri" panose="020F0502020204030204" pitchFamily="34" charset="0"/>
-                <a:ea typeface="Calibri" panose="020F0502020204030204" pitchFamily="34" charset="0"/>
-                <a:cs typeface="Calibri" panose="020F0502020204030204" pitchFamily="34" charset="0"/>
-              </a:rPr>
-              <a:t>Privileges and Permissions</a:t>
-            </a:r>
-          </a:p>
-          <a:p>
-            <a:pPr algn="l"/>
-            <a:r>
-              <a:rPr lang="en-US" sz="1200" b="0" i="0" u="sng" dirty="0">
-                <a:solidFill>
-                  <a:srgbClr val="E6EDF3"/>
-                </a:solidFill>
-                <a:effectLst/>
-                <a:latin typeface="Calibri" panose="020F0502020204030204" pitchFamily="34" charset="0"/>
-                <a:ea typeface="Calibri" panose="020F0502020204030204" pitchFamily="34" charset="0"/>
-                <a:cs typeface="Calibri" panose="020F0502020204030204" pitchFamily="34" charset="0"/>
-                <a:hlinkClick r:id="rId3"/>
-              </a:rPr>
-              <a:t>Introduction to Cybersecurity First Principles - Least Privilege</a:t>
-            </a:r>
-            <a:endParaRPr lang="en-US" sz="1200" b="0" i="0" dirty="0">
-              <a:solidFill>
-                <a:srgbClr val="E6EDF3"/>
-              </a:solidFill>
-              <a:effectLst/>
-              <a:latin typeface="Calibri" panose="020F0502020204030204" pitchFamily="34" charset="0"/>
-              <a:ea typeface="Calibri" panose="020F0502020204030204" pitchFamily="34" charset="0"/>
-              <a:cs typeface="Calibri" panose="020F0502020204030204" pitchFamily="34" charset="0"/>
-            </a:endParaRPr>
-          </a:p>
-          <a:p>
-            <a:pPr marL="114300" indent="0" algn="l">
-              <a:buNone/>
-            </a:pPr>
-            <a:r>
-              <a:rPr lang="en-US" sz="1200" b="1" i="0" dirty="0">
-                <a:effectLst/>
-                <a:latin typeface="Calibri" panose="020F0502020204030204" pitchFamily="34" charset="0"/>
-                <a:ea typeface="Calibri" panose="020F0502020204030204" pitchFamily="34" charset="0"/>
-                <a:cs typeface="Calibri" panose="020F0502020204030204" pitchFamily="34" charset="0"/>
-              </a:rPr>
-              <a:t>Windows</a:t>
-            </a:r>
-          </a:p>
-          <a:p>
-            <a:pPr algn="l"/>
-            <a:r>
-              <a:rPr lang="en-US" sz="1200" b="0" i="0" u="sng" dirty="0">
-                <a:solidFill>
-                  <a:srgbClr val="E6EDF3"/>
-                </a:solidFill>
-                <a:effectLst/>
-                <a:latin typeface="Calibri" panose="020F0502020204030204" pitchFamily="34" charset="0"/>
-                <a:ea typeface="Calibri" panose="020F0502020204030204" pitchFamily="34" charset="0"/>
-                <a:cs typeface="Calibri" panose="020F0502020204030204" pitchFamily="34" charset="0"/>
-                <a:hlinkClick r:id="rId4"/>
-              </a:rPr>
-              <a:t>Hidden Danger: How To Identify and Mitigate Insecure Windows Services</a:t>
-            </a:r>
-            <a:endParaRPr lang="en-US" sz="1200" b="0" i="0" dirty="0">
-              <a:solidFill>
-                <a:srgbClr val="E6EDF3"/>
-              </a:solidFill>
-              <a:effectLst/>
-              <a:latin typeface="Calibri" panose="020F0502020204030204" pitchFamily="34" charset="0"/>
-              <a:ea typeface="Calibri" panose="020F0502020204030204" pitchFamily="34" charset="0"/>
-              <a:cs typeface="Calibri" panose="020F0502020204030204" pitchFamily="34" charset="0"/>
-            </a:endParaRPr>
-          </a:p>
-          <a:p>
-            <a:pPr marL="114300" indent="0" algn="l">
-              <a:buNone/>
-            </a:pPr>
-            <a:r>
-              <a:rPr lang="en-US" sz="1200" b="1" i="0" dirty="0">
-                <a:effectLst/>
-                <a:latin typeface="Calibri" panose="020F0502020204030204" pitchFamily="34" charset="0"/>
-                <a:ea typeface="Calibri" panose="020F0502020204030204" pitchFamily="34" charset="0"/>
-                <a:cs typeface="Calibri" panose="020F0502020204030204" pitchFamily="34" charset="0"/>
-              </a:rPr>
-              <a:t>Linux</a:t>
-            </a:r>
-          </a:p>
-          <a:p>
-            <a:pPr algn="l"/>
-            <a:r>
-              <a:rPr lang="en-US" sz="1200" b="0" i="0" u="sng" dirty="0">
-                <a:solidFill>
-                  <a:srgbClr val="E6EDF3"/>
-                </a:solidFill>
-                <a:effectLst/>
-                <a:latin typeface="Calibri" panose="020F0502020204030204" pitchFamily="34" charset="0"/>
-                <a:ea typeface="Calibri" panose="020F0502020204030204" pitchFamily="34" charset="0"/>
-                <a:cs typeface="Calibri" panose="020F0502020204030204" pitchFamily="34" charset="0"/>
-                <a:hlinkClick r:id="rId5"/>
-              </a:rPr>
-              <a:t>Linux permissions: SUID, SGID, and sticky bit</a:t>
-            </a:r>
-            <a:endParaRPr lang="en-US" sz="1200" b="0" i="0" dirty="0">
-              <a:solidFill>
-                <a:srgbClr val="E6EDF3"/>
-              </a:solidFill>
-              <a:effectLst/>
-              <a:latin typeface="Calibri" panose="020F0502020204030204" pitchFamily="34" charset="0"/>
-              <a:ea typeface="Calibri" panose="020F0502020204030204" pitchFamily="34" charset="0"/>
-              <a:cs typeface="Calibri" panose="020F0502020204030204" pitchFamily="34" charset="0"/>
-            </a:endParaRPr>
-          </a:p>
-          <a:p>
-            <a:pPr algn="l"/>
-            <a:r>
-              <a:rPr lang="en-US" sz="1200" b="0" i="0" u="sng" dirty="0">
-                <a:solidFill>
-                  <a:srgbClr val="E6EDF3"/>
-                </a:solidFill>
-                <a:effectLst/>
-                <a:latin typeface="Calibri" panose="020F0502020204030204" pitchFamily="34" charset="0"/>
-                <a:ea typeface="Calibri" panose="020F0502020204030204" pitchFamily="34" charset="0"/>
-                <a:cs typeface="Calibri" panose="020F0502020204030204" pitchFamily="34" charset="0"/>
-                <a:hlinkClick r:id="rId6"/>
-              </a:rPr>
-              <a:t>Chapter 12. Managing sudo access</a:t>
-            </a:r>
-            <a:endParaRPr lang="en-US" sz="1200" b="0" i="0" dirty="0">
-              <a:solidFill>
-                <a:srgbClr val="E6EDF3"/>
-              </a:solidFill>
-              <a:effectLst/>
-              <a:latin typeface="Calibri" panose="020F0502020204030204" pitchFamily="34" charset="0"/>
-              <a:ea typeface="Calibri" panose="020F0502020204030204" pitchFamily="34" charset="0"/>
-              <a:cs typeface="Calibri" panose="020F0502020204030204" pitchFamily="34" charset="0"/>
-            </a:endParaRPr>
-          </a:p>
-          <a:p>
-            <a:pPr marL="114300" indent="0" algn="l">
-              <a:buNone/>
-            </a:pPr>
-            <a:r>
-              <a:rPr lang="en-US" sz="1200" b="1" i="0" dirty="0">
-                <a:effectLst/>
-                <a:latin typeface="Calibri" panose="020F0502020204030204" pitchFamily="34" charset="0"/>
-                <a:ea typeface="Calibri" panose="020F0502020204030204" pitchFamily="34" charset="0"/>
-                <a:cs typeface="Calibri" panose="020F0502020204030204" pitchFamily="34" charset="0"/>
-              </a:rPr>
-              <a:t>Security Models</a:t>
-            </a:r>
-          </a:p>
-          <a:p>
-            <a:pPr algn="l"/>
-            <a:r>
-              <a:rPr lang="en-US" sz="1200" b="0" i="0" u="sng" dirty="0">
-                <a:solidFill>
-                  <a:srgbClr val="E6EDF3"/>
-                </a:solidFill>
-                <a:effectLst/>
-                <a:latin typeface="Calibri" panose="020F0502020204030204" pitchFamily="34" charset="0"/>
-                <a:ea typeface="Calibri" panose="020F0502020204030204" pitchFamily="34" charset="0"/>
-                <a:cs typeface="Calibri" panose="020F0502020204030204" pitchFamily="34" charset="0"/>
-                <a:hlinkClick r:id="rId7"/>
-              </a:rPr>
-              <a:t>Introduction To Classic Security Models</a:t>
-            </a:r>
-            <a:endParaRPr lang="en-US" sz="1200" b="0" i="0" dirty="0">
-              <a:solidFill>
-                <a:srgbClr val="E6EDF3"/>
-              </a:solidFill>
-              <a:effectLst/>
-              <a:latin typeface="Calibri" panose="020F0502020204030204" pitchFamily="34" charset="0"/>
-              <a:ea typeface="Calibri" panose="020F0502020204030204" pitchFamily="34" charset="0"/>
-              <a:cs typeface="Calibri" panose="020F0502020204030204" pitchFamily="34" charset="0"/>
-            </a:endParaRPr>
-          </a:p>
-          <a:p>
-            <a:pPr marL="114300" indent="0" algn="l">
-              <a:buNone/>
-            </a:pPr>
-            <a:r>
-              <a:rPr lang="en-US" sz="1200" b="1" i="0" dirty="0">
-                <a:effectLst/>
-                <a:latin typeface="Calibri" panose="020F0502020204030204" pitchFamily="34" charset="0"/>
-                <a:ea typeface="Calibri" panose="020F0502020204030204" pitchFamily="34" charset="0"/>
-                <a:cs typeface="Calibri" panose="020F0502020204030204" pitchFamily="34" charset="0"/>
-              </a:rPr>
-              <a:t>Access Control</a:t>
-            </a:r>
-          </a:p>
-          <a:p>
-            <a:pPr algn="l"/>
-            <a:r>
-              <a:rPr lang="en-US" sz="1200" b="0" i="0" u="sng" dirty="0">
-                <a:solidFill>
-                  <a:srgbClr val="E6EDF3"/>
-                </a:solidFill>
-                <a:effectLst/>
-                <a:latin typeface="Calibri" panose="020F0502020204030204" pitchFamily="34" charset="0"/>
-                <a:ea typeface="Calibri" panose="020F0502020204030204" pitchFamily="34" charset="0"/>
-                <a:cs typeface="Calibri" panose="020F0502020204030204" pitchFamily="34" charset="0"/>
-                <a:hlinkClick r:id="rId8"/>
-              </a:rPr>
-              <a:t>Verification and Test Methods for Access Control Policies/Models</a:t>
-            </a:r>
-            <a:endParaRPr lang="en-US" sz="1200" b="0" i="0" dirty="0">
-              <a:solidFill>
-                <a:srgbClr val="E6EDF3"/>
-              </a:solidFill>
-              <a:effectLst/>
-              <a:latin typeface="Calibri" panose="020F0502020204030204" pitchFamily="34" charset="0"/>
-              <a:ea typeface="Calibri" panose="020F0502020204030204" pitchFamily="34" charset="0"/>
-              <a:cs typeface="Calibri" panose="020F0502020204030204" pitchFamily="34" charset="0"/>
-            </a:endParaRPr>
-          </a:p>
-          <a:p>
-            <a:pPr algn="l"/>
-            <a:r>
-              <a:rPr lang="en-US" sz="1200" b="0" i="0" u="sng" dirty="0">
-                <a:solidFill>
-                  <a:srgbClr val="E6EDF3"/>
-                </a:solidFill>
-                <a:effectLst/>
-                <a:latin typeface="Calibri" panose="020F0502020204030204" pitchFamily="34" charset="0"/>
-                <a:ea typeface="Calibri" panose="020F0502020204030204" pitchFamily="34" charset="0"/>
-                <a:cs typeface="Calibri" panose="020F0502020204030204" pitchFamily="34" charset="0"/>
-                <a:hlinkClick r:id="rId9"/>
-              </a:rPr>
-              <a:t>Comparing Access Control: RBAC, MAC, DAC, RuBAC, ABAC</a:t>
-            </a:r>
-            <a:endParaRPr lang="en-US" sz="1200" b="0" i="0" dirty="0">
-              <a:solidFill>
-                <a:srgbClr val="E6EDF3"/>
-              </a:solidFill>
-              <a:effectLst/>
-              <a:latin typeface="Calibri" panose="020F0502020204030204" pitchFamily="34" charset="0"/>
-              <a:ea typeface="Calibri" panose="020F0502020204030204" pitchFamily="34" charset="0"/>
-              <a:cs typeface="Calibri" panose="020F0502020204030204" pitchFamily="34" charset="0"/>
-            </a:endParaRPr>
-          </a:p>
-          <a:p>
-            <a:pPr marL="114300" indent="0" algn="l">
-              <a:buNone/>
-            </a:pPr>
-            <a:r>
-              <a:rPr lang="en-US" sz="1200" b="1" i="0" dirty="0">
-                <a:effectLst/>
-                <a:latin typeface="Calibri" panose="020F0502020204030204" pitchFamily="34" charset="0"/>
-                <a:ea typeface="Calibri" panose="020F0502020204030204" pitchFamily="34" charset="0"/>
-                <a:cs typeface="Calibri" panose="020F0502020204030204" pitchFamily="34" charset="0"/>
-              </a:rPr>
-              <a:t>Privilege Escalation</a:t>
-            </a:r>
-          </a:p>
-          <a:p>
-            <a:pPr algn="l"/>
-            <a:r>
-              <a:rPr lang="en-US" sz="1200" b="0" i="0" u="sng" dirty="0">
-                <a:solidFill>
-                  <a:srgbClr val="E6EDF3"/>
-                </a:solidFill>
-                <a:effectLst/>
-                <a:latin typeface="Calibri" panose="020F0502020204030204" pitchFamily="34" charset="0"/>
-                <a:ea typeface="Calibri" panose="020F0502020204030204" pitchFamily="34" charset="0"/>
-                <a:cs typeface="Calibri" panose="020F0502020204030204" pitchFamily="34" charset="0"/>
-                <a:hlinkClick r:id="rId10"/>
-              </a:rPr>
-              <a:t>What Is Privilege Escalation</a:t>
-            </a:r>
-            <a:r>
-              <a:rPr lang="en-US" sz="1200" u="sng" dirty="0">
-                <a:solidFill>
-                  <a:srgbClr val="E6EDF3"/>
-                </a:solidFill>
-                <a:latin typeface="Calibri" panose="020F0502020204030204" pitchFamily="34" charset="0"/>
-                <a:ea typeface="Calibri" panose="020F0502020204030204" pitchFamily="34" charset="0"/>
-                <a:cs typeface="Calibri" panose="020F0502020204030204" pitchFamily="34" charset="0"/>
-                <a:hlinkClick r:id="rId10"/>
-              </a:rPr>
-              <a:t>? - ProofPoint</a:t>
-            </a:r>
-            <a:endParaRPr lang="en-US" sz="1200" u="sng" dirty="0">
-              <a:solidFill>
-                <a:srgbClr val="E6EDF3"/>
-              </a:solidFill>
-              <a:latin typeface="Calibri" panose="020F0502020204030204" pitchFamily="34" charset="0"/>
-              <a:ea typeface="Calibri" panose="020F0502020204030204" pitchFamily="34" charset="0"/>
-              <a:cs typeface="Calibri" panose="020F0502020204030204" pitchFamily="34" charset="0"/>
-            </a:endParaRPr>
-          </a:p>
-          <a:p>
-            <a:pPr algn="l"/>
-            <a:r>
-              <a:rPr lang="en-US" sz="1200" b="0" i="0" u="sng" dirty="0">
-                <a:solidFill>
-                  <a:srgbClr val="E6EDF3"/>
-                </a:solidFill>
-                <a:effectLst/>
-                <a:latin typeface="Calibri" panose="020F0502020204030204" pitchFamily="34" charset="0"/>
-                <a:ea typeface="Calibri" panose="020F0502020204030204" pitchFamily="34" charset="0"/>
-                <a:cs typeface="Calibri" panose="020F0502020204030204" pitchFamily="34" charset="0"/>
-                <a:hlinkClick r:id="rId11"/>
-              </a:rPr>
-              <a:t>What is Privilege Escalation? - CrowdStrike</a:t>
-            </a:r>
-            <a:endParaRPr lang="en-US" sz="1200" b="0" i="0" dirty="0">
-              <a:solidFill>
-                <a:srgbClr val="E6EDF3"/>
-              </a:solidFill>
-              <a:effectLst/>
-              <a:latin typeface="Calibri" panose="020F0502020204030204" pitchFamily="34" charset="0"/>
-              <a:ea typeface="Calibri" panose="020F0502020204030204" pitchFamily="34" charset="0"/>
-              <a:cs typeface="Calibri" panose="020F0502020204030204" pitchFamily="34" charset="0"/>
-            </a:endParaRPr>
-          </a:p>
-          <a:p>
-            <a:pPr algn="l"/>
-            <a:r>
-              <a:rPr lang="en-US" sz="1200" b="0" i="0" u="sng" dirty="0">
-                <a:solidFill>
-                  <a:srgbClr val="E6EDF3"/>
-                </a:solidFill>
-                <a:effectLst/>
-                <a:latin typeface="Calibri" panose="020F0502020204030204" pitchFamily="34" charset="0"/>
-                <a:ea typeface="Calibri" panose="020F0502020204030204" pitchFamily="34" charset="0"/>
-                <a:cs typeface="Calibri" panose="020F0502020204030204" pitchFamily="34" charset="0"/>
-                <a:hlinkClick r:id="rId12"/>
-              </a:rPr>
-              <a:t>Understanding Privilege Escalation and 5 Common Attack Techniques</a:t>
-            </a:r>
-            <a:endParaRPr lang="en-US" sz="1200" b="0" i="0" dirty="0">
-              <a:solidFill>
-                <a:srgbClr val="E6EDF3"/>
-              </a:solidFill>
-              <a:effectLst/>
-              <a:latin typeface="Calibri" panose="020F0502020204030204" pitchFamily="34" charset="0"/>
-              <a:ea typeface="Calibri" panose="020F0502020204030204" pitchFamily="34" charset="0"/>
-              <a:cs typeface="Calibri" panose="020F0502020204030204" pitchFamily="34" charset="0"/>
-            </a:endParaRPr>
-          </a:p>
-          <a:p>
-            <a:pPr marL="114300" indent="0" algn="l">
-              <a:buNone/>
-            </a:pPr>
-            <a:r>
-              <a:rPr lang="en-US" sz="1200" b="1" i="0" dirty="0">
-                <a:effectLst/>
-                <a:latin typeface="Calibri" panose="020F0502020204030204" pitchFamily="34" charset="0"/>
-                <a:ea typeface="Calibri" panose="020F0502020204030204" pitchFamily="34" charset="0"/>
-                <a:cs typeface="Calibri" panose="020F0502020204030204" pitchFamily="34" charset="0"/>
-              </a:rPr>
-              <a:t>Windows</a:t>
-            </a:r>
-          </a:p>
-          <a:p>
-            <a:pPr algn="l"/>
-            <a:r>
-              <a:rPr lang="en-US" sz="1200" b="0" i="0" u="sng" dirty="0">
-                <a:solidFill>
-                  <a:srgbClr val="E6EDF3"/>
-                </a:solidFill>
-                <a:effectLst/>
-                <a:latin typeface="Calibri" panose="020F0502020204030204" pitchFamily="34" charset="0"/>
-                <a:ea typeface="Calibri" panose="020F0502020204030204" pitchFamily="34" charset="0"/>
-                <a:cs typeface="Calibri" panose="020F0502020204030204" pitchFamily="34" charset="0"/>
-                <a:hlinkClick r:id="rId13"/>
-              </a:rPr>
-              <a:t>Privilege escalation on Windows: When you want it and when you don’t</a:t>
-            </a:r>
-            <a:endParaRPr lang="en-US" sz="1200" b="0" i="0" dirty="0">
-              <a:solidFill>
-                <a:srgbClr val="E6EDF3"/>
-              </a:solidFill>
-              <a:effectLst/>
-              <a:latin typeface="Calibri" panose="020F0502020204030204" pitchFamily="34" charset="0"/>
-              <a:ea typeface="Calibri" panose="020F0502020204030204" pitchFamily="34" charset="0"/>
-              <a:cs typeface="Calibri" panose="020F0502020204030204" pitchFamily="34" charset="0"/>
-            </a:endParaRPr>
-          </a:p>
-          <a:p>
-            <a:pPr marL="114300" indent="0" algn="l">
-              <a:buNone/>
-            </a:pPr>
-            <a:r>
-              <a:rPr lang="en-US" sz="1200" b="1" i="0" dirty="0">
-                <a:effectLst/>
-                <a:latin typeface="Calibri" panose="020F0502020204030204" pitchFamily="34" charset="0"/>
-                <a:ea typeface="Calibri" panose="020F0502020204030204" pitchFamily="34" charset="0"/>
-                <a:cs typeface="Calibri" panose="020F0502020204030204" pitchFamily="34" charset="0"/>
-              </a:rPr>
-              <a:t>Linux</a:t>
-            </a:r>
-          </a:p>
-          <a:p>
-            <a:pPr algn="l"/>
-            <a:r>
-              <a:rPr lang="en-US" sz="1200" b="0" i="0" u="sng" dirty="0">
-                <a:solidFill>
-                  <a:srgbClr val="E6EDF3"/>
-                </a:solidFill>
-                <a:effectLst/>
-                <a:latin typeface="Calibri" panose="020F0502020204030204" pitchFamily="34" charset="0"/>
-                <a:ea typeface="Calibri" panose="020F0502020204030204" pitchFamily="34" charset="0"/>
-                <a:cs typeface="Calibri" panose="020F0502020204030204" pitchFamily="34" charset="0"/>
-                <a:hlinkClick r:id="rId14"/>
-              </a:rPr>
-              <a:t>A Guide On Linux Privilege Escalation - The Journey Towards System Control</a:t>
-            </a:r>
-            <a:endParaRPr lang="en-US" sz="1200" dirty="0">
-              <a:latin typeface="Calibri" panose="020F0502020204030204" pitchFamily="34" charset="0"/>
-              <a:ea typeface="Calibri" panose="020F0502020204030204" pitchFamily="34" charset="0"/>
-              <a:cs typeface="Calibri" panose="020F0502020204030204" pitchFamily="34" charset="0"/>
-            </a:endParaRPr>
-          </a:p>
-          <a:p>
-            <a:pPr marL="91440" lvl="0" indent="0" algn="l" rtl="0">
-              <a:lnSpc>
-                <a:spcPct val="90000"/>
-              </a:lnSpc>
-              <a:spcBef>
-                <a:spcPts val="0"/>
-              </a:spcBef>
-              <a:spcAft>
-                <a:spcPts val="0"/>
-              </a:spcAft>
-              <a:buSzPts val="2000"/>
-              <a:buNone/>
-            </a:pPr>
-            <a:endParaRPr sz="1200" dirty="0">
-              <a:latin typeface="Calibri" panose="020F0502020204030204" pitchFamily="34" charset="0"/>
-              <a:ea typeface="Calibri" panose="020F0502020204030204" pitchFamily="34" charset="0"/>
-              <a:cs typeface="Calibri" panose="020F0502020204030204" pitchFamily="34" charset="0"/>
-            </a:endParaRPr>
-          </a:p>
-        </p:txBody>
-      </p:sp>
-      <p:sp>
-        <p:nvSpPr>
-          <p:cNvPr id="53" name="Google Shape;53;p3"/>
-          <p:cNvSpPr txBox="1">
-            <a:spLocks noGrp="1"/>
-          </p:cNvSpPr>
-          <p:nvPr>
-            <p:ph type="ftr" idx="11"/>
-          </p:nvPr>
-        </p:nvSpPr>
-        <p:spPr>
-          <a:xfrm>
-            <a:off x="3686185" y="6459785"/>
-            <a:ext cx="4822804" cy="365125"/>
-          </a:xfrm>
-          <a:prstGeom prst="rect">
-            <a:avLst/>
-          </a:prstGeom>
-          <a:noFill/>
-          <a:ln>
-            <a:noFill/>
-          </a:ln>
-        </p:spPr>
-        <p:txBody>
-          <a:bodyPr spcFirstLastPara="1" wrap="square" lIns="91425" tIns="45700" rIns="91425" bIns="45700" anchor="ctr" anchorCtr="0">
-            <a:noAutofit/>
-          </a:bodyPr>
-          <a:lstStyle/>
-          <a:p>
-            <a:pPr marL="0" lvl="0" indent="0" algn="ctr" rtl="0">
-              <a:spcBef>
-                <a:spcPts val="0"/>
-              </a:spcBef>
-              <a:spcAft>
-                <a:spcPts val="0"/>
-              </a:spcAft>
-              <a:buNone/>
-            </a:pPr>
-            <a:r>
-              <a:rPr lang="en-US" dirty="0"/>
-              <a:t>SECURITY FIRST PRINCIPLES: LEAST PRIVILEGE</a:t>
-            </a:r>
-          </a:p>
-        </p:txBody>
-      </p:sp>
-      <p:sp>
-        <p:nvSpPr>
-          <p:cNvPr id="54" name="Google Shape;54;p3"/>
-          <p:cNvSpPr txBox="1">
-            <a:spLocks noGrp="1"/>
-          </p:cNvSpPr>
-          <p:nvPr>
-            <p:ph type="sldNum" idx="12"/>
-          </p:nvPr>
-        </p:nvSpPr>
-        <p:spPr>
-          <a:xfrm>
-            <a:off x="9900458" y="6459785"/>
-            <a:ext cx="1312025" cy="365125"/>
-          </a:xfrm>
-          <a:prstGeom prst="rect">
-            <a:avLst/>
-          </a:prstGeom>
-          <a:noFill/>
-          <a:ln>
-            <a:noFill/>
-          </a:ln>
-        </p:spPr>
-        <p:txBody>
-          <a:bodyPr spcFirstLastPara="1" wrap="square" lIns="91425" tIns="45700" rIns="91425" bIns="45700" anchor="ctr" anchorCtr="0">
-            <a:noAutofit/>
-          </a:bodyPr>
-          <a:lstStyle/>
-          <a:p>
-            <a:pPr marL="0" lvl="0" indent="0" algn="r" rtl="0">
-              <a:spcBef>
-                <a:spcPts val="0"/>
-              </a:spcBef>
-              <a:spcAft>
-                <a:spcPts val="0"/>
-              </a:spcAft>
-              <a:buNone/>
-            </a:pPr>
-            <a:fld id="{00000000-1234-1234-1234-123412341234}" type="slidenum">
-              <a:rPr lang="en-US"/>
-              <a:t>30</a:t>
-            </a:fld>
-            <a:endParaRPr dirty="0"/>
-          </a:p>
-        </p:txBody>
-      </p:sp>
-    </p:spTree>
-  </p:cSld>
-  <p:clrMapOvr>
-    <a:masterClrMapping/>
-  </p:clrMapOvr>
-</p:sld>
-</file>
-
-<file path=ppt/slides/slide31.xml><?xml version="1.0" encoding="utf-8"?>
-<p:sld xmlns:a="http://schemas.openxmlformats.org/drawingml/2006/main" xmlns:r="http://schemas.openxmlformats.org/officeDocument/2006/relationships" xmlns:p="http://schemas.openxmlformats.org/presentationml/2006/main">
-  <p:cSld>
     <p:bg>
       <p:bgPr>
         <a:solidFill>
@@ -18192,7 +21720,7 @@
           <p:nvPr/>
         </p:nvPicPr>
         <p:blipFill>
-          <a:blip r:embed="rId2">
+          <a:blip r:embed="rId3">
             <a:alphaModFix amt="30000"/>
           </a:blip>
           <a:stretch>
@@ -18484,7 +22012,7 @@
             </a:pPr>
             <a:fld id="{00000000-1234-1234-1234-123412341234}" type="slidenum">
               <a:rPr lang="en-US" smtClean="0"/>
-              <a:t>31</a:t>
+              <a:t>30</a:t>
             </a:fld>
             <a:endParaRPr lang="en-US" dirty="0"/>
           </a:p>
@@ -18947,6 +22475,644 @@
 </p:sld>
 </file>
 
+<file path=ppt/slides/slide31.xml><?xml version="1.0" encoding="utf-8"?>
+<p:sld xmlns:a="http://schemas.openxmlformats.org/drawingml/2006/main" xmlns:r="http://schemas.openxmlformats.org/officeDocument/2006/relationships" xmlns:p="http://schemas.openxmlformats.org/presentationml/2006/main" show="0">
+  <p:cSld>
+    <p:spTree>
+      <p:nvGrpSpPr>
+        <p:cNvPr id="1" name="Shape 50"/>
+        <p:cNvGrpSpPr/>
+        <p:nvPr/>
+      </p:nvGrpSpPr>
+      <p:grpSpPr>
+        <a:xfrm>
+          <a:off x="0" y="0"/>
+          <a:ext cx="0" cy="0"/>
+          <a:chOff x="0" y="0"/>
+          <a:chExt cx="0" cy="0"/>
+        </a:xfrm>
+      </p:grpSpPr>
+      <p:sp>
+        <p:nvSpPr>
+          <p:cNvPr id="51" name="Google Shape;51;p3"/>
+          <p:cNvSpPr txBox="1">
+            <a:spLocks noGrp="1"/>
+          </p:cNvSpPr>
+          <p:nvPr>
+            <p:ph type="title"/>
+          </p:nvPr>
+        </p:nvSpPr>
+        <p:spPr>
+          <a:xfrm>
+            <a:off x="1097280" y="286603"/>
+            <a:ext cx="10058400" cy="1450757"/>
+          </a:xfrm>
+          <a:prstGeom prst="rect">
+            <a:avLst/>
+          </a:prstGeom>
+          <a:noFill/>
+          <a:ln>
+            <a:noFill/>
+          </a:ln>
+        </p:spPr>
+        <p:txBody>
+          <a:bodyPr spcFirstLastPara="1" wrap="square" lIns="91425" tIns="45700" rIns="91425" bIns="45700" anchor="b" anchorCtr="0">
+            <a:normAutofit/>
+          </a:bodyPr>
+          <a:lstStyle/>
+          <a:p>
+            <a:pPr marL="0" lvl="0" indent="0" algn="l" rtl="0">
+              <a:lnSpc>
+                <a:spcPct val="85000"/>
+              </a:lnSpc>
+              <a:spcBef>
+                <a:spcPts val="0"/>
+              </a:spcBef>
+              <a:spcAft>
+                <a:spcPts val="0"/>
+              </a:spcAft>
+              <a:buClr>
+                <a:srgbClr val="3F3F3F"/>
+              </a:buClr>
+              <a:buSzPts val="4800"/>
+              <a:buFont typeface="Calibri"/>
+              <a:buNone/>
+            </a:pPr>
+            <a:r>
+              <a:rPr lang="en-US" dirty="0"/>
+              <a:t>Additional Resources</a:t>
+            </a:r>
+            <a:endParaRPr dirty="0"/>
+          </a:p>
+        </p:txBody>
+      </p:sp>
+      <p:sp>
+        <p:nvSpPr>
+          <p:cNvPr id="52" name="Google Shape;52;p3"/>
+          <p:cNvSpPr txBox="1">
+            <a:spLocks noGrp="1"/>
+          </p:cNvSpPr>
+          <p:nvPr>
+            <p:ph type="body" idx="1"/>
+          </p:nvPr>
+        </p:nvSpPr>
+        <p:spPr>
+          <a:xfrm>
+            <a:off x="1097280" y="1845734"/>
+            <a:ext cx="10058400" cy="4023360"/>
+          </a:xfrm>
+          <a:prstGeom prst="rect">
+            <a:avLst/>
+          </a:prstGeom>
+          <a:noFill/>
+          <a:ln>
+            <a:noFill/>
+          </a:ln>
+        </p:spPr>
+        <p:txBody>
+          <a:bodyPr spcFirstLastPara="1" wrap="square" lIns="0" tIns="45700" rIns="0" bIns="45700" numCol="2" anchor="t" anchorCtr="0">
+            <a:noAutofit/>
+          </a:bodyPr>
+          <a:lstStyle/>
+          <a:p>
+            <a:pPr marL="114300" indent="0" algn="l">
+              <a:buNone/>
+            </a:pPr>
+            <a:r>
+              <a:rPr lang="en-US" sz="1200" b="1" dirty="0">
+                <a:latin typeface="Calibri" panose="020F0502020204030204" pitchFamily="34" charset="0"/>
+                <a:ea typeface="Calibri" panose="020F0502020204030204" pitchFamily="34" charset="0"/>
+                <a:cs typeface="Calibri" panose="020F0502020204030204" pitchFamily="34" charset="0"/>
+              </a:rPr>
+              <a:t>Privileges and Permissions</a:t>
+            </a:r>
+          </a:p>
+          <a:p>
+            <a:pPr algn="l"/>
+            <a:r>
+              <a:rPr lang="en-US" sz="1200" b="0" i="0" u="sng" dirty="0">
+                <a:solidFill>
+                  <a:srgbClr val="E6EDF3"/>
+                </a:solidFill>
+                <a:effectLst/>
+                <a:latin typeface="Calibri" panose="020F0502020204030204" pitchFamily="34" charset="0"/>
+                <a:ea typeface="Calibri" panose="020F0502020204030204" pitchFamily="34" charset="0"/>
+                <a:cs typeface="Calibri" panose="020F0502020204030204" pitchFamily="34" charset="0"/>
+                <a:hlinkClick r:id="rId3"/>
+              </a:rPr>
+              <a:t>Introduction to Cybersecurity First Principles - Least Privilege</a:t>
+            </a:r>
+            <a:endParaRPr lang="en-US" sz="1200" b="0" i="0" dirty="0">
+              <a:solidFill>
+                <a:srgbClr val="E6EDF3"/>
+              </a:solidFill>
+              <a:effectLst/>
+              <a:latin typeface="Calibri" panose="020F0502020204030204" pitchFamily="34" charset="0"/>
+              <a:ea typeface="Calibri" panose="020F0502020204030204" pitchFamily="34" charset="0"/>
+              <a:cs typeface="Calibri" panose="020F0502020204030204" pitchFamily="34" charset="0"/>
+            </a:endParaRPr>
+          </a:p>
+          <a:p>
+            <a:pPr marL="114300" indent="0" algn="l">
+              <a:buNone/>
+            </a:pPr>
+            <a:r>
+              <a:rPr lang="en-US" sz="1200" b="1" i="0" dirty="0">
+                <a:effectLst/>
+                <a:latin typeface="Calibri" panose="020F0502020204030204" pitchFamily="34" charset="0"/>
+                <a:ea typeface="Calibri" panose="020F0502020204030204" pitchFamily="34" charset="0"/>
+                <a:cs typeface="Calibri" panose="020F0502020204030204" pitchFamily="34" charset="0"/>
+              </a:rPr>
+              <a:t>Windows</a:t>
+            </a:r>
+          </a:p>
+          <a:p>
+            <a:pPr algn="l"/>
+            <a:r>
+              <a:rPr lang="en-US" sz="1200" b="0" i="0" u="sng" dirty="0">
+                <a:solidFill>
+                  <a:srgbClr val="E6EDF3"/>
+                </a:solidFill>
+                <a:effectLst/>
+                <a:latin typeface="Calibri" panose="020F0502020204030204" pitchFamily="34" charset="0"/>
+                <a:ea typeface="Calibri" panose="020F0502020204030204" pitchFamily="34" charset="0"/>
+                <a:cs typeface="Calibri" panose="020F0502020204030204" pitchFamily="34" charset="0"/>
+                <a:hlinkClick r:id="rId4"/>
+              </a:rPr>
+              <a:t>Hidden Danger: How To Identify and Mitigate Insecure Windows Services</a:t>
+            </a:r>
+            <a:endParaRPr lang="en-US" sz="1200" b="0" i="0" dirty="0">
+              <a:solidFill>
+                <a:srgbClr val="E6EDF3"/>
+              </a:solidFill>
+              <a:effectLst/>
+              <a:latin typeface="Calibri" panose="020F0502020204030204" pitchFamily="34" charset="0"/>
+              <a:ea typeface="Calibri" panose="020F0502020204030204" pitchFamily="34" charset="0"/>
+              <a:cs typeface="Calibri" panose="020F0502020204030204" pitchFamily="34" charset="0"/>
+            </a:endParaRPr>
+          </a:p>
+          <a:p>
+            <a:pPr marL="114300" indent="0" algn="l">
+              <a:buNone/>
+            </a:pPr>
+            <a:r>
+              <a:rPr lang="en-US" sz="1200" b="1" i="0" dirty="0">
+                <a:effectLst/>
+                <a:latin typeface="Calibri" panose="020F0502020204030204" pitchFamily="34" charset="0"/>
+                <a:ea typeface="Calibri" panose="020F0502020204030204" pitchFamily="34" charset="0"/>
+                <a:cs typeface="Calibri" panose="020F0502020204030204" pitchFamily="34" charset="0"/>
+              </a:rPr>
+              <a:t>Linux</a:t>
+            </a:r>
+          </a:p>
+          <a:p>
+            <a:pPr algn="l"/>
+            <a:r>
+              <a:rPr lang="en-US" sz="1200" b="0" i="0" u="sng" dirty="0">
+                <a:solidFill>
+                  <a:srgbClr val="E6EDF3"/>
+                </a:solidFill>
+                <a:effectLst/>
+                <a:latin typeface="Calibri" panose="020F0502020204030204" pitchFamily="34" charset="0"/>
+                <a:ea typeface="Calibri" panose="020F0502020204030204" pitchFamily="34" charset="0"/>
+                <a:cs typeface="Calibri" panose="020F0502020204030204" pitchFamily="34" charset="0"/>
+                <a:hlinkClick r:id="rId5"/>
+              </a:rPr>
+              <a:t>Linux permissions: SUID, SGID, and sticky bit</a:t>
+            </a:r>
+            <a:endParaRPr lang="en-US" sz="1200" b="0" i="0" dirty="0">
+              <a:solidFill>
+                <a:srgbClr val="E6EDF3"/>
+              </a:solidFill>
+              <a:effectLst/>
+              <a:latin typeface="Calibri" panose="020F0502020204030204" pitchFamily="34" charset="0"/>
+              <a:ea typeface="Calibri" panose="020F0502020204030204" pitchFamily="34" charset="0"/>
+              <a:cs typeface="Calibri" panose="020F0502020204030204" pitchFamily="34" charset="0"/>
+            </a:endParaRPr>
+          </a:p>
+          <a:p>
+            <a:pPr algn="l"/>
+            <a:r>
+              <a:rPr lang="en-US" sz="1200" b="0" i="0" u="sng" dirty="0">
+                <a:solidFill>
+                  <a:srgbClr val="E6EDF3"/>
+                </a:solidFill>
+                <a:effectLst/>
+                <a:latin typeface="Calibri" panose="020F0502020204030204" pitchFamily="34" charset="0"/>
+                <a:ea typeface="Calibri" panose="020F0502020204030204" pitchFamily="34" charset="0"/>
+                <a:cs typeface="Calibri" panose="020F0502020204030204" pitchFamily="34" charset="0"/>
+                <a:hlinkClick r:id="rId6"/>
+              </a:rPr>
+              <a:t>Chapter 12. Managing sudo access</a:t>
+            </a:r>
+            <a:endParaRPr lang="en-US" sz="1200" b="0" i="0" dirty="0">
+              <a:solidFill>
+                <a:srgbClr val="E6EDF3"/>
+              </a:solidFill>
+              <a:effectLst/>
+              <a:latin typeface="Calibri" panose="020F0502020204030204" pitchFamily="34" charset="0"/>
+              <a:ea typeface="Calibri" panose="020F0502020204030204" pitchFamily="34" charset="0"/>
+              <a:cs typeface="Calibri" panose="020F0502020204030204" pitchFamily="34" charset="0"/>
+            </a:endParaRPr>
+          </a:p>
+          <a:p>
+            <a:pPr marL="114300" indent="0" algn="l">
+              <a:buNone/>
+            </a:pPr>
+            <a:r>
+              <a:rPr lang="en-US" sz="1200" b="1" i="0" dirty="0">
+                <a:effectLst/>
+                <a:latin typeface="Calibri" panose="020F0502020204030204" pitchFamily="34" charset="0"/>
+                <a:ea typeface="Calibri" panose="020F0502020204030204" pitchFamily="34" charset="0"/>
+                <a:cs typeface="Calibri" panose="020F0502020204030204" pitchFamily="34" charset="0"/>
+              </a:rPr>
+              <a:t>Security Models</a:t>
+            </a:r>
+          </a:p>
+          <a:p>
+            <a:pPr algn="l"/>
+            <a:r>
+              <a:rPr lang="en-US" sz="1200" b="0" i="0" u="sng" dirty="0">
+                <a:solidFill>
+                  <a:srgbClr val="E6EDF3"/>
+                </a:solidFill>
+                <a:effectLst/>
+                <a:latin typeface="Calibri" panose="020F0502020204030204" pitchFamily="34" charset="0"/>
+                <a:ea typeface="Calibri" panose="020F0502020204030204" pitchFamily="34" charset="0"/>
+                <a:cs typeface="Calibri" panose="020F0502020204030204" pitchFamily="34" charset="0"/>
+                <a:hlinkClick r:id="rId7"/>
+              </a:rPr>
+              <a:t>Introduction To Classic Security Models</a:t>
+            </a:r>
+            <a:endParaRPr lang="en-US" sz="1200" b="0" i="0" dirty="0">
+              <a:solidFill>
+                <a:srgbClr val="E6EDF3"/>
+              </a:solidFill>
+              <a:effectLst/>
+              <a:latin typeface="Calibri" panose="020F0502020204030204" pitchFamily="34" charset="0"/>
+              <a:ea typeface="Calibri" panose="020F0502020204030204" pitchFamily="34" charset="0"/>
+              <a:cs typeface="Calibri" panose="020F0502020204030204" pitchFamily="34" charset="0"/>
+            </a:endParaRPr>
+          </a:p>
+          <a:p>
+            <a:pPr marL="114300" indent="0" algn="l">
+              <a:buNone/>
+            </a:pPr>
+            <a:r>
+              <a:rPr lang="en-US" sz="1200" b="1" i="0" dirty="0">
+                <a:effectLst/>
+                <a:latin typeface="Calibri" panose="020F0502020204030204" pitchFamily="34" charset="0"/>
+                <a:ea typeface="Calibri" panose="020F0502020204030204" pitchFamily="34" charset="0"/>
+                <a:cs typeface="Calibri" panose="020F0502020204030204" pitchFamily="34" charset="0"/>
+              </a:rPr>
+              <a:t>Access Control</a:t>
+            </a:r>
+          </a:p>
+          <a:p>
+            <a:pPr algn="l"/>
+            <a:r>
+              <a:rPr lang="en-US" sz="1200" b="0" i="0" u="sng" dirty="0">
+                <a:solidFill>
+                  <a:srgbClr val="E6EDF3"/>
+                </a:solidFill>
+                <a:effectLst/>
+                <a:latin typeface="Calibri" panose="020F0502020204030204" pitchFamily="34" charset="0"/>
+                <a:ea typeface="Calibri" panose="020F0502020204030204" pitchFamily="34" charset="0"/>
+                <a:cs typeface="Calibri" panose="020F0502020204030204" pitchFamily="34" charset="0"/>
+                <a:hlinkClick r:id="rId8"/>
+              </a:rPr>
+              <a:t>Verification and Test Methods for Access Control Policies/Models</a:t>
+            </a:r>
+            <a:endParaRPr lang="en-US" sz="1200" b="0" i="0" dirty="0">
+              <a:solidFill>
+                <a:srgbClr val="E6EDF3"/>
+              </a:solidFill>
+              <a:effectLst/>
+              <a:latin typeface="Calibri" panose="020F0502020204030204" pitchFamily="34" charset="0"/>
+              <a:ea typeface="Calibri" panose="020F0502020204030204" pitchFamily="34" charset="0"/>
+              <a:cs typeface="Calibri" panose="020F0502020204030204" pitchFamily="34" charset="0"/>
+            </a:endParaRPr>
+          </a:p>
+          <a:p>
+            <a:pPr algn="l"/>
+            <a:r>
+              <a:rPr lang="en-US" sz="1200" b="0" i="0" u="sng" dirty="0">
+                <a:solidFill>
+                  <a:srgbClr val="E6EDF3"/>
+                </a:solidFill>
+                <a:effectLst/>
+                <a:latin typeface="Calibri" panose="020F0502020204030204" pitchFamily="34" charset="0"/>
+                <a:ea typeface="Calibri" panose="020F0502020204030204" pitchFamily="34" charset="0"/>
+                <a:cs typeface="Calibri" panose="020F0502020204030204" pitchFamily="34" charset="0"/>
+                <a:hlinkClick r:id="rId9"/>
+              </a:rPr>
+              <a:t>Comparing Access Control: RBAC, MAC, DAC, RuBAC, ABAC</a:t>
+            </a:r>
+            <a:endParaRPr lang="en-US" sz="1200" b="0" i="0" dirty="0">
+              <a:solidFill>
+                <a:srgbClr val="E6EDF3"/>
+              </a:solidFill>
+              <a:effectLst/>
+              <a:latin typeface="Calibri" panose="020F0502020204030204" pitchFamily="34" charset="0"/>
+              <a:ea typeface="Calibri" panose="020F0502020204030204" pitchFamily="34" charset="0"/>
+              <a:cs typeface="Calibri" panose="020F0502020204030204" pitchFamily="34" charset="0"/>
+            </a:endParaRPr>
+          </a:p>
+          <a:p>
+            <a:pPr marL="114300" indent="0" algn="l">
+              <a:buNone/>
+            </a:pPr>
+            <a:r>
+              <a:rPr lang="en-US" sz="1200" b="1" i="0" dirty="0">
+                <a:effectLst/>
+                <a:latin typeface="Calibri" panose="020F0502020204030204" pitchFamily="34" charset="0"/>
+                <a:ea typeface="Calibri" panose="020F0502020204030204" pitchFamily="34" charset="0"/>
+                <a:cs typeface="Calibri" panose="020F0502020204030204" pitchFamily="34" charset="0"/>
+              </a:rPr>
+              <a:t>Privilege Escalation</a:t>
+            </a:r>
+          </a:p>
+          <a:p>
+            <a:pPr algn="l"/>
+            <a:r>
+              <a:rPr lang="en-US" sz="1200" b="0" i="0" u="sng" dirty="0">
+                <a:solidFill>
+                  <a:srgbClr val="E6EDF3"/>
+                </a:solidFill>
+                <a:effectLst/>
+                <a:latin typeface="Calibri" panose="020F0502020204030204" pitchFamily="34" charset="0"/>
+                <a:ea typeface="Calibri" panose="020F0502020204030204" pitchFamily="34" charset="0"/>
+                <a:cs typeface="Calibri" panose="020F0502020204030204" pitchFamily="34" charset="0"/>
+                <a:hlinkClick r:id="rId10"/>
+              </a:rPr>
+              <a:t>What Is Privilege Escalation</a:t>
+            </a:r>
+            <a:r>
+              <a:rPr lang="en-US" sz="1200" u="sng" dirty="0">
+                <a:solidFill>
+                  <a:srgbClr val="E6EDF3"/>
+                </a:solidFill>
+                <a:latin typeface="Calibri" panose="020F0502020204030204" pitchFamily="34" charset="0"/>
+                <a:ea typeface="Calibri" panose="020F0502020204030204" pitchFamily="34" charset="0"/>
+                <a:cs typeface="Calibri" panose="020F0502020204030204" pitchFamily="34" charset="0"/>
+                <a:hlinkClick r:id="rId10"/>
+              </a:rPr>
+              <a:t>? - ProofPoint</a:t>
+            </a:r>
+            <a:endParaRPr lang="en-US" sz="1200" u="sng" dirty="0">
+              <a:solidFill>
+                <a:srgbClr val="E6EDF3"/>
+              </a:solidFill>
+              <a:latin typeface="Calibri" panose="020F0502020204030204" pitchFamily="34" charset="0"/>
+              <a:ea typeface="Calibri" panose="020F0502020204030204" pitchFamily="34" charset="0"/>
+              <a:cs typeface="Calibri" panose="020F0502020204030204" pitchFamily="34" charset="0"/>
+            </a:endParaRPr>
+          </a:p>
+          <a:p>
+            <a:pPr algn="l"/>
+            <a:r>
+              <a:rPr lang="en-US" sz="1200" b="0" i="0" u="sng" dirty="0">
+                <a:solidFill>
+                  <a:srgbClr val="E6EDF3"/>
+                </a:solidFill>
+                <a:effectLst/>
+                <a:latin typeface="Calibri" panose="020F0502020204030204" pitchFamily="34" charset="0"/>
+                <a:ea typeface="Calibri" panose="020F0502020204030204" pitchFamily="34" charset="0"/>
+                <a:cs typeface="Calibri" panose="020F0502020204030204" pitchFamily="34" charset="0"/>
+                <a:hlinkClick r:id="rId11"/>
+              </a:rPr>
+              <a:t>What is Privilege Escalation? - CrowdStrike</a:t>
+            </a:r>
+            <a:endParaRPr lang="en-US" sz="1200" b="0" i="0" dirty="0">
+              <a:solidFill>
+                <a:srgbClr val="E6EDF3"/>
+              </a:solidFill>
+              <a:effectLst/>
+              <a:latin typeface="Calibri" panose="020F0502020204030204" pitchFamily="34" charset="0"/>
+              <a:ea typeface="Calibri" panose="020F0502020204030204" pitchFamily="34" charset="0"/>
+              <a:cs typeface="Calibri" panose="020F0502020204030204" pitchFamily="34" charset="0"/>
+            </a:endParaRPr>
+          </a:p>
+          <a:p>
+            <a:pPr algn="l"/>
+            <a:r>
+              <a:rPr lang="en-US" sz="1200" b="0" i="0" u="sng" dirty="0">
+                <a:solidFill>
+                  <a:srgbClr val="E6EDF3"/>
+                </a:solidFill>
+                <a:effectLst/>
+                <a:latin typeface="Calibri" panose="020F0502020204030204" pitchFamily="34" charset="0"/>
+                <a:ea typeface="Calibri" panose="020F0502020204030204" pitchFamily="34" charset="0"/>
+                <a:cs typeface="Calibri" panose="020F0502020204030204" pitchFamily="34" charset="0"/>
+                <a:hlinkClick r:id="rId12"/>
+              </a:rPr>
+              <a:t>Understanding Privilege Escalation and 5 Common Attack Techniques</a:t>
+            </a:r>
+            <a:endParaRPr lang="en-US" sz="1200" b="0" i="0" dirty="0">
+              <a:solidFill>
+                <a:srgbClr val="E6EDF3"/>
+              </a:solidFill>
+              <a:effectLst/>
+              <a:latin typeface="Calibri" panose="020F0502020204030204" pitchFamily="34" charset="0"/>
+              <a:ea typeface="Calibri" panose="020F0502020204030204" pitchFamily="34" charset="0"/>
+              <a:cs typeface="Calibri" panose="020F0502020204030204" pitchFamily="34" charset="0"/>
+            </a:endParaRPr>
+          </a:p>
+          <a:p>
+            <a:pPr marL="114300" indent="0" algn="l">
+              <a:buNone/>
+            </a:pPr>
+            <a:r>
+              <a:rPr lang="en-US" sz="1200" b="1" i="0" dirty="0">
+                <a:effectLst/>
+                <a:latin typeface="Calibri" panose="020F0502020204030204" pitchFamily="34" charset="0"/>
+                <a:ea typeface="Calibri" panose="020F0502020204030204" pitchFamily="34" charset="0"/>
+                <a:cs typeface="Calibri" panose="020F0502020204030204" pitchFamily="34" charset="0"/>
+              </a:rPr>
+              <a:t>Windows</a:t>
+            </a:r>
+          </a:p>
+          <a:p>
+            <a:pPr algn="l"/>
+            <a:r>
+              <a:rPr lang="en-US" sz="1200" b="0" i="0" u="sng" dirty="0">
+                <a:solidFill>
+                  <a:srgbClr val="E6EDF3"/>
+                </a:solidFill>
+                <a:effectLst/>
+                <a:latin typeface="Calibri" panose="020F0502020204030204" pitchFamily="34" charset="0"/>
+                <a:ea typeface="Calibri" panose="020F0502020204030204" pitchFamily="34" charset="0"/>
+                <a:cs typeface="Calibri" panose="020F0502020204030204" pitchFamily="34" charset="0"/>
+                <a:hlinkClick r:id="rId13"/>
+              </a:rPr>
+              <a:t>Privilege escalation on Windows: When you want it and when you don’t</a:t>
+            </a:r>
+            <a:endParaRPr lang="en-US" sz="1200" b="0" i="0" dirty="0">
+              <a:solidFill>
+                <a:srgbClr val="E6EDF3"/>
+              </a:solidFill>
+              <a:effectLst/>
+              <a:latin typeface="Calibri" panose="020F0502020204030204" pitchFamily="34" charset="0"/>
+              <a:ea typeface="Calibri" panose="020F0502020204030204" pitchFamily="34" charset="0"/>
+              <a:cs typeface="Calibri" panose="020F0502020204030204" pitchFamily="34" charset="0"/>
+            </a:endParaRPr>
+          </a:p>
+          <a:p>
+            <a:pPr marL="114300" indent="0" algn="l">
+              <a:buNone/>
+            </a:pPr>
+            <a:r>
+              <a:rPr lang="en-US" sz="1200" b="1" i="0" dirty="0">
+                <a:effectLst/>
+                <a:latin typeface="Calibri" panose="020F0502020204030204" pitchFamily="34" charset="0"/>
+                <a:ea typeface="Calibri" panose="020F0502020204030204" pitchFamily="34" charset="0"/>
+                <a:cs typeface="Calibri" panose="020F0502020204030204" pitchFamily="34" charset="0"/>
+              </a:rPr>
+              <a:t>Linux</a:t>
+            </a:r>
+          </a:p>
+          <a:p>
+            <a:pPr algn="l"/>
+            <a:r>
+              <a:rPr lang="en-US" sz="1200" b="0" i="0" u="sng" dirty="0">
+                <a:solidFill>
+                  <a:srgbClr val="E6EDF3"/>
+                </a:solidFill>
+                <a:effectLst/>
+                <a:latin typeface="Calibri" panose="020F0502020204030204" pitchFamily="34" charset="0"/>
+                <a:ea typeface="Calibri" panose="020F0502020204030204" pitchFamily="34" charset="0"/>
+                <a:cs typeface="Calibri" panose="020F0502020204030204" pitchFamily="34" charset="0"/>
+                <a:hlinkClick r:id="rId14"/>
+              </a:rPr>
+              <a:t>A Guide On Linux Privilege Escalation - The Journey Towards System Control</a:t>
+            </a:r>
+            <a:endParaRPr lang="en-US" sz="1200" dirty="0">
+              <a:latin typeface="Calibri" panose="020F0502020204030204" pitchFamily="34" charset="0"/>
+              <a:ea typeface="Calibri" panose="020F0502020204030204" pitchFamily="34" charset="0"/>
+              <a:cs typeface="Calibri" panose="020F0502020204030204" pitchFamily="34" charset="0"/>
+            </a:endParaRPr>
+          </a:p>
+          <a:p>
+            <a:pPr marL="91440" lvl="0" indent="0" algn="l" rtl="0">
+              <a:lnSpc>
+                <a:spcPct val="90000"/>
+              </a:lnSpc>
+              <a:spcBef>
+                <a:spcPts val="0"/>
+              </a:spcBef>
+              <a:spcAft>
+                <a:spcPts val="0"/>
+              </a:spcAft>
+              <a:buSzPts val="2000"/>
+              <a:buNone/>
+            </a:pPr>
+            <a:endParaRPr sz="1200" dirty="0">
+              <a:latin typeface="Calibri" panose="020F0502020204030204" pitchFamily="34" charset="0"/>
+              <a:ea typeface="Calibri" panose="020F0502020204030204" pitchFamily="34" charset="0"/>
+              <a:cs typeface="Calibri" panose="020F0502020204030204" pitchFamily="34" charset="0"/>
+            </a:endParaRPr>
+          </a:p>
+        </p:txBody>
+      </p:sp>
+      <p:sp>
+        <p:nvSpPr>
+          <p:cNvPr id="53" name="Google Shape;53;p3"/>
+          <p:cNvSpPr txBox="1">
+            <a:spLocks noGrp="1"/>
+          </p:cNvSpPr>
+          <p:nvPr>
+            <p:ph type="ftr" idx="11"/>
+          </p:nvPr>
+        </p:nvSpPr>
+        <p:spPr>
+          <a:xfrm>
+            <a:off x="3686185" y="6459785"/>
+            <a:ext cx="4822804" cy="365125"/>
+          </a:xfrm>
+          <a:prstGeom prst="rect">
+            <a:avLst/>
+          </a:prstGeom>
+          <a:noFill/>
+          <a:ln>
+            <a:noFill/>
+          </a:ln>
+        </p:spPr>
+        <p:txBody>
+          <a:bodyPr spcFirstLastPara="1" wrap="square" lIns="91425" tIns="45700" rIns="91425" bIns="45700" anchor="ctr" anchorCtr="0">
+            <a:noAutofit/>
+          </a:bodyPr>
+          <a:lstStyle/>
+          <a:p>
+            <a:pPr marL="0" lvl="0" indent="0" algn="ctr" rtl="0">
+              <a:spcBef>
+                <a:spcPts val="0"/>
+              </a:spcBef>
+              <a:spcAft>
+                <a:spcPts val="0"/>
+              </a:spcAft>
+              <a:buNone/>
+            </a:pPr>
+            <a:r>
+              <a:rPr lang="en-US" dirty="0"/>
+              <a:t>SECURITY FIRST PRINCIPLES: LEAST PRIVILEGE</a:t>
+            </a:r>
+          </a:p>
+        </p:txBody>
+      </p:sp>
+      <p:sp>
+        <p:nvSpPr>
+          <p:cNvPr id="54" name="Google Shape;54;p3"/>
+          <p:cNvSpPr txBox="1">
+            <a:spLocks noGrp="1"/>
+          </p:cNvSpPr>
+          <p:nvPr>
+            <p:ph type="sldNum" idx="12"/>
+          </p:nvPr>
+        </p:nvSpPr>
+        <p:spPr>
+          <a:xfrm>
+            <a:off x="9900458" y="6459785"/>
+            <a:ext cx="1312025" cy="365125"/>
+          </a:xfrm>
+          <a:prstGeom prst="rect">
+            <a:avLst/>
+          </a:prstGeom>
+          <a:noFill/>
+          <a:ln>
+            <a:noFill/>
+          </a:ln>
+        </p:spPr>
+        <p:txBody>
+          <a:bodyPr spcFirstLastPara="1" wrap="square" lIns="91425" tIns="45700" rIns="91425" bIns="45700" anchor="ctr" anchorCtr="0">
+            <a:noAutofit/>
+          </a:bodyPr>
+          <a:lstStyle/>
+          <a:p>
+            <a:pPr marL="0" lvl="0" indent="0" algn="r" rtl="0">
+              <a:spcBef>
+                <a:spcPts val="0"/>
+              </a:spcBef>
+              <a:spcAft>
+                <a:spcPts val="0"/>
+              </a:spcAft>
+              <a:buNone/>
+            </a:pPr>
+            <a:fld id="{00000000-1234-1234-1234-123412341234}" type="slidenum">
+              <a:rPr lang="en-US"/>
+              <a:t>31</a:t>
+            </a:fld>
+            <a:endParaRPr dirty="0"/>
+          </a:p>
+        </p:txBody>
+      </p:sp>
+    </p:spTree>
+  </p:cSld>
+  <p:clrMapOvr>
+    <a:masterClrMapping/>
+  </p:clrMapOvr>
+</p:sld>
+</file>
+
 <file path=ppt/slides/slide4.xml><?xml version="1.0" encoding="utf-8"?>
 <p:sld xmlns:a="http://schemas.openxmlformats.org/drawingml/2006/main" xmlns:r="http://schemas.openxmlformats.org/officeDocument/2006/relationships" xmlns:p="http://schemas.openxmlformats.org/presentationml/2006/main">
   <p:cSld>
@@ -19528,7 +23694,7 @@
           <p:nvPr/>
         </p:nvPicPr>
         <p:blipFill>
-          <a:blip r:embed="rId2">
+          <a:blip r:embed="rId3">
             <a:extLst>
               <a:ext uri="{28A0092B-C50C-407E-A947-70E740481C1C}">
                 <a14:useLocalDpi xmlns:a14="http://schemas.microsoft.com/office/drawing/2010/main" val="0"/>
@@ -19637,7 +23803,7 @@
         <p:spPr/>
         <p:txBody>
           <a:bodyPr>
-            <a:normAutofit lnSpcReduction="10000"/>
+            <a:normAutofit fontScale="92500" lnSpcReduction="10000"/>
           </a:bodyPr>
           <a:lstStyle/>
           <a:p>
@@ -19834,6 +24000,14 @@
             <a:r>
               <a:rPr lang="en-US" dirty="0"/>
               <a:t>usually follow some form of </a:t>
+            </a:r>
+            <a:r>
+              <a:rPr lang="en-US" b="1" dirty="0"/>
+              <a:t>security model </a:t>
+            </a:r>
+            <a:r>
+              <a:rPr lang="en-US" dirty="0"/>
+              <a:t>or </a:t>
             </a:r>
             <a:r>
               <a:rPr lang="en-US" b="1" dirty="0"/>
@@ -20252,7 +24426,23 @@
                 <a:ea typeface="Calibri" panose="020F0502020204030204" pitchFamily="34" charset="0"/>
                 <a:cs typeface="Calibri" panose="020F0502020204030204" pitchFamily="34" charset="0"/>
               </a:rPr>
-              <a:t>may frequently prompt users to </a:t>
+              <a:t>may frequently </a:t>
+            </a:r>
+            <a:r>
+              <a:rPr lang="en-US" sz="2000" b="1" dirty="0">
+                <a:latin typeface="Calibri" panose="020F0502020204030204" pitchFamily="34" charset="0"/>
+                <a:ea typeface="Calibri" panose="020F0502020204030204" pitchFamily="34" charset="0"/>
+                <a:cs typeface="Calibri" panose="020F0502020204030204" pitchFamily="34" charset="0"/>
+              </a:rPr>
+              <a:t>prompt</a:t>
+            </a:r>
+            <a:r>
+              <a:rPr lang="en-US" sz="2000" dirty="0">
+                <a:latin typeface="Calibri" panose="020F0502020204030204" pitchFamily="34" charset="0"/>
+                <a:ea typeface="Calibri" panose="020F0502020204030204" pitchFamily="34" charset="0"/>
+                <a:cs typeface="Calibri" panose="020F0502020204030204" pitchFamily="34" charset="0"/>
+              </a:rPr>
+              <a:t> users to </a:t>
             </a:r>
             <a:r>
               <a:rPr lang="en-US" sz="2000" b="1" dirty="0">
@@ -20268,7 +24458,7 @@
                 <a:ea typeface="Calibri" panose="020F0502020204030204" pitchFamily="34" charset="0"/>
                 <a:cs typeface="Calibri" panose="020F0502020204030204" pitchFamily="34" charset="0"/>
               </a:rPr>
-              <a:t> their privilege for tasks that have </a:t>
+              <a:t> their privilege for </a:t>
             </a:r>
             <a:r>
               <a:rPr lang="en-US" sz="2000" b="1" dirty="0">
@@ -20276,7 +24466,23 @@
                 <a:ea typeface="Calibri" panose="020F0502020204030204" pitchFamily="34" charset="0"/>
                 <a:cs typeface="Calibri" panose="020F0502020204030204" pitchFamily="34" charset="0"/>
               </a:rPr>
-              <a:t>high consequences</a:t>
+              <a:t>tasks</a:t>
+            </a:r>
+            <a:r>
+              <a:rPr lang="en-US" sz="2000" dirty="0">
+                <a:latin typeface="Calibri" panose="020F0502020204030204" pitchFamily="34" charset="0"/>
+                <a:ea typeface="Calibri" panose="020F0502020204030204" pitchFamily="34" charset="0"/>
+                <a:cs typeface="Calibri" panose="020F0502020204030204" pitchFamily="34" charset="0"/>
+              </a:rPr>
+              <a:t> </a:t>
+            </a:r>
+            <a:r>
+              <a:rPr lang="en-US" sz="2000" b="1" dirty="0">
+                <a:latin typeface="Calibri" panose="020F0502020204030204" pitchFamily="34" charset="0"/>
+                <a:ea typeface="Calibri" panose="020F0502020204030204" pitchFamily="34" charset="0"/>
+                <a:cs typeface="Calibri" panose="020F0502020204030204" pitchFamily="34" charset="0"/>
+              </a:rPr>
+              <a:t>that have high consequences</a:t>
             </a:r>
             <a:r>
               <a:rPr lang="en-US" sz="2000" dirty="0">
@@ -20304,10 +24510,10 @@
           <p:nvPr/>
         </p:nvPicPr>
         <p:blipFill>
-          <a:blip r:embed="rId2">
+          <a:blip r:embed="rId3">
             <a:extLst>
               <a:ext uri="{96DAC541-7B7A-43D3-8B79-37D633B846F1}">
-                <asvg:svgBlip xmlns:asvg="http://schemas.microsoft.com/office/drawing/2016/SVG/main" r:embed="rId3"/>
+                <asvg:svgBlip xmlns:asvg="http://schemas.microsoft.com/office/drawing/2016/SVG/main" r:embed="rId4"/>
               </a:ext>
             </a:extLst>
           </a:blip>
@@ -20340,10 +24546,10 @@
           <p:nvPr/>
         </p:nvPicPr>
         <p:blipFill>
-          <a:blip r:embed="rId4">
+          <a:blip r:embed="rId5">
             <a:extLst>
               <a:ext uri="{96DAC541-7B7A-43D3-8B79-37D633B846F1}">
-                <asvg:svgBlip xmlns:asvg="http://schemas.microsoft.com/office/drawing/2016/SVG/main" r:embed="rId5"/>
+                <asvg:svgBlip xmlns:asvg="http://schemas.microsoft.com/office/drawing/2016/SVG/main" r:embed="rId6"/>
               </a:ext>
             </a:extLst>
           </a:blip>
@@ -20523,7 +24729,7 @@
           <p:nvPr>
             <p:extLst>
               <p:ext uri="{D42A27DB-BD31-4B8C-83A1-F6EECF244321}">
-                <p14:modId xmlns:p14="http://schemas.microsoft.com/office/powerpoint/2010/main" val="334503282"/>
+                <p14:modId xmlns:p14="http://schemas.microsoft.com/office/powerpoint/2010/main" val="1325723340"/>
               </p:ext>
             </p:extLst>
           </p:nvPr>
@@ -20737,6 +24943,10 @@
                     <a:bodyPr/>
                     <a:lstStyle/>
                     <a:p>
+                      <a:pPr marL="285750" indent="-285750">
+                        <a:buFont typeface="Arial" panose="020B0604020202020204" pitchFamily="34" charset="0"/>
+                        <a:buChar char="•"/>
+                      </a:pPr>
                       <a:r>
                         <a:rPr lang="en-US" dirty="0">
                           <a:latin typeface="Calibri" panose="020F0502020204030204" pitchFamily="34" charset="0"/>
@@ -21079,7 +25289,7 @@
           <p:nvPr>
             <p:extLst>
               <p:ext uri="{D42A27DB-BD31-4B8C-83A1-F6EECF244321}">
-                <p14:modId xmlns:p14="http://schemas.microsoft.com/office/powerpoint/2010/main" val="3522531597"/>
+                <p14:modId xmlns:p14="http://schemas.microsoft.com/office/powerpoint/2010/main" val="4190554243"/>
               </p:ext>
             </p:extLst>
           </p:nvPr>
@@ -21313,6 +25523,10 @@
                     <a:bodyPr/>
                     <a:lstStyle/>
                     <a:p>
+                      <a:pPr marL="285750" indent="-285750">
+                        <a:buFont typeface="Arial" panose="020B0604020202020204" pitchFamily="34" charset="0"/>
+                        <a:buChar char="•"/>
+                      </a:pPr>
                       <a:r>
                         <a:rPr lang="en-US" dirty="0">
                           <a:latin typeface="Calibri" panose="020F0502020204030204" pitchFamily="34" charset="0"/>
